--- a/Proyecto final/SprintsDevelopment/Branch 02/DocumentosAEntregar/Sprint 02.pptx
+++ b/Proyecto final/SprintsDevelopment/Branch 02/DocumentosAEntregar/Sprint 02.pptx
@@ -3943,39 +3943,8 @@
                 <a:ea typeface="+mj-ea"/>
                 <a:cs typeface="+mj-cs"/>
               </a:rPr>
-              <a:t>Sprint </a:t>
-            </a:r>
-            <a:r>
-              <a:rPr kumimoji="0" lang="es-AR" sz="4400" b="0" i="0" u="none" strike="noStrike" kern="1200" cap="none" spc="0" normalizeH="0" baseline="0" noProof="0" dirty="0" err="1" smtClean="0">
-                <a:ln>
-                  <a:noFill/>
-                </a:ln>
-                <a:solidFill>
-                  <a:schemeClr val="tx1"/>
-                </a:solidFill>
-                <a:effectLst/>
-                <a:uLnTx/>
-                <a:uFillTx/>
-                <a:latin typeface="+mj-lt"/>
-                <a:ea typeface="+mj-ea"/>
-                <a:cs typeface="+mj-cs"/>
-              </a:rPr>
-              <a:t>Review</a:t>
-            </a:r>
-            <a:endParaRPr kumimoji="0" lang="es-AR" sz="4400" b="0" i="0" u="none" strike="noStrike" kern="1200" cap="none" spc="0" normalizeH="0" baseline="0" noProof="0" dirty="0" smtClean="0">
-              <a:ln>
-                <a:noFill/>
-              </a:ln>
-              <a:solidFill>
-                <a:schemeClr val="tx1"/>
-              </a:solidFill>
-              <a:effectLst/>
-              <a:uLnTx/>
-              <a:uFillTx/>
-              <a:latin typeface="+mj-lt"/>
-              <a:ea typeface="+mj-ea"/>
-              <a:cs typeface="+mj-cs"/>
-            </a:endParaRPr>
+              <a:t>Sprint Review</a:t>
+            </a:r>
           </a:p>
         </p:txBody>
       </p:sp>
@@ -4017,13 +3986,13 @@
         <p:spPr/>
         <p:txBody>
           <a:bodyPr>
-            <a:normAutofit fontScale="90000"/>
+            <a:normAutofit/>
           </a:bodyPr>
           <a:lstStyle/>
           <a:p>
             <a:r>
               <a:rPr lang="es-AR" dirty="0" smtClean="0"/>
-              <a:t>Que podemos hacer para mejorar</a:t>
+              <a:t>Mejoras pendientes</a:t>
             </a:r>
             <a:endParaRPr lang="es-AR" dirty="0"/>
           </a:p>
@@ -4048,19 +4017,27 @@
           <a:p>
             <a:r>
               <a:rPr lang="es-AR" dirty="0" smtClean="0"/>
-              <a:t>Como equipo debemos mejorar el desarrollo comunicacional con el </a:t>
+              <a:t>Mayor comunicación </a:t>
+            </a:r>
+            <a:r>
+              <a:rPr lang="es-AR" dirty="0" smtClean="0"/>
+              <a:t>con el </a:t>
             </a:r>
             <a:r>
               <a:rPr lang="es-AR" dirty="0" err="1" smtClean="0"/>
-              <a:t>product</a:t>
+              <a:t>Product</a:t>
             </a:r>
             <a:r>
               <a:rPr lang="es-AR" dirty="0" smtClean="0"/>
               <a:t> </a:t>
             </a:r>
             <a:r>
+              <a:rPr lang="es-AR" dirty="0" err="1"/>
+              <a:t>O</a:t>
+            </a:r>
+            <a:r>
               <a:rPr lang="es-AR" dirty="0" err="1" smtClean="0"/>
-              <a:t>owner</a:t>
+              <a:t>wner</a:t>
             </a:r>
             <a:r>
               <a:rPr lang="es-AR" dirty="0" smtClean="0"/>
@@ -4068,20 +4045,23 @@
             </a:r>
           </a:p>
           <a:p>
+            <a:pPr marL="0" indent="0">
+              <a:buNone/>
+            </a:pPr>
             <a:endParaRPr lang="es-AR" dirty="0" smtClean="0"/>
           </a:p>
           <a:p>
             <a:r>
               <a:rPr lang="es-AR" dirty="0" smtClean="0"/>
-              <a:t>Debemos seguir readaptando constantemente y sin demora </a:t>
+              <a:t>Mayor flexibilidad a la hora de </a:t>
             </a:r>
             <a:r>
               <a:rPr lang="es-AR" dirty="0" err="1" smtClean="0"/>
-              <a:t>replanificaciones</a:t>
-            </a:r>
-            <a:r>
-              <a:rPr lang="es-AR" dirty="0" smtClean="0"/>
-              <a:t> y asignaciones de </a:t>
+              <a:t>replanificar</a:t>
+            </a:r>
+            <a:r>
+              <a:rPr lang="es-AR" dirty="0" smtClean="0"/>
+              <a:t>  y reasignar </a:t>
             </a:r>
             <a:r>
               <a:rPr lang="es-AR" dirty="0" err="1" smtClean="0"/>
@@ -4106,7 +4086,11 @@
           <a:p>
             <a:r>
               <a:rPr lang="es-AR" dirty="0" smtClean="0"/>
-              <a:t>Debemos comenzar con un proceso inicial de integración del producto.</a:t>
+              <a:t>Comenzar </a:t>
+            </a:r>
+            <a:r>
+              <a:rPr lang="es-AR" dirty="0" smtClean="0"/>
+              <a:t>con un proceso inicial de integración del producto.</a:t>
             </a:r>
             <a:endParaRPr lang="es-AR" dirty="0"/>
           </a:p>
@@ -4429,48 +4413,59 @@
           <a:p>
             <a:r>
               <a:rPr lang="es-AR" dirty="0" smtClean="0"/>
-              <a:t>Objetivos del Sprint 02</a:t>
-            </a:r>
-          </a:p>
-          <a:p>
-            <a:r>
-              <a:rPr lang="es-AR" dirty="0" smtClean="0"/>
-              <a:t>Logros.</a:t>
-            </a:r>
-          </a:p>
-          <a:p>
-            <a:r>
-              <a:rPr lang="es-AR" dirty="0" smtClean="0"/>
-              <a:t>Inconvenientes.</a:t>
-            </a:r>
-          </a:p>
-          <a:p>
-            <a:r>
-              <a:rPr lang="es-AR" dirty="0" err="1" smtClean="0"/>
-              <a:t>Tasks</a:t>
-            </a:r>
-            <a:r>
-              <a:rPr lang="es-AR" dirty="0" smtClean="0"/>
-              <a:t> postergadas al siguiente sprint.</a:t>
-            </a:r>
-          </a:p>
-          <a:p>
-            <a:r>
-              <a:rPr lang="es-AR" dirty="0" smtClean="0"/>
-              <a:t>Que podemos hacer para mejorar.</a:t>
-            </a:r>
-          </a:p>
-          <a:p>
-            <a:r>
-              <a:rPr lang="es-AR" dirty="0" smtClean="0"/>
-              <a:t>Gráficos y estadísticas de proyecto.</a:t>
-            </a:r>
-          </a:p>
-          <a:p>
-            <a:r>
-              <a:rPr lang="es-AR" dirty="0" smtClean="0"/>
-              <a:t>Resumen de desarrollo.</a:t>
-            </a:r>
+              <a:t>Objetivos</a:t>
+            </a:r>
+            <a:endParaRPr lang="es-AR" dirty="0" smtClean="0"/>
+          </a:p>
+          <a:p>
+            <a:r>
+              <a:rPr lang="es-AR" dirty="0" smtClean="0"/>
+              <a:t>Logros</a:t>
+            </a:r>
+            <a:endParaRPr lang="es-AR" dirty="0" smtClean="0"/>
+          </a:p>
+          <a:p>
+            <a:r>
+              <a:rPr lang="es-AR" dirty="0" smtClean="0"/>
+              <a:t>Inconvenientes</a:t>
+            </a:r>
+            <a:endParaRPr lang="es-AR" dirty="0" smtClean="0"/>
+          </a:p>
+          <a:p>
+            <a:r>
+              <a:rPr lang="es-AR" dirty="0" smtClean="0"/>
+              <a:t>Tareas postergadas</a:t>
+            </a:r>
+            <a:endParaRPr lang="es-AR" dirty="0" smtClean="0"/>
+          </a:p>
+          <a:p>
+            <a:r>
+              <a:rPr lang="es-AR" dirty="0" smtClean="0"/>
+              <a:t>Mejoras pendientes</a:t>
+            </a:r>
+            <a:endParaRPr lang="es-AR" dirty="0" smtClean="0"/>
+          </a:p>
+          <a:p>
+            <a:r>
+              <a:rPr lang="es-AR" dirty="0" smtClean="0"/>
+              <a:t>Gráficos y estadísticas de </a:t>
+            </a:r>
+            <a:r>
+              <a:rPr lang="es-AR" dirty="0" smtClean="0"/>
+              <a:t>proyecto</a:t>
+            </a:r>
+            <a:endParaRPr lang="es-AR" dirty="0" smtClean="0"/>
+          </a:p>
+          <a:p>
+            <a:r>
+              <a:rPr lang="es-AR" dirty="0" smtClean="0"/>
+              <a:t>Resumen de </a:t>
+            </a:r>
+            <a:r>
+              <a:rPr lang="es-AR" dirty="0" smtClean="0"/>
+              <a:t>desarrollo</a:t>
+            </a:r>
+            <a:endParaRPr lang="es-AR" dirty="0" smtClean="0"/>
           </a:p>
           <a:p>
             <a:endParaRPr lang="es-AR" dirty="0"/>
@@ -4593,8 +4588,13 @@
           <a:p>
             <a:r>
               <a:rPr lang="es-AR" dirty="0" smtClean="0"/>
-              <a:t>Planificar, dirigir y controlar el Sprint de forma que no ocurran errores e inconvenientes como en el Sprint 01.</a:t>
-            </a:r>
+              <a:t>Planificar, dirigir y controlar el Sprint de forma </a:t>
+            </a:r>
+            <a:r>
+              <a:rPr lang="es-AR" dirty="0" smtClean="0"/>
+              <a:t>correcta, para evitar inconvenientes.</a:t>
+            </a:r>
+            <a:endParaRPr lang="es-AR" dirty="0" smtClean="0"/>
           </a:p>
           <a:p>
             <a:endParaRPr lang="es-AR" dirty="0"/>
@@ -4602,8 +4602,21 @@
           <a:p>
             <a:r>
               <a:rPr lang="es-AR" dirty="0" smtClean="0"/>
-              <a:t>Completar el modelo de clases de diseño del producto y el modelo de BD.</a:t>
-            </a:r>
+              <a:t>Completar el modelo de clases </a:t>
+            </a:r>
+            <a:r>
+              <a:rPr lang="es-AR" dirty="0" smtClean="0"/>
+              <a:t>del </a:t>
+            </a:r>
+            <a:r>
+              <a:rPr lang="es-AR" dirty="0" smtClean="0"/>
+              <a:t>producto y el modelo de </a:t>
+            </a:r>
+            <a:r>
+              <a:rPr lang="es-AR" dirty="0" smtClean="0"/>
+              <a:t>Base de Datos.</a:t>
+            </a:r>
+            <a:endParaRPr lang="es-AR" dirty="0" smtClean="0"/>
           </a:p>
           <a:p>
             <a:endParaRPr lang="es-AR" dirty="0"/>
@@ -4611,7 +4624,11 @@
           <a:p>
             <a:r>
               <a:rPr lang="es-AR" dirty="0" smtClean="0"/>
-              <a:t>Concretar con los últimos test de desarrollo para iniciar la producción concreta del producto.</a:t>
+              <a:t>Llevar a cabo los </a:t>
+            </a:r>
+            <a:r>
+              <a:rPr lang="es-AR" dirty="0" smtClean="0"/>
+              <a:t>últimos test de desarrollo para iniciar la producción concreta del producto.</a:t>
             </a:r>
           </a:p>
           <a:p>
@@ -4921,13 +4938,29 @@
         <p:spPr/>
         <p:txBody>
           <a:bodyPr>
-            <a:normAutofit fontScale="62500" lnSpcReduction="20000"/>
+            <a:normAutofit fontScale="70000" lnSpcReduction="20000"/>
           </a:bodyPr>
           <a:lstStyle/>
           <a:p>
             <a:r>
               <a:rPr lang="es-AR" dirty="0" smtClean="0"/>
-              <a:t>El nuevo integrante pudo desarrollar su nueva integración al proyecto de una forma correcta.</a:t>
+              <a:t>El nuevo </a:t>
+            </a:r>
+            <a:r>
+              <a:rPr lang="es-AR" dirty="0" smtClean="0"/>
+              <a:t>integrante pudo incorporase  al </a:t>
+            </a:r>
+            <a:r>
+              <a:rPr lang="es-AR" dirty="0" smtClean="0"/>
+              <a:t>proyecto de </a:t>
+            </a:r>
+            <a:r>
+              <a:rPr lang="es-AR" dirty="0" smtClean="0"/>
+              <a:t>forma </a:t>
+            </a:r>
+            <a:r>
+              <a:rPr lang="es-AR" dirty="0" smtClean="0"/>
+              <a:t>correcta.</a:t>
             </a:r>
             <a:endParaRPr lang="es-AR" dirty="0"/>
           </a:p>
@@ -4937,7 +4970,23 @@
           <a:p>
             <a:r>
               <a:rPr lang="es-AR" dirty="0" smtClean="0"/>
-              <a:t>Fueron definidos nuevos roles para el integrante, de ahora en más se incorpora un nuevo Ingeniero de Software (con orientación a desarrollo web) y DBA para el desarrollo del producto.</a:t>
+              <a:t>Fueron definidos </a:t>
+            </a:r>
+            <a:r>
+              <a:rPr lang="es-AR" dirty="0" smtClean="0"/>
+              <a:t>los roles </a:t>
+            </a:r>
+            <a:r>
+              <a:rPr lang="es-AR" dirty="0" smtClean="0"/>
+              <a:t>para el </a:t>
+            </a:r>
+            <a:r>
+              <a:rPr lang="es-AR" dirty="0" smtClean="0"/>
+              <a:t>integrante;  </a:t>
+            </a:r>
+            <a:r>
+              <a:rPr lang="es-AR" dirty="0" smtClean="0"/>
+              <a:t>un nuevo Ingeniero de Software (con orientación a desarrollo web) y DBA para el desarrollo del producto.</a:t>
             </a:r>
           </a:p>
           <a:p>
@@ -5398,8 +5447,21 @@
           <a:p>
             <a:r>
               <a:rPr lang="es-AR" dirty="0" smtClean="0"/>
-              <a:t>Se plantearon inconvenientes en cuanto a la adaptación de la arquitectura para cumplimentar el desarrollo entre lenguajes, por suerte el inconveniente fue resuelto.</a:t>
-            </a:r>
+              <a:t>Se plantearon inconvenientes en </a:t>
+            </a:r>
+            <a:r>
+              <a:rPr lang="es-AR" dirty="0" smtClean="0"/>
+              <a:t>la </a:t>
+            </a:r>
+            <a:r>
+              <a:rPr lang="es-AR" dirty="0" smtClean="0"/>
+              <a:t>adaptación de la arquitectura para cumplimentar el desarrollo entre </a:t>
+            </a:r>
+            <a:r>
+              <a:rPr lang="es-AR" dirty="0" smtClean="0"/>
+              <a:t>lenguajes.</a:t>
+            </a:r>
+            <a:endParaRPr lang="es-AR" dirty="0" smtClean="0"/>
           </a:p>
           <a:p>
             <a:endParaRPr lang="es-AR" dirty="0"/>
@@ -5425,7 +5487,11 @@
           <a:p>
             <a:r>
               <a:rPr lang="es-AR" dirty="0" smtClean="0"/>
-              <a:t>Se dejó una </a:t>
+              <a:t>Se </a:t>
+            </a:r>
+            <a:r>
+              <a:rPr lang="es-AR" dirty="0" smtClean="0"/>
+              <a:t>postergó una </a:t>
             </a:r>
             <a:r>
               <a:rPr lang="es-AR" dirty="0" err="1" smtClean="0"/>
@@ -5441,7 +5507,15 @@
             </a:r>
             <a:r>
               <a:rPr lang="es-AR" dirty="0" smtClean="0"/>
-              <a:t> para un siguiente sprint, porque era necesario mejorar algunos aspectos técnicos.</a:t>
+              <a:t> para un siguiente sprint, </a:t>
+            </a:r>
+            <a:r>
+              <a:rPr lang="es-AR" dirty="0" smtClean="0"/>
+              <a:t>ya que era </a:t>
+            </a:r>
+            <a:r>
+              <a:rPr lang="es-AR" dirty="0" smtClean="0"/>
+              <a:t>necesario mejorar algunos aspectos técnicos.</a:t>
             </a:r>
             <a:endParaRPr lang="es-AR" dirty="0"/>
           </a:p>
@@ -5915,12 +5989,20 @@
           <a:lstStyle/>
           <a:p>
             <a:r>
-              <a:rPr lang="es-AR" sz="3600" dirty="0" err="1" smtClean="0"/>
-              <a:t>Tasks</a:t>
-            </a:r>
-            <a:r>
               <a:rPr lang="es-AR" sz="3600" dirty="0" smtClean="0"/>
-              <a:t> postergadas para el Siguiente Sprint</a:t>
+              <a:t>Tareas postergadas </a:t>
+            </a:r>
+            <a:r>
+              <a:rPr lang="es-AR" sz="3600" dirty="0" smtClean="0"/>
+              <a:t>para el </a:t>
+            </a:r>
+            <a:r>
+              <a:rPr lang="es-AR" sz="3600" dirty="0" smtClean="0"/>
+              <a:t>siguiente </a:t>
+            </a:r>
+            <a:r>
+              <a:rPr lang="es-AR" sz="3600" dirty="0" smtClean="0"/>
+              <a:t>Sprint</a:t>
             </a:r>
             <a:endParaRPr lang="es-AR" sz="3600" dirty="0"/>
           </a:p>
@@ -5943,19 +6025,7 @@
           <a:p>
             <a:r>
               <a:rPr lang="es-AR" dirty="0" smtClean="0"/>
-              <a:t>Realizar pruebas de recuperación de </a:t>
-            </a:r>
-            <a:r>
-              <a:rPr lang="es-AR" dirty="0" smtClean="0"/>
-              <a:t>imágenes </a:t>
-            </a:r>
-            <a:r>
-              <a:rPr lang="es-AR" dirty="0" smtClean="0"/>
-              <a:t>comprimidas en la base de datos</a:t>
-            </a:r>
-            <a:r>
-              <a:rPr lang="es-AR" dirty="0" smtClean="0"/>
-              <a:t>.</a:t>
+              <a:t>Realizar pruebas de recuperación de imágenes comprimidas en la base de datos.</a:t>
             </a:r>
           </a:p>
           <a:p>
@@ -5964,7 +6034,19 @@
           <a:p>
             <a:r>
               <a:rPr lang="es-AR" dirty="0" smtClean="0"/>
-              <a:t>Implementar en el motor de base de datos funcionalidad para almacenar imágenes.</a:t>
+              <a:t>Implementar </a:t>
+            </a:r>
+            <a:r>
+              <a:rPr lang="es-AR" dirty="0" smtClean="0"/>
+              <a:t> funcionalidad para almacenar imágenes en </a:t>
+            </a:r>
+            <a:r>
+              <a:rPr lang="es-AR" dirty="0" smtClean="0"/>
+              <a:t>el motor de base de </a:t>
+            </a:r>
+            <a:r>
+              <a:rPr lang="es-AR" dirty="0" smtClean="0"/>
+              <a:t>datos.</a:t>
             </a:r>
             <a:endParaRPr lang="es-AR" dirty="0"/>
           </a:p>

--- a/Proyecto final/SprintsDevelopment/Branch 02/DocumentosAEntregar/Sprint 02.pptx
+++ b/Proyecto final/SprintsDevelopment/Branch 02/DocumentosAEntregar/Sprint 02.pptx
@@ -24,92 +24,122 @@
     <a:defPPr>
       <a:defRPr lang="es-AR"/>
     </a:defPPr>
-    <a:lvl1pPr marL="0" algn="l" defTabSz="914400" rtl="0" eaLnBrk="1" latinLnBrk="0" hangingPunct="1">
-      <a:defRPr sz="1800" kern="1200">
+    <a:lvl1pPr algn="l" rtl="0" fontAlgn="base">
+      <a:spcBef>
+        <a:spcPct val="0"/>
+      </a:spcBef>
+      <a:spcAft>
+        <a:spcPct val="0"/>
+      </a:spcAft>
+      <a:defRPr kern="1200">
         <a:solidFill>
           <a:schemeClr val="tx1"/>
         </a:solidFill>
-        <a:latin typeface="+mn-lt"/>
+        <a:latin typeface="Arial" charset="0"/>
         <a:ea typeface="+mn-ea"/>
         <a:cs typeface="+mn-cs"/>
       </a:defRPr>
     </a:lvl1pPr>
-    <a:lvl2pPr marL="457200" algn="l" defTabSz="914400" rtl="0" eaLnBrk="1" latinLnBrk="0" hangingPunct="1">
-      <a:defRPr sz="1800" kern="1200">
+    <a:lvl2pPr marL="457200" algn="l" rtl="0" fontAlgn="base">
+      <a:spcBef>
+        <a:spcPct val="0"/>
+      </a:spcBef>
+      <a:spcAft>
+        <a:spcPct val="0"/>
+      </a:spcAft>
+      <a:defRPr kern="1200">
         <a:solidFill>
           <a:schemeClr val="tx1"/>
         </a:solidFill>
-        <a:latin typeface="+mn-lt"/>
+        <a:latin typeface="Arial" charset="0"/>
         <a:ea typeface="+mn-ea"/>
         <a:cs typeface="+mn-cs"/>
       </a:defRPr>
     </a:lvl2pPr>
-    <a:lvl3pPr marL="914400" algn="l" defTabSz="914400" rtl="0" eaLnBrk="1" latinLnBrk="0" hangingPunct="1">
-      <a:defRPr sz="1800" kern="1200">
+    <a:lvl3pPr marL="914400" algn="l" rtl="0" fontAlgn="base">
+      <a:spcBef>
+        <a:spcPct val="0"/>
+      </a:spcBef>
+      <a:spcAft>
+        <a:spcPct val="0"/>
+      </a:spcAft>
+      <a:defRPr kern="1200">
         <a:solidFill>
           <a:schemeClr val="tx1"/>
         </a:solidFill>
-        <a:latin typeface="+mn-lt"/>
+        <a:latin typeface="Arial" charset="0"/>
         <a:ea typeface="+mn-ea"/>
         <a:cs typeface="+mn-cs"/>
       </a:defRPr>
     </a:lvl3pPr>
-    <a:lvl4pPr marL="1371600" algn="l" defTabSz="914400" rtl="0" eaLnBrk="1" latinLnBrk="0" hangingPunct="1">
-      <a:defRPr sz="1800" kern="1200">
+    <a:lvl4pPr marL="1371600" algn="l" rtl="0" fontAlgn="base">
+      <a:spcBef>
+        <a:spcPct val="0"/>
+      </a:spcBef>
+      <a:spcAft>
+        <a:spcPct val="0"/>
+      </a:spcAft>
+      <a:defRPr kern="1200">
         <a:solidFill>
           <a:schemeClr val="tx1"/>
         </a:solidFill>
-        <a:latin typeface="+mn-lt"/>
+        <a:latin typeface="Arial" charset="0"/>
         <a:ea typeface="+mn-ea"/>
         <a:cs typeface="+mn-cs"/>
       </a:defRPr>
     </a:lvl4pPr>
-    <a:lvl5pPr marL="1828800" algn="l" defTabSz="914400" rtl="0" eaLnBrk="1" latinLnBrk="0" hangingPunct="1">
-      <a:defRPr sz="1800" kern="1200">
+    <a:lvl5pPr marL="1828800" algn="l" rtl="0" fontAlgn="base">
+      <a:spcBef>
+        <a:spcPct val="0"/>
+      </a:spcBef>
+      <a:spcAft>
+        <a:spcPct val="0"/>
+      </a:spcAft>
+      <a:defRPr kern="1200">
         <a:solidFill>
           <a:schemeClr val="tx1"/>
         </a:solidFill>
-        <a:latin typeface="+mn-lt"/>
+        <a:latin typeface="Arial" charset="0"/>
         <a:ea typeface="+mn-ea"/>
         <a:cs typeface="+mn-cs"/>
       </a:defRPr>
     </a:lvl5pPr>
     <a:lvl6pPr marL="2286000" algn="l" defTabSz="914400" rtl="0" eaLnBrk="1" latinLnBrk="0" hangingPunct="1">
-      <a:defRPr sz="1800" kern="1200">
+      <a:defRPr kern="1200">
         <a:solidFill>
           <a:schemeClr val="tx1"/>
         </a:solidFill>
-        <a:latin typeface="+mn-lt"/>
+        <a:latin typeface="Arial" charset="0"/>
         <a:ea typeface="+mn-ea"/>
         <a:cs typeface="+mn-cs"/>
       </a:defRPr>
     </a:lvl6pPr>
     <a:lvl7pPr marL="2743200" algn="l" defTabSz="914400" rtl="0" eaLnBrk="1" latinLnBrk="0" hangingPunct="1">
-      <a:defRPr sz="1800" kern="1200">
+      <a:defRPr kern="1200">
         <a:solidFill>
           <a:schemeClr val="tx1"/>
         </a:solidFill>
-        <a:latin typeface="+mn-lt"/>
+        <a:latin typeface="Arial" charset="0"/>
         <a:ea typeface="+mn-ea"/>
         <a:cs typeface="+mn-cs"/>
       </a:defRPr>
     </a:lvl7pPr>
     <a:lvl8pPr marL="3200400" algn="l" defTabSz="914400" rtl="0" eaLnBrk="1" latinLnBrk="0" hangingPunct="1">
-      <a:defRPr sz="1800" kern="1200">
+      <a:defRPr kern="1200">
         <a:solidFill>
           <a:schemeClr val="tx1"/>
         </a:solidFill>
-        <a:latin typeface="+mn-lt"/>
+        <a:latin typeface="Arial" charset="0"/>
         <a:ea typeface="+mn-ea"/>
         <a:cs typeface="+mn-cs"/>
       </a:defRPr>
     </a:lvl8pPr>
     <a:lvl9pPr marL="3657600" algn="l" defTabSz="914400" rtl="0" eaLnBrk="1" latinLnBrk="0" hangingPunct="1">
-      <a:defRPr sz="1800" kern="1200">
+      <a:defRPr kern="1200">
         <a:solidFill>
           <a:schemeClr val="tx1"/>
         </a:solidFill>
-        <a:latin typeface="+mn-lt"/>
+        <a:latin typeface="Arial" charset="0"/>
         <a:ea typeface="+mn-ea"/>
         <a:cs typeface="+mn-cs"/>
       </a:defRPr>
@@ -160,7 +190,7 @@
           </a:ln>
         </p:spPr>
         <p:txBody>
-          <a:bodyPr vert="horz" tIns="0" rIns="18288" bIns="0" anchor="b">
+          <a:bodyPr tIns="0" rIns="18288">
             <a:normAutofit/>
             <a:scene3d>
               <a:camera prst="orthographicFront"/>
@@ -206,10 +236,10 @@
           </a:lstStyle>
           <a:p>
             <a:r>
-              <a:rPr kumimoji="0" lang="es-ES" smtClean="0"/>
+              <a:rPr lang="es-ES" smtClean="0"/>
               <a:t>Haga clic para modificar el estilo de título del patrón</a:t>
             </a:r>
-            <a:endParaRPr kumimoji="0" lang="en-US"/>
+            <a:endParaRPr lang="en-US"/>
           </a:p>
         </p:txBody>
       </p:sp>
@@ -267,16 +297,16 @@
           </a:lstStyle>
           <a:p>
             <a:r>
-              <a:rPr kumimoji="0" lang="es-ES" smtClean="0"/>
+              <a:rPr lang="es-ES" smtClean="0"/>
               <a:t>Haga clic para modificar el estilo de subtítulo del patrón</a:t>
             </a:r>
-            <a:endParaRPr kumimoji="0" lang="en-US"/>
-          </a:p>
-        </p:txBody>
-      </p:sp>
-      <p:sp>
-        <p:nvSpPr>
-          <p:cNvPr id="30" name="29 Marcador de fecha"/>
+            <a:endParaRPr lang="en-US"/>
+          </a:p>
+        </p:txBody>
+      </p:sp>
+      <p:sp>
+        <p:nvSpPr>
+          <p:cNvPr id="4" name="29 Marcador de fecha"/>
           <p:cNvSpPr>
             <a:spLocks noGrp="1"/>
           </p:cNvSpPr>
@@ -287,11 +317,21 @@
         <p:spPr/>
         <p:txBody>
           <a:bodyPr/>
-          <a:lstStyle/>
-          <a:p>
-            <a:fld id="{984EFC53-97DF-41F4-BD2E-C01FEF888AAE}" type="datetimeFigureOut">
-              <a:rPr lang="es-AR" smtClean="0"/>
-              <a:t>02/08/2012</a:t>
+          <a:lstStyle>
+            <a:lvl1pPr>
+              <a:defRPr/>
+            </a:lvl1pPr>
+          </a:lstStyle>
+          <a:p>
+            <a:pPr>
+              <a:defRPr/>
+            </a:pPr>
+            <a:fld id="{54B92ACB-99D7-40CE-A028-2D571FF3FBF3}" type="datetimeFigureOut">
+              <a:rPr lang="es-AR"/>
+              <a:pPr>
+                <a:defRPr/>
+              </a:pPr>
+              <a:t>05/08/2012</a:t>
             </a:fld>
             <a:endParaRPr lang="es-AR"/>
           </a:p>
@@ -299,7 +339,7 @@
       </p:sp>
       <p:sp>
         <p:nvSpPr>
-          <p:cNvPr id="19" name="18 Marcador de pie de página"/>
+          <p:cNvPr id="5" name="18 Marcador de pie de página"/>
           <p:cNvSpPr>
             <a:spLocks noGrp="1"/>
           </p:cNvSpPr>
@@ -310,15 +350,22 @@
         <p:spPr/>
         <p:txBody>
           <a:bodyPr/>
-          <a:lstStyle/>
-          <a:p>
+          <a:lstStyle>
+            <a:lvl1pPr>
+              <a:defRPr/>
+            </a:lvl1pPr>
+          </a:lstStyle>
+          <a:p>
+            <a:pPr>
+              <a:defRPr/>
+            </a:pPr>
             <a:endParaRPr lang="es-AR"/>
           </a:p>
         </p:txBody>
       </p:sp>
       <p:sp>
         <p:nvSpPr>
-          <p:cNvPr id="27" name="26 Marcador de número de diapositiva"/>
+          <p:cNvPr id="6" name="26 Marcador de número de diapositiva"/>
           <p:cNvSpPr>
             <a:spLocks noGrp="1"/>
           </p:cNvSpPr>
@@ -329,10 +376,20 @@
         <p:spPr/>
         <p:txBody>
           <a:bodyPr/>
-          <a:lstStyle/>
-          <a:p>
-            <a:fld id="{07BF5B25-4381-4981-B700-49E2F2A86EB2}" type="slidenum">
-              <a:rPr lang="es-AR" smtClean="0"/>
+          <a:lstStyle>
+            <a:lvl1pPr>
+              <a:defRPr/>
+            </a:lvl1pPr>
+          </a:lstStyle>
+          <a:p>
+            <a:pPr>
+              <a:defRPr/>
+            </a:pPr>
+            <a:fld id="{BEC605FF-C533-4022-A0B6-D4949F80A39E}" type="slidenum">
+              <a:rPr lang="es-AR"/>
+              <a:pPr>
+                <a:defRPr/>
+              </a:pPr>
               <a:t>‹Nº›</a:t>
             </a:fld>
             <a:endParaRPr lang="es-AR"/>
@@ -380,10 +437,10 @@
           <a:lstStyle/>
           <a:p>
             <a:r>
-              <a:rPr kumimoji="0" lang="es-ES" smtClean="0"/>
+              <a:rPr lang="es-ES" smtClean="0"/>
               <a:t>Haga clic para modificar el estilo de título del patrón</a:t>
             </a:r>
-            <a:endParaRPr kumimoji="0" lang="en-US"/>
+            <a:endParaRPr lang="en-US"/>
           </a:p>
         </p:txBody>
       </p:sp>
@@ -402,46 +459,46 @@
           <a:bodyPr vert="eaVert"/>
           <a:lstStyle/>
           <a:p>
-            <a:pPr lvl="0" eaLnBrk="1" latinLnBrk="0" hangingPunct="1"/>
+            <a:pPr lvl="0"/>
             <a:r>
               <a:rPr lang="es-ES" smtClean="0"/>
               <a:t>Haga clic para modificar el estilo de texto del patrón</a:t>
             </a:r>
           </a:p>
           <a:p>
-            <a:pPr lvl="1" eaLnBrk="1" latinLnBrk="0" hangingPunct="1"/>
+            <a:pPr lvl="1"/>
             <a:r>
               <a:rPr lang="es-ES" smtClean="0"/>
               <a:t>Segundo nivel</a:t>
             </a:r>
           </a:p>
           <a:p>
-            <a:pPr lvl="2" eaLnBrk="1" latinLnBrk="0" hangingPunct="1"/>
+            <a:pPr lvl="2"/>
             <a:r>
               <a:rPr lang="es-ES" smtClean="0"/>
               <a:t>Tercer nivel</a:t>
             </a:r>
           </a:p>
           <a:p>
-            <a:pPr lvl="3" eaLnBrk="1" latinLnBrk="0" hangingPunct="1"/>
+            <a:pPr lvl="3"/>
             <a:r>
               <a:rPr lang="es-ES" smtClean="0"/>
               <a:t>Cuarto nivel</a:t>
             </a:r>
           </a:p>
           <a:p>
-            <a:pPr lvl="4" eaLnBrk="1" latinLnBrk="0" hangingPunct="1"/>
+            <a:pPr lvl="4"/>
             <a:r>
               <a:rPr lang="es-ES" smtClean="0"/>
               <a:t>Quinto nivel</a:t>
             </a:r>
-            <a:endParaRPr kumimoji="0" lang="en-US"/>
-          </a:p>
-        </p:txBody>
-      </p:sp>
-      <p:sp>
-        <p:nvSpPr>
-          <p:cNvPr id="4" name="3 Marcador de fecha"/>
+            <a:endParaRPr lang="en-US"/>
+          </a:p>
+        </p:txBody>
+      </p:sp>
+      <p:sp>
+        <p:nvSpPr>
+          <p:cNvPr id="4" name="9 Marcador de fecha"/>
           <p:cNvSpPr>
             <a:spLocks noGrp="1"/>
           </p:cNvSpPr>
@@ -452,11 +509,21 @@
         <p:spPr/>
         <p:txBody>
           <a:bodyPr/>
-          <a:lstStyle/>
-          <a:p>
-            <a:fld id="{984EFC53-97DF-41F4-BD2E-C01FEF888AAE}" type="datetimeFigureOut">
-              <a:rPr lang="es-AR" smtClean="0"/>
-              <a:t>02/08/2012</a:t>
+          <a:lstStyle>
+            <a:lvl1pPr>
+              <a:defRPr/>
+            </a:lvl1pPr>
+          </a:lstStyle>
+          <a:p>
+            <a:pPr>
+              <a:defRPr/>
+            </a:pPr>
+            <a:fld id="{04F0E38C-2709-4F5E-9BE4-EC29C373446A}" type="datetimeFigureOut">
+              <a:rPr lang="es-AR"/>
+              <a:pPr>
+                <a:defRPr/>
+              </a:pPr>
+              <a:t>05/08/2012</a:t>
             </a:fld>
             <a:endParaRPr lang="es-AR"/>
           </a:p>
@@ -464,7 +531,7 @@
       </p:sp>
       <p:sp>
         <p:nvSpPr>
-          <p:cNvPr id="5" name="4 Marcador de pie de página"/>
+          <p:cNvPr id="5" name="21 Marcador de pie de página"/>
           <p:cNvSpPr>
             <a:spLocks noGrp="1"/>
           </p:cNvSpPr>
@@ -475,15 +542,22 @@
         <p:spPr/>
         <p:txBody>
           <a:bodyPr/>
-          <a:lstStyle/>
-          <a:p>
+          <a:lstStyle>
+            <a:lvl1pPr>
+              <a:defRPr/>
+            </a:lvl1pPr>
+          </a:lstStyle>
+          <a:p>
+            <a:pPr>
+              <a:defRPr/>
+            </a:pPr>
             <a:endParaRPr lang="es-AR"/>
           </a:p>
         </p:txBody>
       </p:sp>
       <p:sp>
         <p:nvSpPr>
-          <p:cNvPr id="6" name="5 Marcador de número de diapositiva"/>
+          <p:cNvPr id="6" name="17 Marcador de número de diapositiva"/>
           <p:cNvSpPr>
             <a:spLocks noGrp="1"/>
           </p:cNvSpPr>
@@ -494,10 +568,20 @@
         <p:spPr/>
         <p:txBody>
           <a:bodyPr/>
-          <a:lstStyle/>
-          <a:p>
-            <a:fld id="{07BF5B25-4381-4981-B700-49E2F2A86EB2}" type="slidenum">
-              <a:rPr lang="es-AR" smtClean="0"/>
+          <a:lstStyle>
+            <a:lvl1pPr>
+              <a:defRPr/>
+            </a:lvl1pPr>
+          </a:lstStyle>
+          <a:p>
+            <a:pPr>
+              <a:defRPr/>
+            </a:pPr>
+            <a:fld id="{29CAC7CA-08AC-4B9C-926F-577244887A32}" type="slidenum">
+              <a:rPr lang="es-AR"/>
+              <a:pPr>
+                <a:defRPr/>
+              </a:pPr>
               <a:t>‹Nº›</a:t>
             </a:fld>
             <a:endParaRPr lang="es-AR"/>
@@ -550,10 +634,10 @@
           <a:lstStyle/>
           <a:p>
             <a:r>
-              <a:rPr kumimoji="0" lang="es-ES" smtClean="0"/>
+              <a:rPr lang="es-ES" smtClean="0"/>
               <a:t>Haga clic para modificar el estilo de título del patrón</a:t>
             </a:r>
-            <a:endParaRPr kumimoji="0" lang="en-US"/>
+            <a:endParaRPr lang="en-US"/>
           </a:p>
         </p:txBody>
       </p:sp>
@@ -577,46 +661,46 @@
           <a:bodyPr vert="eaVert"/>
           <a:lstStyle/>
           <a:p>
-            <a:pPr lvl="0" eaLnBrk="1" latinLnBrk="0" hangingPunct="1"/>
+            <a:pPr lvl="0"/>
             <a:r>
               <a:rPr lang="es-ES" smtClean="0"/>
               <a:t>Haga clic para modificar el estilo de texto del patrón</a:t>
             </a:r>
           </a:p>
           <a:p>
-            <a:pPr lvl="1" eaLnBrk="1" latinLnBrk="0" hangingPunct="1"/>
+            <a:pPr lvl="1"/>
             <a:r>
               <a:rPr lang="es-ES" smtClean="0"/>
               <a:t>Segundo nivel</a:t>
             </a:r>
           </a:p>
           <a:p>
-            <a:pPr lvl="2" eaLnBrk="1" latinLnBrk="0" hangingPunct="1"/>
+            <a:pPr lvl="2"/>
             <a:r>
               <a:rPr lang="es-ES" smtClean="0"/>
               <a:t>Tercer nivel</a:t>
             </a:r>
           </a:p>
           <a:p>
-            <a:pPr lvl="3" eaLnBrk="1" latinLnBrk="0" hangingPunct="1"/>
+            <a:pPr lvl="3"/>
             <a:r>
               <a:rPr lang="es-ES" smtClean="0"/>
               <a:t>Cuarto nivel</a:t>
             </a:r>
           </a:p>
           <a:p>
-            <a:pPr lvl="4" eaLnBrk="1" latinLnBrk="0" hangingPunct="1"/>
+            <a:pPr lvl="4"/>
             <a:r>
               <a:rPr lang="es-ES" smtClean="0"/>
               <a:t>Quinto nivel</a:t>
             </a:r>
-            <a:endParaRPr kumimoji="0" lang="en-US"/>
-          </a:p>
-        </p:txBody>
-      </p:sp>
-      <p:sp>
-        <p:nvSpPr>
-          <p:cNvPr id="4" name="3 Marcador de fecha"/>
+            <a:endParaRPr lang="en-US"/>
+          </a:p>
+        </p:txBody>
+      </p:sp>
+      <p:sp>
+        <p:nvSpPr>
+          <p:cNvPr id="4" name="9 Marcador de fecha"/>
           <p:cNvSpPr>
             <a:spLocks noGrp="1"/>
           </p:cNvSpPr>
@@ -627,11 +711,21 @@
         <p:spPr/>
         <p:txBody>
           <a:bodyPr/>
-          <a:lstStyle/>
-          <a:p>
-            <a:fld id="{984EFC53-97DF-41F4-BD2E-C01FEF888AAE}" type="datetimeFigureOut">
-              <a:rPr lang="es-AR" smtClean="0"/>
-              <a:t>02/08/2012</a:t>
+          <a:lstStyle>
+            <a:lvl1pPr>
+              <a:defRPr/>
+            </a:lvl1pPr>
+          </a:lstStyle>
+          <a:p>
+            <a:pPr>
+              <a:defRPr/>
+            </a:pPr>
+            <a:fld id="{766A3B6D-B293-4F6B-85DF-6B0F74FD1CA0}" type="datetimeFigureOut">
+              <a:rPr lang="es-AR"/>
+              <a:pPr>
+                <a:defRPr/>
+              </a:pPr>
+              <a:t>05/08/2012</a:t>
             </a:fld>
             <a:endParaRPr lang="es-AR"/>
           </a:p>
@@ -639,7 +733,7 @@
       </p:sp>
       <p:sp>
         <p:nvSpPr>
-          <p:cNvPr id="5" name="4 Marcador de pie de página"/>
+          <p:cNvPr id="5" name="21 Marcador de pie de página"/>
           <p:cNvSpPr>
             <a:spLocks noGrp="1"/>
           </p:cNvSpPr>
@@ -650,15 +744,22 @@
         <p:spPr/>
         <p:txBody>
           <a:bodyPr/>
-          <a:lstStyle/>
-          <a:p>
+          <a:lstStyle>
+            <a:lvl1pPr>
+              <a:defRPr/>
+            </a:lvl1pPr>
+          </a:lstStyle>
+          <a:p>
+            <a:pPr>
+              <a:defRPr/>
+            </a:pPr>
             <a:endParaRPr lang="es-AR"/>
           </a:p>
         </p:txBody>
       </p:sp>
       <p:sp>
         <p:nvSpPr>
-          <p:cNvPr id="6" name="5 Marcador de número de diapositiva"/>
+          <p:cNvPr id="6" name="17 Marcador de número de diapositiva"/>
           <p:cNvSpPr>
             <a:spLocks noGrp="1"/>
           </p:cNvSpPr>
@@ -669,10 +770,20 @@
         <p:spPr/>
         <p:txBody>
           <a:bodyPr/>
-          <a:lstStyle/>
-          <a:p>
-            <a:fld id="{07BF5B25-4381-4981-B700-49E2F2A86EB2}" type="slidenum">
-              <a:rPr lang="es-AR" smtClean="0"/>
+          <a:lstStyle>
+            <a:lvl1pPr>
+              <a:defRPr/>
+            </a:lvl1pPr>
+          </a:lstStyle>
+          <a:p>
+            <a:pPr>
+              <a:defRPr/>
+            </a:pPr>
+            <a:fld id="{FAD02E4B-A5E9-4296-BE59-DF7232A2F540}" type="slidenum">
+              <a:rPr lang="es-AR"/>
+              <a:pPr>
+                <a:defRPr/>
+              </a:pPr>
               <a:t>‹Nº›</a:t>
             </a:fld>
             <a:endParaRPr lang="es-AR"/>
@@ -720,10 +831,10 @@
           <a:lstStyle/>
           <a:p>
             <a:r>
-              <a:rPr kumimoji="0" lang="es-ES" smtClean="0"/>
+              <a:rPr lang="es-ES" smtClean="0"/>
               <a:t>Haga clic para modificar el estilo de título del patrón</a:t>
             </a:r>
-            <a:endParaRPr kumimoji="0" lang="en-US"/>
+            <a:endParaRPr lang="en-US"/>
           </a:p>
         </p:txBody>
       </p:sp>
@@ -742,46 +853,46 @@
           <a:bodyPr/>
           <a:lstStyle/>
           <a:p>
-            <a:pPr lvl="0" eaLnBrk="1" latinLnBrk="0" hangingPunct="1"/>
+            <a:pPr lvl="0"/>
             <a:r>
               <a:rPr lang="es-ES" smtClean="0"/>
               <a:t>Haga clic para modificar el estilo de texto del patrón</a:t>
             </a:r>
           </a:p>
           <a:p>
-            <a:pPr lvl="1" eaLnBrk="1" latinLnBrk="0" hangingPunct="1"/>
+            <a:pPr lvl="1"/>
             <a:r>
               <a:rPr lang="es-ES" smtClean="0"/>
               <a:t>Segundo nivel</a:t>
             </a:r>
           </a:p>
           <a:p>
-            <a:pPr lvl="2" eaLnBrk="1" latinLnBrk="0" hangingPunct="1"/>
+            <a:pPr lvl="2"/>
             <a:r>
               <a:rPr lang="es-ES" smtClean="0"/>
               <a:t>Tercer nivel</a:t>
             </a:r>
           </a:p>
           <a:p>
-            <a:pPr lvl="3" eaLnBrk="1" latinLnBrk="0" hangingPunct="1"/>
+            <a:pPr lvl="3"/>
             <a:r>
               <a:rPr lang="es-ES" smtClean="0"/>
               <a:t>Cuarto nivel</a:t>
             </a:r>
           </a:p>
           <a:p>
-            <a:pPr lvl="4" eaLnBrk="1" latinLnBrk="0" hangingPunct="1"/>
+            <a:pPr lvl="4"/>
             <a:r>
               <a:rPr lang="es-ES" smtClean="0"/>
               <a:t>Quinto nivel</a:t>
             </a:r>
-            <a:endParaRPr kumimoji="0" lang="en-US"/>
-          </a:p>
-        </p:txBody>
-      </p:sp>
-      <p:sp>
-        <p:nvSpPr>
-          <p:cNvPr id="4" name="3 Marcador de fecha"/>
+            <a:endParaRPr lang="en-US"/>
+          </a:p>
+        </p:txBody>
+      </p:sp>
+      <p:sp>
+        <p:nvSpPr>
+          <p:cNvPr id="4" name="9 Marcador de fecha"/>
           <p:cNvSpPr>
             <a:spLocks noGrp="1"/>
           </p:cNvSpPr>
@@ -792,11 +903,21 @@
         <p:spPr/>
         <p:txBody>
           <a:bodyPr/>
-          <a:lstStyle/>
-          <a:p>
-            <a:fld id="{984EFC53-97DF-41F4-BD2E-C01FEF888AAE}" type="datetimeFigureOut">
-              <a:rPr lang="es-AR" smtClean="0"/>
-              <a:t>02/08/2012</a:t>
+          <a:lstStyle>
+            <a:lvl1pPr>
+              <a:defRPr/>
+            </a:lvl1pPr>
+          </a:lstStyle>
+          <a:p>
+            <a:pPr>
+              <a:defRPr/>
+            </a:pPr>
+            <a:fld id="{B1E38BAC-4EC5-4868-B615-CD3029A194BC}" type="datetimeFigureOut">
+              <a:rPr lang="es-AR"/>
+              <a:pPr>
+                <a:defRPr/>
+              </a:pPr>
+              <a:t>05/08/2012</a:t>
             </a:fld>
             <a:endParaRPr lang="es-AR"/>
           </a:p>
@@ -804,7 +925,7 @@
       </p:sp>
       <p:sp>
         <p:nvSpPr>
-          <p:cNvPr id="5" name="4 Marcador de pie de página"/>
+          <p:cNvPr id="5" name="21 Marcador de pie de página"/>
           <p:cNvSpPr>
             <a:spLocks noGrp="1"/>
           </p:cNvSpPr>
@@ -815,15 +936,22 @@
         <p:spPr/>
         <p:txBody>
           <a:bodyPr/>
-          <a:lstStyle/>
-          <a:p>
+          <a:lstStyle>
+            <a:lvl1pPr>
+              <a:defRPr/>
+            </a:lvl1pPr>
+          </a:lstStyle>
+          <a:p>
+            <a:pPr>
+              <a:defRPr/>
+            </a:pPr>
             <a:endParaRPr lang="es-AR"/>
           </a:p>
         </p:txBody>
       </p:sp>
       <p:sp>
         <p:nvSpPr>
-          <p:cNvPr id="6" name="5 Marcador de número de diapositiva"/>
+          <p:cNvPr id="6" name="17 Marcador de número de diapositiva"/>
           <p:cNvSpPr>
             <a:spLocks noGrp="1"/>
           </p:cNvSpPr>
@@ -834,10 +962,20 @@
         <p:spPr/>
         <p:txBody>
           <a:bodyPr/>
-          <a:lstStyle/>
-          <a:p>
-            <a:fld id="{07BF5B25-4381-4981-B700-49E2F2A86EB2}" type="slidenum">
-              <a:rPr lang="es-AR" smtClean="0"/>
+          <a:lstStyle>
+            <a:lvl1pPr>
+              <a:defRPr/>
+            </a:lvl1pPr>
+          </a:lstStyle>
+          <a:p>
+            <a:pPr>
+              <a:defRPr/>
+            </a:pPr>
+            <a:fld id="{F1BED083-A8AD-4E71-B2D0-45D328B5E809}" type="slidenum">
+              <a:rPr lang="es-AR"/>
+              <a:pPr>
+                <a:defRPr/>
+              </a:pPr>
               <a:t>‹Nº›</a:t>
             </a:fld>
             <a:endParaRPr lang="es-AR"/>
@@ -894,7 +1032,7 @@
           </a:ln>
         </p:spPr>
         <p:txBody>
-          <a:bodyPr vert="horz" tIns="0" bIns="0" anchor="b">
+          <a:bodyPr tIns="0">
             <a:noAutofit/>
             <a:scene3d>
               <a:camera prst="orthographicFront"/>
@@ -937,10 +1075,10 @@
           </a:lstStyle>
           <a:p>
             <a:r>
-              <a:rPr kumimoji="0" lang="es-ES" smtClean="0"/>
+              <a:rPr lang="es-ES" smtClean="0"/>
               <a:t>Haga clic para modificar el estilo de título del patrón</a:t>
             </a:r>
-            <a:endParaRPr kumimoji="0" lang="en-US"/>
+            <a:endParaRPr lang="en-US"/>
           </a:p>
         </p:txBody>
       </p:sp>
@@ -961,7 +1099,7 @@
           </a:xfrm>
         </p:spPr>
         <p:txBody>
-          <a:bodyPr lIns="45720" rIns="45720" anchor="t"/>
+          <a:bodyPr lIns="45720" rIns="45720"/>
           <a:lstStyle>
             <a:lvl1pPr marL="0" indent="0">
               <a:buNone/>
@@ -1013,9 +1151,9 @@
             </a:lvl5pPr>
           </a:lstStyle>
           <a:p>
-            <a:pPr lvl="0" eaLnBrk="1" latinLnBrk="0" hangingPunct="1"/>
-            <a:r>
-              <a:rPr kumimoji="0" lang="es-ES" smtClean="0"/>
+            <a:pPr lvl="0"/>
+            <a:r>
+              <a:rPr lang="es-ES" smtClean="0"/>
               <a:t>Haga clic para modificar el estilo de texto del patrón</a:t>
             </a:r>
           </a:p>
@@ -1034,11 +1172,21 @@
         <p:spPr/>
         <p:txBody>
           <a:bodyPr/>
-          <a:lstStyle/>
-          <a:p>
-            <a:fld id="{984EFC53-97DF-41F4-BD2E-C01FEF888AAE}" type="datetimeFigureOut">
-              <a:rPr lang="es-AR" smtClean="0"/>
-              <a:t>02/08/2012</a:t>
+          <a:lstStyle>
+            <a:lvl1pPr>
+              <a:defRPr/>
+            </a:lvl1pPr>
+          </a:lstStyle>
+          <a:p>
+            <a:pPr>
+              <a:defRPr/>
+            </a:pPr>
+            <a:fld id="{C7F36A32-ECA9-4867-B572-6E3E2E8C3B72}" type="datetimeFigureOut">
+              <a:rPr lang="es-AR"/>
+              <a:pPr>
+                <a:defRPr/>
+              </a:pPr>
+              <a:t>05/08/2012</a:t>
             </a:fld>
             <a:endParaRPr lang="es-AR"/>
           </a:p>
@@ -1057,8 +1205,15 @@
         <p:spPr/>
         <p:txBody>
           <a:bodyPr/>
-          <a:lstStyle/>
-          <a:p>
+          <a:lstStyle>
+            <a:lvl1pPr>
+              <a:defRPr/>
+            </a:lvl1pPr>
+          </a:lstStyle>
+          <a:p>
+            <a:pPr>
+              <a:defRPr/>
+            </a:pPr>
             <a:endParaRPr lang="es-AR"/>
           </a:p>
         </p:txBody>
@@ -1076,10 +1231,20 @@
         <p:spPr/>
         <p:txBody>
           <a:bodyPr/>
-          <a:lstStyle/>
-          <a:p>
-            <a:fld id="{07BF5B25-4381-4981-B700-49E2F2A86EB2}" type="slidenum">
-              <a:rPr lang="es-AR" smtClean="0"/>
+          <a:lstStyle>
+            <a:lvl1pPr>
+              <a:defRPr/>
+            </a:lvl1pPr>
+          </a:lstStyle>
+          <a:p>
+            <a:pPr>
+              <a:defRPr/>
+            </a:pPr>
+            <a:fld id="{9A4A0A34-F1B3-4B8C-B24E-57A1C62A32A6}" type="slidenum">
+              <a:rPr lang="es-AR"/>
+              <a:pPr>
+                <a:defRPr/>
+              </a:pPr>
               <a:t>‹Nº›</a:t>
             </a:fld>
             <a:endParaRPr lang="es-AR"/>
@@ -1132,10 +1297,10 @@
           <a:lstStyle/>
           <a:p>
             <a:r>
-              <a:rPr kumimoji="0" lang="es-ES" smtClean="0"/>
+              <a:rPr lang="es-ES" smtClean="0"/>
               <a:t>Haga clic para modificar el estilo de título del patrón</a:t>
             </a:r>
-            <a:endParaRPr kumimoji="0" lang="en-US"/>
+            <a:endParaRPr lang="en-US"/>
           </a:p>
         </p:txBody>
       </p:sp>
@@ -1175,40 +1340,40 @@
             </a:lvl5pPr>
           </a:lstStyle>
           <a:p>
-            <a:pPr lvl="0" eaLnBrk="1" latinLnBrk="0" hangingPunct="1"/>
+            <a:pPr lvl="0"/>
             <a:r>
               <a:rPr lang="es-ES" smtClean="0"/>
               <a:t>Haga clic para modificar el estilo de texto del patrón</a:t>
             </a:r>
           </a:p>
           <a:p>
-            <a:pPr lvl="1" eaLnBrk="1" latinLnBrk="0" hangingPunct="1"/>
+            <a:pPr lvl="1"/>
             <a:r>
               <a:rPr lang="es-ES" smtClean="0"/>
               <a:t>Segundo nivel</a:t>
             </a:r>
           </a:p>
           <a:p>
-            <a:pPr lvl="2" eaLnBrk="1" latinLnBrk="0" hangingPunct="1"/>
+            <a:pPr lvl="2"/>
             <a:r>
               <a:rPr lang="es-ES" smtClean="0"/>
               <a:t>Tercer nivel</a:t>
             </a:r>
           </a:p>
           <a:p>
-            <a:pPr lvl="3" eaLnBrk="1" latinLnBrk="0" hangingPunct="1"/>
+            <a:pPr lvl="3"/>
             <a:r>
               <a:rPr lang="es-ES" smtClean="0"/>
               <a:t>Cuarto nivel</a:t>
             </a:r>
           </a:p>
           <a:p>
-            <a:pPr lvl="4" eaLnBrk="1" latinLnBrk="0" hangingPunct="1"/>
+            <a:pPr lvl="4"/>
             <a:r>
               <a:rPr lang="es-ES" smtClean="0"/>
               <a:t>Quinto nivel</a:t>
             </a:r>
-            <a:endParaRPr kumimoji="0" lang="en-US"/>
+            <a:endParaRPr lang="en-US"/>
           </a:p>
         </p:txBody>
       </p:sp>
@@ -1248,46 +1413,46 @@
             </a:lvl5pPr>
           </a:lstStyle>
           <a:p>
-            <a:pPr lvl="0" eaLnBrk="1" latinLnBrk="0" hangingPunct="1"/>
+            <a:pPr lvl="0"/>
             <a:r>
               <a:rPr lang="es-ES" smtClean="0"/>
               <a:t>Haga clic para modificar el estilo de texto del patrón</a:t>
             </a:r>
           </a:p>
           <a:p>
-            <a:pPr lvl="1" eaLnBrk="1" latinLnBrk="0" hangingPunct="1"/>
+            <a:pPr lvl="1"/>
             <a:r>
               <a:rPr lang="es-ES" smtClean="0"/>
               <a:t>Segundo nivel</a:t>
             </a:r>
           </a:p>
           <a:p>
-            <a:pPr lvl="2" eaLnBrk="1" latinLnBrk="0" hangingPunct="1"/>
+            <a:pPr lvl="2"/>
             <a:r>
               <a:rPr lang="es-ES" smtClean="0"/>
               <a:t>Tercer nivel</a:t>
             </a:r>
           </a:p>
           <a:p>
-            <a:pPr lvl="3" eaLnBrk="1" latinLnBrk="0" hangingPunct="1"/>
+            <a:pPr lvl="3"/>
             <a:r>
               <a:rPr lang="es-ES" smtClean="0"/>
               <a:t>Cuarto nivel</a:t>
             </a:r>
           </a:p>
           <a:p>
-            <a:pPr lvl="4" eaLnBrk="1" latinLnBrk="0" hangingPunct="1"/>
+            <a:pPr lvl="4"/>
             <a:r>
               <a:rPr lang="es-ES" smtClean="0"/>
               <a:t>Quinto nivel</a:t>
             </a:r>
-            <a:endParaRPr kumimoji="0" lang="en-US"/>
-          </a:p>
-        </p:txBody>
-      </p:sp>
-      <p:sp>
-        <p:nvSpPr>
-          <p:cNvPr id="5" name="4 Marcador de fecha"/>
+            <a:endParaRPr lang="en-US"/>
+          </a:p>
+        </p:txBody>
+      </p:sp>
+      <p:sp>
+        <p:nvSpPr>
+          <p:cNvPr id="5" name="9 Marcador de fecha"/>
           <p:cNvSpPr>
             <a:spLocks noGrp="1"/>
           </p:cNvSpPr>
@@ -1298,11 +1463,21 @@
         <p:spPr/>
         <p:txBody>
           <a:bodyPr/>
-          <a:lstStyle/>
-          <a:p>
-            <a:fld id="{984EFC53-97DF-41F4-BD2E-C01FEF888AAE}" type="datetimeFigureOut">
-              <a:rPr lang="es-AR" smtClean="0"/>
-              <a:t>02/08/2012</a:t>
+          <a:lstStyle>
+            <a:lvl1pPr>
+              <a:defRPr/>
+            </a:lvl1pPr>
+          </a:lstStyle>
+          <a:p>
+            <a:pPr>
+              <a:defRPr/>
+            </a:pPr>
+            <a:fld id="{4654F1D2-3AC3-4656-A2CA-E9077CAB267F}" type="datetimeFigureOut">
+              <a:rPr lang="es-AR"/>
+              <a:pPr>
+                <a:defRPr/>
+              </a:pPr>
+              <a:t>05/08/2012</a:t>
             </a:fld>
             <a:endParaRPr lang="es-AR"/>
           </a:p>
@@ -1310,7 +1485,7 @@
       </p:sp>
       <p:sp>
         <p:nvSpPr>
-          <p:cNvPr id="6" name="5 Marcador de pie de página"/>
+          <p:cNvPr id="6" name="21 Marcador de pie de página"/>
           <p:cNvSpPr>
             <a:spLocks noGrp="1"/>
           </p:cNvSpPr>
@@ -1321,15 +1496,22 @@
         <p:spPr/>
         <p:txBody>
           <a:bodyPr/>
-          <a:lstStyle/>
-          <a:p>
+          <a:lstStyle>
+            <a:lvl1pPr>
+              <a:defRPr/>
+            </a:lvl1pPr>
+          </a:lstStyle>
+          <a:p>
+            <a:pPr>
+              <a:defRPr/>
+            </a:pPr>
             <a:endParaRPr lang="es-AR"/>
           </a:p>
         </p:txBody>
       </p:sp>
       <p:sp>
         <p:nvSpPr>
-          <p:cNvPr id="7" name="6 Marcador de número de diapositiva"/>
+          <p:cNvPr id="7" name="17 Marcador de número de diapositiva"/>
           <p:cNvSpPr>
             <a:spLocks noGrp="1"/>
           </p:cNvSpPr>
@@ -1340,10 +1522,20 @@
         <p:spPr/>
         <p:txBody>
           <a:bodyPr/>
-          <a:lstStyle/>
-          <a:p>
-            <a:fld id="{07BF5B25-4381-4981-B700-49E2F2A86EB2}" type="slidenum">
-              <a:rPr lang="es-AR" smtClean="0"/>
+          <a:lstStyle>
+            <a:lvl1pPr>
+              <a:defRPr/>
+            </a:lvl1pPr>
+          </a:lstStyle>
+          <a:p>
+            <a:pPr>
+              <a:defRPr/>
+            </a:pPr>
+            <a:fld id="{F426DCEA-FB23-4243-8EC2-FFD0D9B022B3}" type="slidenum">
+              <a:rPr lang="es-AR"/>
+              <a:pPr>
+                <a:defRPr/>
+              </a:pPr>
               <a:t>‹Nº›</a:t>
             </a:fld>
             <a:endParaRPr lang="es-AR"/>
@@ -1392,7 +1584,7 @@
           </a:xfrm>
         </p:spPr>
         <p:txBody>
-          <a:bodyPr tIns="45720" anchor="b"/>
+          <a:bodyPr/>
           <a:lstStyle>
             <a:lvl1pPr>
               <a:defRPr/>
@@ -1400,10 +1592,10 @@
           </a:lstStyle>
           <a:p>
             <a:r>
-              <a:rPr kumimoji="0" lang="es-ES" smtClean="0"/>
+              <a:rPr lang="es-ES" smtClean="0"/>
               <a:t>Haga clic para modificar el estilo de título del patrón</a:t>
             </a:r>
-            <a:endParaRPr kumimoji="0" lang="en-US"/>
+            <a:endParaRPr lang="en-US"/>
           </a:p>
         </p:txBody>
       </p:sp>
@@ -1455,9 +1647,9 @@
             </a:lvl5pPr>
           </a:lstStyle>
           <a:p>
-            <a:pPr lvl="0" eaLnBrk="1" latinLnBrk="0" hangingPunct="1"/>
-            <a:r>
-              <a:rPr kumimoji="0" lang="es-ES" smtClean="0"/>
+            <a:pPr lvl="0"/>
+            <a:r>
+              <a:rPr lang="es-ES" smtClean="0"/>
               <a:t>Haga clic para modificar el estilo de texto del patrón</a:t>
             </a:r>
           </a:p>
@@ -1509,9 +1701,9 @@
             </a:lvl5pPr>
           </a:lstStyle>
           <a:p>
-            <a:pPr lvl="0" eaLnBrk="1" latinLnBrk="0" hangingPunct="1"/>
-            <a:r>
-              <a:rPr kumimoji="0" lang="es-ES" smtClean="0"/>
+            <a:pPr lvl="0"/>
+            <a:r>
+              <a:rPr lang="es-ES" smtClean="0"/>
               <a:t>Haga clic para modificar el estilo de texto del patrón</a:t>
             </a:r>
           </a:p>
@@ -1553,40 +1745,40 @@
             </a:lvl5pPr>
           </a:lstStyle>
           <a:p>
-            <a:pPr lvl="0" eaLnBrk="1" latinLnBrk="0" hangingPunct="1"/>
+            <a:pPr lvl="0"/>
             <a:r>
               <a:rPr lang="es-ES" smtClean="0"/>
               <a:t>Haga clic para modificar el estilo de texto del patrón</a:t>
             </a:r>
           </a:p>
           <a:p>
-            <a:pPr lvl="1" eaLnBrk="1" latinLnBrk="0" hangingPunct="1"/>
+            <a:pPr lvl="1"/>
             <a:r>
               <a:rPr lang="es-ES" smtClean="0"/>
               <a:t>Segundo nivel</a:t>
             </a:r>
           </a:p>
           <a:p>
-            <a:pPr lvl="2" eaLnBrk="1" latinLnBrk="0" hangingPunct="1"/>
+            <a:pPr lvl="2"/>
             <a:r>
               <a:rPr lang="es-ES" smtClean="0"/>
               <a:t>Tercer nivel</a:t>
             </a:r>
           </a:p>
           <a:p>
-            <a:pPr lvl="3" eaLnBrk="1" latinLnBrk="0" hangingPunct="1"/>
+            <a:pPr lvl="3"/>
             <a:r>
               <a:rPr lang="es-ES" smtClean="0"/>
               <a:t>Cuarto nivel</a:t>
             </a:r>
           </a:p>
           <a:p>
-            <a:pPr lvl="4" eaLnBrk="1" latinLnBrk="0" hangingPunct="1"/>
+            <a:pPr lvl="4"/>
             <a:r>
               <a:rPr lang="es-ES" smtClean="0"/>
               <a:t>Quinto nivel</a:t>
             </a:r>
-            <a:endParaRPr kumimoji="0" lang="en-US"/>
+            <a:endParaRPr lang="en-US"/>
           </a:p>
         </p:txBody>
       </p:sp>
@@ -1626,46 +1818,46 @@
             </a:lvl5pPr>
           </a:lstStyle>
           <a:p>
-            <a:pPr lvl="0" eaLnBrk="1" latinLnBrk="0" hangingPunct="1"/>
+            <a:pPr lvl="0"/>
             <a:r>
               <a:rPr lang="es-ES" smtClean="0"/>
               <a:t>Haga clic para modificar el estilo de texto del patrón</a:t>
             </a:r>
           </a:p>
           <a:p>
-            <a:pPr lvl="1" eaLnBrk="1" latinLnBrk="0" hangingPunct="1"/>
+            <a:pPr lvl="1"/>
             <a:r>
               <a:rPr lang="es-ES" smtClean="0"/>
               <a:t>Segundo nivel</a:t>
             </a:r>
           </a:p>
           <a:p>
-            <a:pPr lvl="2" eaLnBrk="1" latinLnBrk="0" hangingPunct="1"/>
+            <a:pPr lvl="2"/>
             <a:r>
               <a:rPr lang="es-ES" smtClean="0"/>
               <a:t>Tercer nivel</a:t>
             </a:r>
           </a:p>
           <a:p>
-            <a:pPr lvl="3" eaLnBrk="1" latinLnBrk="0" hangingPunct="1"/>
+            <a:pPr lvl="3"/>
             <a:r>
               <a:rPr lang="es-ES" smtClean="0"/>
               <a:t>Cuarto nivel</a:t>
             </a:r>
           </a:p>
           <a:p>
-            <a:pPr lvl="4" eaLnBrk="1" latinLnBrk="0" hangingPunct="1"/>
+            <a:pPr lvl="4"/>
             <a:r>
               <a:rPr lang="es-ES" smtClean="0"/>
               <a:t>Quinto nivel</a:t>
             </a:r>
-            <a:endParaRPr kumimoji="0" lang="en-US"/>
-          </a:p>
-        </p:txBody>
-      </p:sp>
-      <p:sp>
-        <p:nvSpPr>
-          <p:cNvPr id="7" name="6 Marcador de fecha"/>
+            <a:endParaRPr lang="en-US"/>
+          </a:p>
+        </p:txBody>
+      </p:sp>
+      <p:sp>
+        <p:nvSpPr>
+          <p:cNvPr id="7" name="9 Marcador de fecha"/>
           <p:cNvSpPr>
             <a:spLocks noGrp="1"/>
           </p:cNvSpPr>
@@ -1676,11 +1868,21 @@
         <p:spPr/>
         <p:txBody>
           <a:bodyPr/>
-          <a:lstStyle/>
-          <a:p>
-            <a:fld id="{984EFC53-97DF-41F4-BD2E-C01FEF888AAE}" type="datetimeFigureOut">
-              <a:rPr lang="es-AR" smtClean="0"/>
-              <a:t>02/08/2012</a:t>
+          <a:lstStyle>
+            <a:lvl1pPr>
+              <a:defRPr/>
+            </a:lvl1pPr>
+          </a:lstStyle>
+          <a:p>
+            <a:pPr>
+              <a:defRPr/>
+            </a:pPr>
+            <a:fld id="{9770AFAE-A19B-44BB-8FE7-8F60D0D22589}" type="datetimeFigureOut">
+              <a:rPr lang="es-AR"/>
+              <a:pPr>
+                <a:defRPr/>
+              </a:pPr>
+              <a:t>05/08/2012</a:t>
             </a:fld>
             <a:endParaRPr lang="es-AR"/>
           </a:p>
@@ -1688,7 +1890,7 @@
       </p:sp>
       <p:sp>
         <p:nvSpPr>
-          <p:cNvPr id="8" name="7 Marcador de pie de página"/>
+          <p:cNvPr id="8" name="21 Marcador de pie de página"/>
           <p:cNvSpPr>
             <a:spLocks noGrp="1"/>
           </p:cNvSpPr>
@@ -1699,15 +1901,22 @@
         <p:spPr/>
         <p:txBody>
           <a:bodyPr/>
-          <a:lstStyle/>
-          <a:p>
+          <a:lstStyle>
+            <a:lvl1pPr>
+              <a:defRPr/>
+            </a:lvl1pPr>
+          </a:lstStyle>
+          <a:p>
+            <a:pPr>
+              <a:defRPr/>
+            </a:pPr>
             <a:endParaRPr lang="es-AR"/>
           </a:p>
         </p:txBody>
       </p:sp>
       <p:sp>
         <p:nvSpPr>
-          <p:cNvPr id="9" name="8 Marcador de número de diapositiva"/>
+          <p:cNvPr id="9" name="17 Marcador de número de diapositiva"/>
           <p:cNvSpPr>
             <a:spLocks noGrp="1"/>
           </p:cNvSpPr>
@@ -1718,10 +1927,20 @@
         <p:spPr/>
         <p:txBody>
           <a:bodyPr/>
-          <a:lstStyle/>
-          <a:p>
-            <a:fld id="{07BF5B25-4381-4981-B700-49E2F2A86EB2}" type="slidenum">
-              <a:rPr lang="es-AR" smtClean="0"/>
+          <a:lstStyle>
+            <a:lvl1pPr>
+              <a:defRPr/>
+            </a:lvl1pPr>
+          </a:lstStyle>
+          <a:p>
+            <a:pPr>
+              <a:defRPr/>
+            </a:pPr>
+            <a:fld id="{A127357F-9646-4A4B-B4FF-B1C1B54B4B52}" type="slidenum">
+              <a:rPr lang="es-AR"/>
+              <a:pPr>
+                <a:defRPr/>
+              </a:pPr>
               <a:t>‹Nº›</a:t>
             </a:fld>
             <a:endParaRPr lang="es-AR"/>
@@ -1770,7 +1989,7 @@
           </a:xfrm>
         </p:spPr>
         <p:txBody>
-          <a:bodyPr vert="horz" tIns="45720" bIns="0" anchor="b">
+          <a:bodyPr>
             <a:normAutofit/>
             <a:scene3d>
               <a:camera prst="orthographicFront"/>
@@ -1806,16 +2025,16 @@
           </a:lstStyle>
           <a:p>
             <a:r>
-              <a:rPr kumimoji="0" lang="es-ES" smtClean="0"/>
+              <a:rPr lang="es-ES" smtClean="0"/>
               <a:t>Haga clic para modificar el estilo de título del patrón</a:t>
             </a:r>
-            <a:endParaRPr kumimoji="0" lang="en-US"/>
-          </a:p>
-        </p:txBody>
-      </p:sp>
-      <p:sp>
-        <p:nvSpPr>
-          <p:cNvPr id="3" name="2 Marcador de fecha"/>
+            <a:endParaRPr lang="en-US"/>
+          </a:p>
+        </p:txBody>
+      </p:sp>
+      <p:sp>
+        <p:nvSpPr>
+          <p:cNvPr id="3" name="9 Marcador de fecha"/>
           <p:cNvSpPr>
             <a:spLocks noGrp="1"/>
           </p:cNvSpPr>
@@ -1826,11 +2045,21 @@
         <p:spPr/>
         <p:txBody>
           <a:bodyPr/>
-          <a:lstStyle/>
-          <a:p>
-            <a:fld id="{984EFC53-97DF-41F4-BD2E-C01FEF888AAE}" type="datetimeFigureOut">
-              <a:rPr lang="es-AR" smtClean="0"/>
-              <a:t>02/08/2012</a:t>
+          <a:lstStyle>
+            <a:lvl1pPr>
+              <a:defRPr/>
+            </a:lvl1pPr>
+          </a:lstStyle>
+          <a:p>
+            <a:pPr>
+              <a:defRPr/>
+            </a:pPr>
+            <a:fld id="{B37C0D3F-8732-4106-A45A-F395F1CA683F}" type="datetimeFigureOut">
+              <a:rPr lang="es-AR"/>
+              <a:pPr>
+                <a:defRPr/>
+              </a:pPr>
+              <a:t>05/08/2012</a:t>
             </a:fld>
             <a:endParaRPr lang="es-AR"/>
           </a:p>
@@ -1838,7 +2067,7 @@
       </p:sp>
       <p:sp>
         <p:nvSpPr>
-          <p:cNvPr id="4" name="3 Marcador de pie de página"/>
+          <p:cNvPr id="4" name="21 Marcador de pie de página"/>
           <p:cNvSpPr>
             <a:spLocks noGrp="1"/>
           </p:cNvSpPr>
@@ -1849,15 +2078,22 @@
         <p:spPr/>
         <p:txBody>
           <a:bodyPr/>
-          <a:lstStyle/>
-          <a:p>
+          <a:lstStyle>
+            <a:lvl1pPr>
+              <a:defRPr/>
+            </a:lvl1pPr>
+          </a:lstStyle>
+          <a:p>
+            <a:pPr>
+              <a:defRPr/>
+            </a:pPr>
             <a:endParaRPr lang="es-AR"/>
           </a:p>
         </p:txBody>
       </p:sp>
       <p:sp>
         <p:nvSpPr>
-          <p:cNvPr id="5" name="4 Marcador de número de diapositiva"/>
+          <p:cNvPr id="5" name="17 Marcador de número de diapositiva"/>
           <p:cNvSpPr>
             <a:spLocks noGrp="1"/>
           </p:cNvSpPr>
@@ -1868,10 +2104,20 @@
         <p:spPr/>
         <p:txBody>
           <a:bodyPr/>
-          <a:lstStyle/>
-          <a:p>
-            <a:fld id="{07BF5B25-4381-4981-B700-49E2F2A86EB2}" type="slidenum">
-              <a:rPr lang="es-AR" smtClean="0"/>
+          <a:lstStyle>
+            <a:lvl1pPr>
+              <a:defRPr/>
+            </a:lvl1pPr>
+          </a:lstStyle>
+          <a:p>
+            <a:pPr>
+              <a:defRPr/>
+            </a:pPr>
+            <a:fld id="{1B0E66C0-2B03-4EA2-BAFE-8626C79993C7}" type="slidenum">
+              <a:rPr lang="es-AR"/>
+              <a:pPr>
+                <a:defRPr/>
+              </a:pPr>
               <a:t>‹Nº›</a:t>
             </a:fld>
             <a:endParaRPr lang="es-AR"/>
@@ -1905,7 +2151,7 @@
       </p:grpSpPr>
       <p:sp>
         <p:nvSpPr>
-          <p:cNvPr id="2" name="1 Marcador de fecha"/>
+          <p:cNvPr id="2" name="9 Marcador de fecha"/>
           <p:cNvSpPr>
             <a:spLocks noGrp="1"/>
           </p:cNvSpPr>
@@ -1916,11 +2162,21 @@
         <p:spPr/>
         <p:txBody>
           <a:bodyPr/>
-          <a:lstStyle/>
-          <a:p>
-            <a:fld id="{984EFC53-97DF-41F4-BD2E-C01FEF888AAE}" type="datetimeFigureOut">
-              <a:rPr lang="es-AR" smtClean="0"/>
-              <a:t>02/08/2012</a:t>
+          <a:lstStyle>
+            <a:lvl1pPr>
+              <a:defRPr/>
+            </a:lvl1pPr>
+          </a:lstStyle>
+          <a:p>
+            <a:pPr>
+              <a:defRPr/>
+            </a:pPr>
+            <a:fld id="{A72F3C51-2017-46F7-A0E3-609FF6350945}" type="datetimeFigureOut">
+              <a:rPr lang="es-AR"/>
+              <a:pPr>
+                <a:defRPr/>
+              </a:pPr>
+              <a:t>05/08/2012</a:t>
             </a:fld>
             <a:endParaRPr lang="es-AR"/>
           </a:p>
@@ -1928,7 +2184,7 @@
       </p:sp>
       <p:sp>
         <p:nvSpPr>
-          <p:cNvPr id="3" name="2 Marcador de pie de página"/>
+          <p:cNvPr id="3" name="21 Marcador de pie de página"/>
           <p:cNvSpPr>
             <a:spLocks noGrp="1"/>
           </p:cNvSpPr>
@@ -1939,15 +2195,22 @@
         <p:spPr/>
         <p:txBody>
           <a:bodyPr/>
-          <a:lstStyle/>
-          <a:p>
+          <a:lstStyle>
+            <a:lvl1pPr>
+              <a:defRPr/>
+            </a:lvl1pPr>
+          </a:lstStyle>
+          <a:p>
+            <a:pPr>
+              <a:defRPr/>
+            </a:pPr>
             <a:endParaRPr lang="es-AR"/>
           </a:p>
         </p:txBody>
       </p:sp>
       <p:sp>
         <p:nvSpPr>
-          <p:cNvPr id="4" name="3 Marcador de número de diapositiva"/>
+          <p:cNvPr id="4" name="17 Marcador de número de diapositiva"/>
           <p:cNvSpPr>
             <a:spLocks noGrp="1"/>
           </p:cNvSpPr>
@@ -1958,10 +2221,20 @@
         <p:spPr/>
         <p:txBody>
           <a:bodyPr/>
-          <a:lstStyle/>
-          <a:p>
-            <a:fld id="{07BF5B25-4381-4981-B700-49E2F2A86EB2}" type="slidenum">
-              <a:rPr lang="es-AR" smtClean="0"/>
+          <a:lstStyle>
+            <a:lvl1pPr>
+              <a:defRPr/>
+            </a:lvl1pPr>
+          </a:lstStyle>
+          <a:p>
+            <a:pPr>
+              <a:defRPr/>
+            </a:pPr>
+            <a:fld id="{467E69AF-9C35-4629-9813-FF418F5F8587}" type="slidenum">
+              <a:rPr lang="es-AR"/>
+              <a:pPr>
+                <a:defRPr/>
+              </a:pPr>
               <a:t>‹Nº›</a:t>
             </a:fld>
             <a:endParaRPr lang="es-AR"/>
@@ -2010,7 +2283,7 @@
           </a:xfrm>
         </p:spPr>
         <p:txBody>
-          <a:bodyPr lIns="0" anchor="b">
+          <a:bodyPr>
             <a:noAutofit/>
           </a:bodyPr>
           <a:lstStyle>
@@ -2035,10 +2308,10 @@
           </a:lstStyle>
           <a:p>
             <a:r>
-              <a:rPr kumimoji="0" lang="es-ES" smtClean="0"/>
+              <a:rPr lang="es-ES" smtClean="0"/>
               <a:t>Haga clic para modificar el estilo de título del patrón</a:t>
             </a:r>
-            <a:endParaRPr kumimoji="0" lang="en-US"/>
+            <a:endParaRPr lang="en-US"/>
           </a:p>
         </p:txBody>
       </p:sp>
@@ -2083,9 +2356,9 @@
             </a:lvl5pPr>
           </a:lstStyle>
           <a:p>
-            <a:pPr lvl="0" eaLnBrk="1" latinLnBrk="0" hangingPunct="1"/>
-            <a:r>
-              <a:rPr kumimoji="0" lang="es-ES" smtClean="0"/>
+            <a:pPr lvl="0"/>
+            <a:r>
+              <a:rPr lang="es-ES" smtClean="0"/>
               <a:t>Haga clic para modificar el estilo de texto del patrón</a:t>
             </a:r>
           </a:p>
@@ -2127,46 +2400,46 @@
             </a:lvl5pPr>
           </a:lstStyle>
           <a:p>
-            <a:pPr lvl="0" eaLnBrk="1" latinLnBrk="0" hangingPunct="1"/>
+            <a:pPr lvl="0"/>
             <a:r>
               <a:rPr lang="es-ES" smtClean="0"/>
               <a:t>Haga clic para modificar el estilo de texto del patrón</a:t>
             </a:r>
           </a:p>
           <a:p>
-            <a:pPr lvl="1" eaLnBrk="1" latinLnBrk="0" hangingPunct="1"/>
+            <a:pPr lvl="1"/>
             <a:r>
               <a:rPr lang="es-ES" smtClean="0"/>
               <a:t>Segundo nivel</a:t>
             </a:r>
           </a:p>
           <a:p>
-            <a:pPr lvl="2" eaLnBrk="1" latinLnBrk="0" hangingPunct="1"/>
+            <a:pPr lvl="2"/>
             <a:r>
               <a:rPr lang="es-ES" smtClean="0"/>
               <a:t>Tercer nivel</a:t>
             </a:r>
           </a:p>
           <a:p>
-            <a:pPr lvl="3" eaLnBrk="1" latinLnBrk="0" hangingPunct="1"/>
+            <a:pPr lvl="3"/>
             <a:r>
               <a:rPr lang="es-ES" smtClean="0"/>
               <a:t>Cuarto nivel</a:t>
             </a:r>
           </a:p>
           <a:p>
-            <a:pPr lvl="4" eaLnBrk="1" latinLnBrk="0" hangingPunct="1"/>
+            <a:pPr lvl="4"/>
             <a:r>
               <a:rPr lang="es-ES" smtClean="0"/>
               <a:t>Quinto nivel</a:t>
             </a:r>
-            <a:endParaRPr kumimoji="0" lang="en-US"/>
-          </a:p>
-        </p:txBody>
-      </p:sp>
-      <p:sp>
-        <p:nvSpPr>
-          <p:cNvPr id="5" name="4 Marcador de fecha"/>
+            <a:endParaRPr lang="en-US"/>
+          </a:p>
+        </p:txBody>
+      </p:sp>
+      <p:sp>
+        <p:nvSpPr>
+          <p:cNvPr id="5" name="9 Marcador de fecha"/>
           <p:cNvSpPr>
             <a:spLocks noGrp="1"/>
           </p:cNvSpPr>
@@ -2177,11 +2450,21 @@
         <p:spPr/>
         <p:txBody>
           <a:bodyPr/>
-          <a:lstStyle/>
-          <a:p>
-            <a:fld id="{984EFC53-97DF-41F4-BD2E-C01FEF888AAE}" type="datetimeFigureOut">
-              <a:rPr lang="es-AR" smtClean="0"/>
-              <a:t>02/08/2012</a:t>
+          <a:lstStyle>
+            <a:lvl1pPr>
+              <a:defRPr/>
+            </a:lvl1pPr>
+          </a:lstStyle>
+          <a:p>
+            <a:pPr>
+              <a:defRPr/>
+            </a:pPr>
+            <a:fld id="{A779A283-2942-473D-869A-DEEC3048682C}" type="datetimeFigureOut">
+              <a:rPr lang="es-AR"/>
+              <a:pPr>
+                <a:defRPr/>
+              </a:pPr>
+              <a:t>05/08/2012</a:t>
             </a:fld>
             <a:endParaRPr lang="es-AR"/>
           </a:p>
@@ -2189,7 +2472,7 @@
       </p:sp>
       <p:sp>
         <p:nvSpPr>
-          <p:cNvPr id="6" name="5 Marcador de pie de página"/>
+          <p:cNvPr id="6" name="21 Marcador de pie de página"/>
           <p:cNvSpPr>
             <a:spLocks noGrp="1"/>
           </p:cNvSpPr>
@@ -2200,15 +2483,22 @@
         <p:spPr/>
         <p:txBody>
           <a:bodyPr/>
-          <a:lstStyle/>
-          <a:p>
+          <a:lstStyle>
+            <a:lvl1pPr>
+              <a:defRPr/>
+            </a:lvl1pPr>
+          </a:lstStyle>
+          <a:p>
+            <a:pPr>
+              <a:defRPr/>
+            </a:pPr>
             <a:endParaRPr lang="es-AR"/>
           </a:p>
         </p:txBody>
       </p:sp>
       <p:sp>
         <p:nvSpPr>
-          <p:cNvPr id="7" name="6 Marcador de número de diapositiva"/>
+          <p:cNvPr id="7" name="17 Marcador de número de diapositiva"/>
           <p:cNvSpPr>
             <a:spLocks noGrp="1"/>
           </p:cNvSpPr>
@@ -2219,10 +2509,20 @@
         <p:spPr/>
         <p:txBody>
           <a:bodyPr/>
-          <a:lstStyle/>
-          <a:p>
-            <a:fld id="{07BF5B25-4381-4981-B700-49E2F2A86EB2}" type="slidenum">
-              <a:rPr lang="es-AR" smtClean="0"/>
+          <a:lstStyle>
+            <a:lvl1pPr>
+              <a:defRPr/>
+            </a:lvl1pPr>
+          </a:lstStyle>
+          <a:p>
+            <a:pPr>
+              <a:defRPr/>
+            </a:pPr>
+            <a:fld id="{F4A0553C-C9A5-4E32-80C8-0BEFE0E94DCB}" type="slidenum">
+              <a:rPr lang="es-AR"/>
+              <a:pPr>
+                <a:defRPr/>
+              </a:pPr>
               <a:t>‹Nº›</a:t>
             </a:fld>
             <a:endParaRPr lang="es-AR"/>
@@ -2256,13 +2556,13 @@
       </p:grpSpPr>
       <p:sp>
         <p:nvSpPr>
-          <p:cNvPr id="9" name="8 Recortar y redondear rectángulo de esquina sencilla"/>
+          <p:cNvPr id="5" name="8 Recortar y redondear rectángulo de esquina sencilla"/>
           <p:cNvSpPr/>
           <p:nvPr/>
         </p:nvSpPr>
         <p:spPr>
           <a:xfrm rot="420000" flipV="1">
-            <a:off x="3165753" y="1108077"/>
+            <a:off x="3165475" y="1108075"/>
             <a:ext cx="5257800" cy="4114800"/>
           </a:xfrm>
           <a:prstGeom prst="snipRoundRect">
@@ -2303,24 +2603,32 @@
           </a:fontRef>
         </p:style>
         <p:txBody>
-          <a:bodyPr rtlCol="0" anchor="ctr"/>
+          <a:bodyPr anchor="ctr"/>
           <a:lstStyle/>
           <a:p>
-            <a:pPr algn="ctr" eaLnBrk="1" latinLnBrk="0" hangingPunct="1"/>
-            <a:endParaRPr kumimoji="0" lang="en-US"/>
-          </a:p>
-        </p:txBody>
-      </p:sp>
-      <p:sp>
-        <p:nvSpPr>
-          <p:cNvPr id="12" name="11 Triángulo rectángulo"/>
+            <a:pPr algn="ctr" fontAlgn="auto">
+              <a:spcBef>
+                <a:spcPts val="0"/>
+              </a:spcBef>
+              <a:spcAft>
+                <a:spcPts val="0"/>
+              </a:spcAft>
+              <a:defRPr/>
+            </a:pPr>
+            <a:endParaRPr lang="en-US"/>
+          </a:p>
+        </p:txBody>
+      </p:sp>
+      <p:sp>
+        <p:nvSpPr>
+          <p:cNvPr id="6" name="11 Triángulo rectángulo"/>
           <p:cNvSpPr/>
           <p:nvPr/>
         </p:nvSpPr>
         <p:spPr>
           <a:xfrm rot="420000" flipV="1">
-            <a:off x="8004134" y="5359769"/>
-            <a:ext cx="155448" cy="155448"/>
+            <a:off x="8004175" y="5359400"/>
+            <a:ext cx="155575" cy="155575"/>
           </a:xfrm>
           <a:prstGeom prst="rtTriangle">
             <a:avLst/>
@@ -2358,219 +2666,25 @@
           </a:fontRef>
         </p:style>
         <p:txBody>
-          <a:bodyPr rtlCol="0" anchor="ctr"/>
+          <a:bodyPr anchor="ctr"/>
           <a:lstStyle/>
           <a:p>
-            <a:pPr algn="ctr" eaLnBrk="1" latinLnBrk="0" hangingPunct="1"/>
-            <a:endParaRPr kumimoji="0" lang="en-US"/>
-          </a:p>
-        </p:txBody>
-      </p:sp>
-      <p:sp>
-        <p:nvSpPr>
-          <p:cNvPr id="2" name="1 Título"/>
-          <p:cNvSpPr>
-            <a:spLocks noGrp="1"/>
-          </p:cNvSpPr>
-          <p:nvPr>
-            <p:ph type="title"/>
-          </p:nvPr>
-        </p:nvSpPr>
-        <p:spPr>
-          <a:xfrm>
-            <a:off x="609600" y="1176996"/>
-            <a:ext cx="2212848" cy="1582621"/>
-          </a:xfrm>
-        </p:spPr>
-        <p:txBody>
-          <a:bodyPr vert="horz" lIns="45720" tIns="45720" rIns="45720" bIns="45720" anchor="b"/>
-          <a:lstStyle>
-            <a:lvl1pPr algn="l">
-              <a:buNone/>
-              <a:defRPr sz="2000" b="1">
-                <a:solidFill>
-                  <a:schemeClr val="tx2"/>
-                </a:solidFill>
-              </a:defRPr>
-            </a:lvl1pPr>
-          </a:lstStyle>
-          <a:p>
-            <a:r>
-              <a:rPr kumimoji="0" lang="es-ES" smtClean="0"/>
-              <a:t>Haga clic para modificar el estilo de título del patrón</a:t>
-            </a:r>
-            <a:endParaRPr kumimoji="0" lang="en-US"/>
-          </a:p>
-        </p:txBody>
-      </p:sp>
-      <p:sp>
-        <p:nvSpPr>
-          <p:cNvPr id="4" name="3 Marcador de texto"/>
-          <p:cNvSpPr>
-            <a:spLocks noGrp="1"/>
-          </p:cNvSpPr>
-          <p:nvPr>
-            <p:ph type="body" sz="half" idx="2"/>
-          </p:nvPr>
-        </p:nvSpPr>
-        <p:spPr>
-          <a:xfrm>
-            <a:off x="609600" y="2828785"/>
-            <a:ext cx="2209800" cy="2179320"/>
-          </a:xfrm>
-        </p:spPr>
-        <p:txBody>
-          <a:bodyPr lIns="64008" rIns="45720" bIns="45720" anchor="t"/>
-          <a:lstStyle>
-            <a:lvl1pPr marL="0" indent="0" algn="l">
+            <a:pPr algn="ctr" fontAlgn="auto">
               <a:spcBef>
-                <a:spcPts val="250"/>
+                <a:spcPts val="0"/>
               </a:spcBef>
-              <a:buFontTx/>
-              <a:buNone/>
-              <a:defRPr sz="1300"/>
-            </a:lvl1pPr>
-            <a:lvl2pPr>
-              <a:defRPr sz="1200"/>
-            </a:lvl2pPr>
-            <a:lvl3pPr>
-              <a:defRPr sz="1000"/>
-            </a:lvl3pPr>
-            <a:lvl4pPr>
-              <a:defRPr sz="900"/>
-            </a:lvl4pPr>
-            <a:lvl5pPr>
-              <a:defRPr sz="900"/>
-            </a:lvl5pPr>
-          </a:lstStyle>
-          <a:p>
-            <a:pPr lvl="0" eaLnBrk="1" latinLnBrk="0" hangingPunct="1"/>
-            <a:r>
-              <a:rPr kumimoji="0" lang="es-ES" smtClean="0"/>
-              <a:t>Haga clic para modificar el estilo de texto del patrón</a:t>
-            </a:r>
-          </a:p>
-        </p:txBody>
-      </p:sp>
-      <p:sp>
-        <p:nvSpPr>
-          <p:cNvPr id="5" name="4 Marcador de fecha"/>
-          <p:cNvSpPr>
-            <a:spLocks noGrp="1"/>
-          </p:cNvSpPr>
-          <p:nvPr>
-            <p:ph type="dt" sz="half" idx="10"/>
-          </p:nvPr>
-        </p:nvSpPr>
-        <p:spPr/>
-        <p:txBody>
-          <a:bodyPr/>
-          <a:lstStyle/>
-          <a:p>
-            <a:fld id="{984EFC53-97DF-41F4-BD2E-C01FEF888AAE}" type="datetimeFigureOut">
-              <a:rPr lang="es-AR" smtClean="0"/>
-              <a:t>02/08/2012</a:t>
-            </a:fld>
-            <a:endParaRPr lang="es-AR"/>
-          </a:p>
-        </p:txBody>
-      </p:sp>
-      <p:sp>
-        <p:nvSpPr>
-          <p:cNvPr id="6" name="5 Marcador de pie de página"/>
-          <p:cNvSpPr>
-            <a:spLocks noGrp="1"/>
-          </p:cNvSpPr>
-          <p:nvPr>
-            <p:ph type="ftr" sz="quarter" idx="11"/>
-          </p:nvPr>
-        </p:nvSpPr>
-        <p:spPr/>
-        <p:txBody>
-          <a:bodyPr/>
-          <a:lstStyle/>
-          <a:p>
-            <a:endParaRPr lang="es-AR"/>
-          </a:p>
-        </p:txBody>
-      </p:sp>
-      <p:sp>
-        <p:nvSpPr>
-          <p:cNvPr id="7" name="6 Marcador de número de diapositiva"/>
-          <p:cNvSpPr>
-            <a:spLocks noGrp="1"/>
-          </p:cNvSpPr>
-          <p:nvPr>
-            <p:ph type="sldNum" sz="quarter" idx="12"/>
-          </p:nvPr>
-        </p:nvSpPr>
-        <p:spPr>
-          <a:xfrm>
-            <a:off x="8077200" y="6356350"/>
-            <a:ext cx="609600" cy="365125"/>
-          </a:xfrm>
-        </p:spPr>
-        <p:txBody>
-          <a:bodyPr/>
-          <a:lstStyle/>
-          <a:p>
-            <a:fld id="{07BF5B25-4381-4981-B700-49E2F2A86EB2}" type="slidenum">
-              <a:rPr lang="es-AR" smtClean="0"/>
-              <a:t>‹Nº›</a:t>
-            </a:fld>
-            <a:endParaRPr lang="es-AR"/>
-          </a:p>
-        </p:txBody>
-      </p:sp>
-      <p:sp>
-        <p:nvSpPr>
-          <p:cNvPr id="3" name="2 Marcador de posición de imagen"/>
-          <p:cNvSpPr>
-            <a:spLocks noGrp="1"/>
-          </p:cNvSpPr>
-          <p:nvPr>
-            <p:ph type="pic" idx="1"/>
-          </p:nvPr>
-        </p:nvSpPr>
-        <p:spPr>
-          <a:xfrm rot="420000">
-            <a:off x="3485793" y="1199517"/>
-            <a:ext cx="4617720" cy="3931920"/>
-          </a:xfrm>
-          <a:prstGeom prst="rect">
-            <a:avLst/>
-          </a:prstGeom>
-          <a:solidFill>
-            <a:schemeClr val="bg2"/>
-          </a:solidFill>
-          <a:ln w="3000" cap="rnd">
-            <a:solidFill>
-              <a:srgbClr val="C0C0C0"/>
-            </a:solidFill>
-            <a:round/>
-          </a:ln>
-          <a:effectLst/>
-        </p:spPr>
-        <p:txBody>
-          <a:bodyPr/>
-          <a:lstStyle>
-            <a:lvl1pPr marL="0" indent="0">
-              <a:buNone/>
-              <a:defRPr sz="3200"/>
-            </a:lvl1pPr>
-          </a:lstStyle>
-          <a:p>
-            <a:r>
-              <a:rPr kumimoji="0" lang="es-ES" smtClean="0"/>
-              <a:t>Haga clic en el icono para agregar una imagen</a:t>
-            </a:r>
-            <a:endParaRPr kumimoji="0" lang="en-US" dirty="0"/>
-          </a:p>
-        </p:txBody>
-      </p:sp>
-      <p:sp>
-        <p:nvSpPr>
-          <p:cNvPr id="10" name="9 Forma libre"/>
+              <a:spcAft>
+                <a:spcPts val="0"/>
+              </a:spcAft>
+              <a:defRPr/>
+            </a:pPr>
+            <a:endParaRPr lang="en-US"/>
+          </a:p>
+        </p:txBody>
+      </p:sp>
+      <p:sp>
+        <p:nvSpPr>
+          <p:cNvPr id="7" name="9 Forma libre"/>
           <p:cNvSpPr>
             <a:spLocks/>
           </p:cNvSpPr>
@@ -2696,24 +2810,27 @@
           <a:effectLst/>
         </p:spPr>
         <p:txBody>
-          <a:bodyPr vert="horz" wrap="square" lIns="91440" tIns="45720" rIns="91440" bIns="45720" anchor="t" compatLnSpc="1"/>
+          <a:bodyPr/>
           <a:lstStyle/>
           <a:p>
-            <a:pPr marL="0" algn="l" rtl="0" eaLnBrk="1" latinLnBrk="0" hangingPunct="1"/>
-            <a:endParaRPr kumimoji="0" lang="en-US">
-              <a:solidFill>
-                <a:schemeClr val="tx1"/>
-              </a:solidFill>
+            <a:pPr fontAlgn="auto">
+              <a:spcBef>
+                <a:spcPts val="0"/>
+              </a:spcBef>
+              <a:spcAft>
+                <a:spcPts val="0"/>
+              </a:spcAft>
+              <a:defRPr/>
+            </a:pPr>
+            <a:endParaRPr lang="en-US">
               <a:latin typeface="+mn-lt"/>
-              <a:ea typeface="+mn-ea"/>
-              <a:cs typeface="+mn-cs"/>
             </a:endParaRPr>
           </a:p>
         </p:txBody>
       </p:sp>
       <p:sp>
         <p:nvSpPr>
-          <p:cNvPr id="11" name="10 Forma libre"/>
+          <p:cNvPr id="8" name="10 Forma libre"/>
           <p:cNvSpPr>
             <a:spLocks/>
           </p:cNvSpPr>
@@ -2809,18 +2926,253 @@
           <a:effectLst/>
         </p:spPr>
         <p:txBody>
-          <a:bodyPr vert="horz" wrap="square" lIns="91440" tIns="45720" rIns="91440" bIns="45720" anchor="t" compatLnSpc="1"/>
+          <a:bodyPr/>
           <a:lstStyle/>
           <a:p>
-            <a:pPr marL="0" algn="l" rtl="0" eaLnBrk="1" latinLnBrk="0" hangingPunct="1"/>
-            <a:endParaRPr kumimoji="0" lang="en-US">
-              <a:solidFill>
-                <a:schemeClr val="tx1"/>
-              </a:solidFill>
+            <a:pPr fontAlgn="auto">
+              <a:spcBef>
+                <a:spcPts val="0"/>
+              </a:spcBef>
+              <a:spcAft>
+                <a:spcPts val="0"/>
+              </a:spcAft>
+              <a:defRPr/>
+            </a:pPr>
+            <a:endParaRPr lang="en-US">
               <a:latin typeface="+mn-lt"/>
-              <a:ea typeface="+mn-ea"/>
-              <a:cs typeface="+mn-cs"/>
             </a:endParaRPr>
+          </a:p>
+        </p:txBody>
+      </p:sp>
+      <p:sp>
+        <p:nvSpPr>
+          <p:cNvPr id="2" name="1 Título"/>
+          <p:cNvSpPr>
+            <a:spLocks noGrp="1"/>
+          </p:cNvSpPr>
+          <p:nvPr>
+            <p:ph type="title"/>
+          </p:nvPr>
+        </p:nvSpPr>
+        <p:spPr>
+          <a:xfrm>
+            <a:off x="609600" y="1176996"/>
+            <a:ext cx="2212848" cy="1582621"/>
+          </a:xfrm>
+        </p:spPr>
+        <p:txBody>
+          <a:bodyPr lIns="45720" rIns="45720" bIns="45720"/>
+          <a:lstStyle>
+            <a:lvl1pPr algn="l">
+              <a:buNone/>
+              <a:defRPr sz="2000" b="1">
+                <a:solidFill>
+                  <a:schemeClr val="tx2"/>
+                </a:solidFill>
+              </a:defRPr>
+            </a:lvl1pPr>
+          </a:lstStyle>
+          <a:p>
+            <a:r>
+              <a:rPr lang="es-ES" smtClean="0"/>
+              <a:t>Haga clic para modificar el estilo de título del patrón</a:t>
+            </a:r>
+            <a:endParaRPr lang="en-US"/>
+          </a:p>
+        </p:txBody>
+      </p:sp>
+      <p:sp>
+        <p:nvSpPr>
+          <p:cNvPr id="4" name="3 Marcador de texto"/>
+          <p:cNvSpPr>
+            <a:spLocks noGrp="1"/>
+          </p:cNvSpPr>
+          <p:nvPr>
+            <p:ph type="body" sz="half" idx="2"/>
+          </p:nvPr>
+        </p:nvSpPr>
+        <p:spPr>
+          <a:xfrm>
+            <a:off x="609600" y="2828785"/>
+            <a:ext cx="2209800" cy="2179320"/>
+          </a:xfrm>
+        </p:spPr>
+        <p:txBody>
+          <a:bodyPr lIns="64008" rIns="45720"/>
+          <a:lstStyle>
+            <a:lvl1pPr marL="0" indent="0" algn="l">
+              <a:spcBef>
+                <a:spcPts val="250"/>
+              </a:spcBef>
+              <a:buFontTx/>
+              <a:buNone/>
+              <a:defRPr sz="1300"/>
+            </a:lvl1pPr>
+            <a:lvl2pPr>
+              <a:defRPr sz="1200"/>
+            </a:lvl2pPr>
+            <a:lvl3pPr>
+              <a:defRPr sz="1000"/>
+            </a:lvl3pPr>
+            <a:lvl4pPr>
+              <a:defRPr sz="900"/>
+            </a:lvl4pPr>
+            <a:lvl5pPr>
+              <a:defRPr sz="900"/>
+            </a:lvl5pPr>
+          </a:lstStyle>
+          <a:p>
+            <a:pPr lvl="0"/>
+            <a:r>
+              <a:rPr lang="es-ES" smtClean="0"/>
+              <a:t>Haga clic para modificar el estilo de texto del patrón</a:t>
+            </a:r>
+          </a:p>
+        </p:txBody>
+      </p:sp>
+      <p:sp>
+        <p:nvSpPr>
+          <p:cNvPr id="3" name="2 Marcador de posición de imagen"/>
+          <p:cNvSpPr>
+            <a:spLocks noGrp="1"/>
+          </p:cNvSpPr>
+          <p:nvPr>
+            <p:ph type="pic" idx="1"/>
+          </p:nvPr>
+        </p:nvSpPr>
+        <p:spPr>
+          <a:xfrm rot="420000">
+            <a:off x="3485793" y="1199517"/>
+            <a:ext cx="4617720" cy="3931920"/>
+          </a:xfrm>
+          <a:prstGeom prst="rect">
+            <a:avLst/>
+          </a:prstGeom>
+          <a:solidFill>
+            <a:schemeClr val="bg2"/>
+          </a:solidFill>
+          <a:ln w="3000" cap="rnd">
+            <a:solidFill>
+              <a:srgbClr val="C0C0C0"/>
+            </a:solidFill>
+            <a:round/>
+          </a:ln>
+          <a:effectLst/>
+        </p:spPr>
+        <p:txBody>
+          <a:bodyPr>
+            <a:normAutofit/>
+          </a:bodyPr>
+          <a:lstStyle>
+            <a:lvl1pPr marL="0" indent="0">
+              <a:buNone/>
+              <a:defRPr sz="3200"/>
+            </a:lvl1pPr>
+          </a:lstStyle>
+          <a:p>
+            <a:pPr lvl="0"/>
+            <a:r>
+              <a:rPr lang="es-ES" noProof="0" smtClean="0"/>
+              <a:t>Haga clic en el icono para agregar una imagen</a:t>
+            </a:r>
+            <a:endParaRPr lang="en-US" noProof="0" dirty="0"/>
+          </a:p>
+        </p:txBody>
+      </p:sp>
+      <p:sp>
+        <p:nvSpPr>
+          <p:cNvPr id="9" name="4 Marcador de fecha"/>
+          <p:cNvSpPr>
+            <a:spLocks noGrp="1"/>
+          </p:cNvSpPr>
+          <p:nvPr>
+            <p:ph type="dt" sz="half" idx="10"/>
+          </p:nvPr>
+        </p:nvSpPr>
+        <p:spPr/>
+        <p:txBody>
+          <a:bodyPr/>
+          <a:lstStyle>
+            <a:lvl1pPr>
+              <a:defRPr/>
+            </a:lvl1pPr>
+          </a:lstStyle>
+          <a:p>
+            <a:pPr>
+              <a:defRPr/>
+            </a:pPr>
+            <a:fld id="{0D709644-2DD5-401A-9387-E991D9146396}" type="datetimeFigureOut">
+              <a:rPr lang="es-AR"/>
+              <a:pPr>
+                <a:defRPr/>
+              </a:pPr>
+              <a:t>05/08/2012</a:t>
+            </a:fld>
+            <a:endParaRPr lang="es-AR"/>
+          </a:p>
+        </p:txBody>
+      </p:sp>
+      <p:sp>
+        <p:nvSpPr>
+          <p:cNvPr id="10" name="5 Marcador de pie de página"/>
+          <p:cNvSpPr>
+            <a:spLocks noGrp="1"/>
+          </p:cNvSpPr>
+          <p:nvPr>
+            <p:ph type="ftr" sz="quarter" idx="11"/>
+          </p:nvPr>
+        </p:nvSpPr>
+        <p:spPr/>
+        <p:txBody>
+          <a:bodyPr/>
+          <a:lstStyle>
+            <a:lvl1pPr>
+              <a:defRPr/>
+            </a:lvl1pPr>
+          </a:lstStyle>
+          <a:p>
+            <a:pPr>
+              <a:defRPr/>
+            </a:pPr>
+            <a:endParaRPr lang="es-AR"/>
+          </a:p>
+        </p:txBody>
+      </p:sp>
+      <p:sp>
+        <p:nvSpPr>
+          <p:cNvPr id="11" name="6 Marcador de número de diapositiva"/>
+          <p:cNvSpPr>
+            <a:spLocks noGrp="1"/>
+          </p:cNvSpPr>
+          <p:nvPr>
+            <p:ph type="sldNum" sz="quarter" idx="12"/>
+          </p:nvPr>
+        </p:nvSpPr>
+        <p:spPr>
+          <a:xfrm>
+            <a:off x="8077200" y="6356350"/>
+            <a:ext cx="609600" cy="365125"/>
+          </a:xfrm>
+        </p:spPr>
+        <p:txBody>
+          <a:bodyPr/>
+          <a:lstStyle>
+            <a:lvl1pPr>
+              <a:defRPr/>
+            </a:lvl1pPr>
+          </a:lstStyle>
+          <a:p>
+            <a:pPr>
+              <a:defRPr/>
+            </a:pPr>
+            <a:fld id="{EB479861-CF56-4D7C-AAE2-35825CFBF360}" type="slidenum">
+              <a:rPr lang="es-AR"/>
+              <a:pPr>
+                <a:defRPr/>
+              </a:pPr>
+              <a:t>‹Nº›</a:t>
+            </a:fld>
+            <a:endParaRPr lang="es-AR"/>
           </a:p>
         </p:txBody>
       </p:sp>
@@ -2864,8 +3216,8 @@
         </p:nvSpPr>
         <p:spPr bwMode="auto">
           <a:xfrm>
-            <a:off x="-9525" y="-7144"/>
-            <a:ext cx="9163050" cy="1041400"/>
+            <a:off x="-9525" y="-7938"/>
+            <a:ext cx="9163050" cy="1041401"/>
           </a:xfrm>
           <a:custGeom>
             <a:avLst>
@@ -2982,17 +3334,20 @@
           <a:effectLst/>
         </p:spPr>
         <p:txBody>
-          <a:bodyPr vert="horz" wrap="square" lIns="91440" tIns="45720" rIns="91440" bIns="45720" anchor="t" compatLnSpc="1"/>
+          <a:bodyPr/>
           <a:lstStyle/>
           <a:p>
-            <a:pPr marL="0" algn="l" rtl="0" eaLnBrk="1" latinLnBrk="0" hangingPunct="1"/>
-            <a:endParaRPr kumimoji="0" lang="en-US">
-              <a:solidFill>
-                <a:schemeClr val="tx1"/>
-              </a:solidFill>
+            <a:pPr fontAlgn="auto">
+              <a:spcBef>
+                <a:spcPts val="0"/>
+              </a:spcBef>
+              <a:spcAft>
+                <a:spcPts val="0"/>
+              </a:spcAft>
+              <a:defRPr/>
+            </a:pPr>
+            <a:endParaRPr lang="en-US">
               <a:latin typeface="+mn-lt"/>
-              <a:ea typeface="+mn-ea"/>
-              <a:cs typeface="+mn-cs"/>
             </a:endParaRPr>
           </a:p>
         </p:txBody>
@@ -3007,8 +3362,8 @@
         </p:nvSpPr>
         <p:spPr bwMode="auto">
           <a:xfrm>
-            <a:off x="4381500" y="-7144"/>
-            <a:ext cx="4762500" cy="638175"/>
+            <a:off x="4381500" y="-7938"/>
+            <a:ext cx="4762500" cy="638176"/>
           </a:xfrm>
           <a:custGeom>
             <a:avLst>
@@ -3095,24 +3450,27 @@
           <a:effectLst/>
         </p:spPr>
         <p:txBody>
-          <a:bodyPr vert="horz" wrap="square" lIns="91440" tIns="45720" rIns="91440" bIns="45720" anchor="t" compatLnSpc="1"/>
+          <a:bodyPr/>
           <a:lstStyle/>
           <a:p>
-            <a:pPr marL="0" algn="l" rtl="0" eaLnBrk="1" latinLnBrk="0" hangingPunct="1"/>
-            <a:endParaRPr kumimoji="0" lang="en-US">
-              <a:solidFill>
-                <a:schemeClr val="tx1"/>
-              </a:solidFill>
+            <a:pPr fontAlgn="auto">
+              <a:spcBef>
+                <a:spcPts val="0"/>
+              </a:spcBef>
+              <a:spcAft>
+                <a:spcPts val="0"/>
+              </a:spcAft>
+              <a:defRPr/>
+            </a:pPr>
+            <a:endParaRPr lang="en-US">
               <a:latin typeface="+mn-lt"/>
-              <a:ea typeface="+mn-ea"/>
-              <a:cs typeface="+mn-cs"/>
             </a:endParaRPr>
           </a:p>
         </p:txBody>
       </p:sp>
       <p:sp>
         <p:nvSpPr>
-          <p:cNvPr id="9" name="8 Marcador de título"/>
+          <p:cNvPr id="1028" name="8 Marcador de título"/>
           <p:cNvSpPr>
             <a:spLocks noGrp="1"/>
           </p:cNvSpPr>
@@ -3120,32 +3478,42 @@
             <p:ph type="title"/>
           </p:nvPr>
         </p:nvSpPr>
-        <p:spPr>
+        <p:spPr bwMode="auto">
           <a:xfrm>
-            <a:off x="457200" y="704088"/>
+            <a:off x="457200" y="704850"/>
             <a:ext cx="8229600" cy="1143000"/>
           </a:xfrm>
           <a:prstGeom prst="rect">
             <a:avLst/>
           </a:prstGeom>
+          <a:noFill/>
+          <a:ln w="9525">
+            <a:noFill/>
+            <a:miter lim="800000"/>
+            <a:headEnd/>
+            <a:tailEnd/>
+          </a:ln>
         </p:spPr>
         <p:txBody>
-          <a:bodyPr vert="horz" lIns="0" rIns="0" bIns="0" anchor="b">
-            <a:normAutofit/>
+          <a:bodyPr vert="horz" wrap="square" lIns="0" tIns="45720" rIns="0" bIns="0" numCol="1" anchor="b" anchorCtr="0" compatLnSpc="1">
+            <a:prstTxWarp prst="textNoShape">
+              <a:avLst/>
+            </a:prstTxWarp>
           </a:bodyPr>
           <a:lstStyle/>
           <a:p>
-            <a:r>
-              <a:rPr kumimoji="0" lang="es-ES" smtClean="0"/>
+            <a:pPr lvl="0"/>
+            <a:r>
+              <a:rPr lang="es-ES" smtClean="0"/>
               <a:t>Haga clic para modificar el estilo de título del patrón</a:t>
             </a:r>
-            <a:endParaRPr kumimoji="0" lang="en-US"/>
-          </a:p>
-        </p:txBody>
-      </p:sp>
-      <p:sp>
-        <p:nvSpPr>
-          <p:cNvPr id="30" name="29 Marcador de texto"/>
+            <a:endParaRPr lang="en-US" smtClean="0"/>
+          </a:p>
+        </p:txBody>
+      </p:sp>
+      <p:sp>
+        <p:nvSpPr>
+          <p:cNvPr id="1029" name="29 Marcador de texto"/>
           <p:cNvSpPr>
             <a:spLocks noGrp="1"/>
           </p:cNvSpPr>
@@ -3153,55 +3521,64 @@
             <p:ph type="body" idx="1"/>
           </p:nvPr>
         </p:nvSpPr>
-        <p:spPr>
+        <p:spPr bwMode="auto">
           <a:xfrm>
-            <a:off x="457200" y="1935480"/>
-            <a:ext cx="8229600" cy="4389120"/>
+            <a:off x="457200" y="1935163"/>
+            <a:ext cx="8229600" cy="4389437"/>
           </a:xfrm>
           <a:prstGeom prst="rect">
             <a:avLst/>
           </a:prstGeom>
+          <a:noFill/>
+          <a:ln w="9525">
+            <a:noFill/>
+            <a:miter lim="800000"/>
+            <a:headEnd/>
+            <a:tailEnd/>
+          </a:ln>
         </p:spPr>
         <p:txBody>
-          <a:bodyPr vert="horz">
-            <a:normAutofit/>
+          <a:bodyPr vert="horz" wrap="square" lIns="91440" tIns="45720" rIns="91440" bIns="45720" numCol="1" anchor="t" anchorCtr="0" compatLnSpc="1">
+            <a:prstTxWarp prst="textNoShape">
+              <a:avLst/>
+            </a:prstTxWarp>
           </a:bodyPr>
           <a:lstStyle/>
           <a:p>
-            <a:pPr lvl="0" eaLnBrk="1" latinLnBrk="0" hangingPunct="1"/>
-            <a:r>
-              <a:rPr kumimoji="0" lang="es-ES" smtClean="0"/>
+            <a:pPr lvl="0"/>
+            <a:r>
+              <a:rPr lang="es-ES" smtClean="0"/>
               <a:t>Haga clic para modificar el estilo de texto del patrón</a:t>
             </a:r>
           </a:p>
           <a:p>
-            <a:pPr lvl="1" eaLnBrk="1" latinLnBrk="0" hangingPunct="1"/>
-            <a:r>
-              <a:rPr kumimoji="0" lang="es-ES" smtClean="0"/>
+            <a:pPr lvl="1"/>
+            <a:r>
+              <a:rPr lang="es-ES" smtClean="0"/>
               <a:t>Segundo nivel</a:t>
             </a:r>
           </a:p>
           <a:p>
-            <a:pPr lvl="2" eaLnBrk="1" latinLnBrk="0" hangingPunct="1"/>
-            <a:r>
-              <a:rPr kumimoji="0" lang="es-ES" smtClean="0"/>
+            <a:pPr lvl="2"/>
+            <a:r>
+              <a:rPr lang="es-ES" smtClean="0"/>
               <a:t>Tercer nivel</a:t>
             </a:r>
           </a:p>
           <a:p>
-            <a:pPr lvl="3" eaLnBrk="1" latinLnBrk="0" hangingPunct="1"/>
-            <a:r>
-              <a:rPr kumimoji="0" lang="es-ES" smtClean="0"/>
+            <a:pPr lvl="3"/>
+            <a:r>
+              <a:rPr lang="es-ES" smtClean="0"/>
               <a:t>Cuarto nivel</a:t>
             </a:r>
           </a:p>
           <a:p>
-            <a:pPr lvl="4" eaLnBrk="1" latinLnBrk="0" hangingPunct="1"/>
-            <a:r>
-              <a:rPr kumimoji="0" lang="es-ES" smtClean="0"/>
+            <a:pPr lvl="4"/>
+            <a:r>
+              <a:rPr lang="es-ES" smtClean="0"/>
               <a:t>Quinto nivel</a:t>
             </a:r>
-            <a:endParaRPr kumimoji="0" lang="en-US"/>
+            <a:endParaRPr lang="en-US" smtClean="0"/>
           </a:p>
         </p:txBody>
       </p:sp>
@@ -3227,20 +3604,33 @@
         <p:txBody>
           <a:bodyPr vert="horz" lIns="0" tIns="0" rIns="0" bIns="0" anchor="b"/>
           <a:lstStyle>
-            <a:lvl1pPr algn="l" eaLnBrk="1" latinLnBrk="0" hangingPunct="1">
-              <a:defRPr kumimoji="0" sz="1200">
+            <a:lvl1pPr algn="l" eaLnBrk="1" fontAlgn="auto" latinLnBrk="0" hangingPunct="1">
+              <a:spcBef>
+                <a:spcPts val="0"/>
+              </a:spcBef>
+              <a:spcAft>
+                <a:spcPts val="0"/>
+              </a:spcAft>
+              <a:defRPr kumimoji="0" sz="1200" smtClean="0">
                 <a:solidFill>
                   <a:schemeClr val="tx2">
                     <a:shade val="90000"/>
                   </a:schemeClr>
                 </a:solidFill>
+                <a:latin typeface="+mn-lt"/>
               </a:defRPr>
             </a:lvl1pPr>
           </a:lstStyle>
           <a:p>
-            <a:fld id="{984EFC53-97DF-41F4-BD2E-C01FEF888AAE}" type="datetimeFigureOut">
-              <a:rPr lang="es-AR" smtClean="0"/>
-              <a:t>02/08/2012</a:t>
+            <a:pPr>
+              <a:defRPr/>
+            </a:pPr>
+            <a:fld id="{651EFC23-7FB7-46DC-905A-AC0B851F16D5}" type="datetimeFigureOut">
+              <a:rPr lang="es-AR"/>
+              <a:pPr>
+                <a:defRPr/>
+              </a:pPr>
+              <a:t>05/08/2012</a:t>
             </a:fld>
             <a:endParaRPr lang="es-AR"/>
           </a:p>
@@ -3268,17 +3658,27 @@
         <p:txBody>
           <a:bodyPr vert="horz" lIns="0" tIns="0" rIns="0" bIns="0" anchor="b"/>
           <a:lstStyle>
-            <a:lvl1pPr algn="l" eaLnBrk="1" latinLnBrk="0" hangingPunct="1">
+            <a:lvl1pPr algn="l" eaLnBrk="1" fontAlgn="auto" latinLnBrk="0" hangingPunct="1">
+              <a:spcBef>
+                <a:spcPts val="0"/>
+              </a:spcBef>
+              <a:spcAft>
+                <a:spcPts val="0"/>
+              </a:spcAft>
               <a:defRPr kumimoji="0" sz="1200">
                 <a:solidFill>
                   <a:schemeClr val="tx2">
                     <a:shade val="90000"/>
                   </a:schemeClr>
                 </a:solidFill>
+                <a:latin typeface="+mn-lt"/>
               </a:defRPr>
             </a:lvl1pPr>
           </a:lstStyle>
           <a:p>
+            <a:pPr>
+              <a:defRPr/>
+            </a:pPr>
             <a:endParaRPr lang="es-AR"/>
           </a:p>
         </p:txBody>
@@ -3305,19 +3705,32 @@
         <p:txBody>
           <a:bodyPr vert="horz" lIns="0" tIns="0" rIns="0" bIns="0" anchor="b"/>
           <a:lstStyle>
-            <a:lvl1pPr algn="r" eaLnBrk="1" latinLnBrk="0" hangingPunct="1">
-              <a:defRPr kumimoji="0" sz="1200">
+            <a:lvl1pPr algn="r" eaLnBrk="1" fontAlgn="auto" latinLnBrk="0" hangingPunct="1">
+              <a:spcBef>
+                <a:spcPts val="0"/>
+              </a:spcBef>
+              <a:spcAft>
+                <a:spcPts val="0"/>
+              </a:spcAft>
+              <a:defRPr kumimoji="0" sz="1200" smtClean="0">
                 <a:solidFill>
                   <a:schemeClr val="tx2">
                     <a:shade val="90000"/>
                   </a:schemeClr>
                 </a:solidFill>
+                <a:latin typeface="+mn-lt"/>
               </a:defRPr>
             </a:lvl1pPr>
           </a:lstStyle>
           <a:p>
-            <a:fld id="{07BF5B25-4381-4981-B700-49E2F2A86EB2}" type="slidenum">
-              <a:rPr lang="es-AR" smtClean="0"/>
+            <a:pPr>
+              <a:defRPr/>
+            </a:pPr>
+            <a:fld id="{084CF3FF-F0D6-4244-8EF4-C174412DF62A}" type="slidenum">
+              <a:rPr lang="es-AR"/>
+              <a:pPr>
+                <a:defRPr/>
+              </a:pPr>
               <a:t>‹Nº›</a:t>
             </a:fld>
             <a:endParaRPr lang="es-AR"/>
@@ -3326,14 +3739,16 @@
       </p:sp>
       <p:grpSp>
         <p:nvGrpSpPr>
-          <p:cNvPr id="2" name="1 Grupo"/>
-          <p:cNvGrpSpPr/>
+          <p:cNvPr id="1033" name="1 Grupo"/>
+          <p:cNvGrpSpPr>
+            <a:grpSpLocks/>
+          </p:cNvGrpSpPr>
           <p:nvPr/>
         </p:nvGrpSpPr>
-        <p:grpSpPr>
+        <p:grpSpPr bwMode="auto">
           <a:xfrm>
-            <a:off x="-19017" y="202408"/>
-            <a:ext cx="9180548" cy="649224"/>
+            <a:off x="-19050" y="203200"/>
+            <a:ext cx="9180513" cy="647700"/>
             <a:chOff x="-19045" y="216550"/>
             <a:chExt cx="9180548" cy="649224"/>
           </a:xfrm>
@@ -3433,10 +3848,21 @@
             <a:effectLst/>
           </p:spPr>
           <p:txBody>
-            <a:bodyPr vert="horz" wrap="square" lIns="91440" tIns="45720" rIns="91440" bIns="45720" anchor="t" compatLnSpc="1"/>
+            <a:bodyPr/>
             <a:lstStyle/>
             <a:p>
-              <a:endParaRPr kumimoji="0" lang="en-US"/>
+              <a:pPr fontAlgn="auto">
+                <a:spcBef>
+                  <a:spcPts val="0"/>
+                </a:spcBef>
+                <a:spcAft>
+                  <a:spcPts val="0"/>
+                </a:spcAft>
+                <a:defRPr/>
+              </a:pPr>
+              <a:endParaRPr lang="en-US">
+                <a:latin typeface="+mn-lt"/>
+              </a:endParaRPr>
             </a:p>
           </p:txBody>
         </p:sp>
@@ -3530,10 +3956,21 @@
             <a:effectLst/>
           </p:spPr>
           <p:txBody>
-            <a:bodyPr vert="horz" wrap="square" lIns="91440" tIns="45720" rIns="91440" bIns="45720" anchor="t" compatLnSpc="1"/>
+            <a:bodyPr/>
             <a:lstStyle/>
             <a:p>
-              <a:endParaRPr kumimoji="0" lang="en-US"/>
+              <a:pPr fontAlgn="auto">
+                <a:spcBef>
+                  <a:spcPts val="0"/>
+                </a:spcBef>
+                <a:spcAft>
+                  <a:spcPts val="0"/>
+                </a:spcAft>
+                <a:defRPr/>
+              </a:pPr>
+              <a:endParaRPr lang="en-US">
+                <a:latin typeface="+mn-lt"/>
+              </a:endParaRPr>
             </a:p>
           </p:txBody>
         </p:sp>
@@ -3542,51 +3979,164 @@
   </p:cSld>
   <p:clrMap bg1="lt1" tx1="dk1" bg2="lt2" tx2="dk2" accent1="accent1" accent2="accent2" accent3="accent3" accent4="accent4" accent5="accent5" accent6="accent6" hlink="hlink" folHlink="folHlink"/>
   <p:sldLayoutIdLst>
-    <p:sldLayoutId id="2147483661" r:id="rId1"/>
-    <p:sldLayoutId id="2147483662" r:id="rId2"/>
-    <p:sldLayoutId id="2147483663" r:id="rId3"/>
-    <p:sldLayoutId id="2147483664" r:id="rId4"/>
-    <p:sldLayoutId id="2147483665" r:id="rId5"/>
-    <p:sldLayoutId id="2147483666" r:id="rId6"/>
-    <p:sldLayoutId id="2147483667" r:id="rId7"/>
-    <p:sldLayoutId id="2147483668" r:id="rId8"/>
-    <p:sldLayoutId id="2147483669" r:id="rId9"/>
+    <p:sldLayoutId id="2147483672" r:id="rId1"/>
+    <p:sldLayoutId id="2147483664" r:id="rId2"/>
+    <p:sldLayoutId id="2147483673" r:id="rId3"/>
+    <p:sldLayoutId id="2147483665" r:id="rId4"/>
+    <p:sldLayoutId id="2147483666" r:id="rId5"/>
+    <p:sldLayoutId id="2147483667" r:id="rId6"/>
+    <p:sldLayoutId id="2147483668" r:id="rId7"/>
+    <p:sldLayoutId id="2147483669" r:id="rId8"/>
+    <p:sldLayoutId id="2147483674" r:id="rId9"/>
     <p:sldLayoutId id="2147483670" r:id="rId10"/>
     <p:sldLayoutId id="2147483671" r:id="rId11"/>
   </p:sldLayoutIdLst>
   <p:txStyles>
     <p:titleStyle>
-      <a:lvl1pPr algn="l" rtl="0" eaLnBrk="1" latinLnBrk="0" hangingPunct="1">
+      <a:lvl1pPr algn="l" rtl="0" fontAlgn="base">
         <a:spcBef>
           <a:spcPct val="0"/>
         </a:spcBef>
-        <a:buNone/>
-        <a:defRPr kumimoji="0" sz="5000" b="0" kern="1200">
-          <a:ln>
-            <a:noFill/>
-          </a:ln>
+        <a:spcAft>
+          <a:spcPct val="0"/>
+        </a:spcAft>
+        <a:defRPr sz="5000" kern="1200">
           <a:solidFill>
             <a:schemeClr val="tx2"/>
           </a:solidFill>
-          <a:effectLst/>
           <a:latin typeface="+mj-lt"/>
           <a:ea typeface="+mj-ea"/>
           <a:cs typeface="+mj-cs"/>
         </a:defRPr>
       </a:lvl1pPr>
+      <a:lvl2pPr algn="l" rtl="0" fontAlgn="base">
+        <a:spcBef>
+          <a:spcPct val="0"/>
+        </a:spcBef>
+        <a:spcAft>
+          <a:spcPct val="0"/>
+        </a:spcAft>
+        <a:defRPr sz="5000">
+          <a:solidFill>
+            <a:schemeClr val="tx2"/>
+          </a:solidFill>
+          <a:latin typeface="Calibri" pitchFamily="34" charset="0"/>
+        </a:defRPr>
+      </a:lvl2pPr>
+      <a:lvl3pPr algn="l" rtl="0" fontAlgn="base">
+        <a:spcBef>
+          <a:spcPct val="0"/>
+        </a:spcBef>
+        <a:spcAft>
+          <a:spcPct val="0"/>
+        </a:spcAft>
+        <a:defRPr sz="5000">
+          <a:solidFill>
+            <a:schemeClr val="tx2"/>
+          </a:solidFill>
+          <a:latin typeface="Calibri" pitchFamily="34" charset="0"/>
+        </a:defRPr>
+      </a:lvl3pPr>
+      <a:lvl4pPr algn="l" rtl="0" fontAlgn="base">
+        <a:spcBef>
+          <a:spcPct val="0"/>
+        </a:spcBef>
+        <a:spcAft>
+          <a:spcPct val="0"/>
+        </a:spcAft>
+        <a:defRPr sz="5000">
+          <a:solidFill>
+            <a:schemeClr val="tx2"/>
+          </a:solidFill>
+          <a:latin typeface="Calibri" pitchFamily="34" charset="0"/>
+        </a:defRPr>
+      </a:lvl4pPr>
+      <a:lvl5pPr algn="l" rtl="0" fontAlgn="base">
+        <a:spcBef>
+          <a:spcPct val="0"/>
+        </a:spcBef>
+        <a:spcAft>
+          <a:spcPct val="0"/>
+        </a:spcAft>
+        <a:defRPr sz="5000">
+          <a:solidFill>
+            <a:schemeClr val="tx2"/>
+          </a:solidFill>
+          <a:latin typeface="Calibri" pitchFamily="34" charset="0"/>
+        </a:defRPr>
+      </a:lvl5pPr>
+      <a:lvl6pPr marL="457200" algn="l" rtl="0" fontAlgn="base">
+        <a:spcBef>
+          <a:spcPct val="0"/>
+        </a:spcBef>
+        <a:spcAft>
+          <a:spcPct val="0"/>
+        </a:spcAft>
+        <a:defRPr sz="5000">
+          <a:solidFill>
+            <a:schemeClr val="tx2"/>
+          </a:solidFill>
+          <a:latin typeface="Calibri" pitchFamily="34" charset="0"/>
+        </a:defRPr>
+      </a:lvl6pPr>
+      <a:lvl7pPr marL="914400" algn="l" rtl="0" fontAlgn="base">
+        <a:spcBef>
+          <a:spcPct val="0"/>
+        </a:spcBef>
+        <a:spcAft>
+          <a:spcPct val="0"/>
+        </a:spcAft>
+        <a:defRPr sz="5000">
+          <a:solidFill>
+            <a:schemeClr val="tx2"/>
+          </a:solidFill>
+          <a:latin typeface="Calibri" pitchFamily="34" charset="0"/>
+        </a:defRPr>
+      </a:lvl7pPr>
+      <a:lvl8pPr marL="1371600" algn="l" rtl="0" fontAlgn="base">
+        <a:spcBef>
+          <a:spcPct val="0"/>
+        </a:spcBef>
+        <a:spcAft>
+          <a:spcPct val="0"/>
+        </a:spcAft>
+        <a:defRPr sz="5000">
+          <a:solidFill>
+            <a:schemeClr val="tx2"/>
+          </a:solidFill>
+          <a:latin typeface="Calibri" pitchFamily="34" charset="0"/>
+        </a:defRPr>
+      </a:lvl8pPr>
+      <a:lvl9pPr marL="1828800" algn="l" rtl="0" fontAlgn="base">
+        <a:spcBef>
+          <a:spcPct val="0"/>
+        </a:spcBef>
+        <a:spcAft>
+          <a:spcPct val="0"/>
+        </a:spcAft>
+        <a:defRPr sz="5000">
+          <a:solidFill>
+            <a:schemeClr val="tx2"/>
+          </a:solidFill>
+          <a:latin typeface="Calibri" pitchFamily="34" charset="0"/>
+        </a:defRPr>
+      </a:lvl9pPr>
     </p:titleStyle>
     <p:bodyStyle>
-      <a:lvl1pPr marL="274320" indent="-274320" algn="l" rtl="0" eaLnBrk="1" latinLnBrk="0" hangingPunct="1">
+      <a:lvl1pPr marL="273050" indent="-273050" algn="l" rtl="0" fontAlgn="base">
         <a:spcBef>
           <a:spcPct val="20000"/>
         </a:spcBef>
+        <a:spcAft>
+          <a:spcPct val="0"/>
+        </a:spcAft>
         <a:buClr>
-          <a:schemeClr val="accent3"/>
+          <a:srgbClr val="0BD0D9"/>
         </a:buClr>
         <a:buSzPct val="95000"/>
-        <a:buFont typeface="Wingdings 2"/>
+        <a:buFont typeface="Wingdings 2" pitchFamily="18" charset="2"/>
         <a:buChar char=""/>
-        <a:defRPr kumimoji="0" sz="2600" kern="1200">
+        <a:defRPr sz="2600" kern="1200">
           <a:solidFill>
             <a:schemeClr val="tx1"/>
           </a:solidFill>
@@ -3595,17 +4145,20 @@
           <a:cs typeface="+mn-cs"/>
         </a:defRPr>
       </a:lvl1pPr>
-      <a:lvl2pPr marL="640080" indent="-246888" algn="l" rtl="0" eaLnBrk="1" latinLnBrk="0" hangingPunct="1">
+      <a:lvl2pPr marL="639763" indent="-246063" algn="l" rtl="0" fontAlgn="base">
         <a:spcBef>
           <a:spcPct val="20000"/>
         </a:spcBef>
+        <a:spcAft>
+          <a:spcPct val="0"/>
+        </a:spcAft>
         <a:buClr>
           <a:schemeClr val="accent1"/>
         </a:buClr>
         <a:buSzPct val="85000"/>
-        <a:buFont typeface="Wingdings 2"/>
+        <a:buFont typeface="Wingdings 2" pitchFamily="18" charset="2"/>
         <a:buChar char=""/>
-        <a:defRPr kumimoji="0" sz="2400" kern="1200">
+        <a:defRPr sz="2400" kern="1200">
           <a:solidFill>
             <a:schemeClr val="tx1"/>
           </a:solidFill>
@@ -3614,17 +4167,20 @@
           <a:cs typeface="+mn-cs"/>
         </a:defRPr>
       </a:lvl2pPr>
-      <a:lvl3pPr marL="914400" indent="-246888" algn="l" rtl="0" eaLnBrk="1" latinLnBrk="0" hangingPunct="1">
+      <a:lvl3pPr marL="914400" indent="-246063" algn="l" rtl="0" fontAlgn="base">
         <a:spcBef>
           <a:spcPct val="20000"/>
         </a:spcBef>
+        <a:spcAft>
+          <a:spcPct val="0"/>
+        </a:spcAft>
         <a:buClr>
           <a:schemeClr val="accent2"/>
         </a:buClr>
         <a:buSzPct val="70000"/>
-        <a:buFont typeface="Wingdings 2"/>
+        <a:buFont typeface="Wingdings 2" pitchFamily="18" charset="2"/>
         <a:buChar char=""/>
-        <a:defRPr kumimoji="0" sz="2100" kern="1200">
+        <a:defRPr sz="2100" kern="1200">
           <a:solidFill>
             <a:schemeClr val="tx1"/>
           </a:solidFill>
@@ -3633,17 +4189,20 @@
           <a:cs typeface="+mn-cs"/>
         </a:defRPr>
       </a:lvl3pPr>
-      <a:lvl4pPr marL="1188720" indent="-210312" algn="l" rtl="0" eaLnBrk="1" latinLnBrk="0" hangingPunct="1">
+      <a:lvl4pPr marL="1187450" indent="-209550" algn="l" rtl="0" fontAlgn="base">
         <a:spcBef>
           <a:spcPct val="20000"/>
         </a:spcBef>
+        <a:spcAft>
+          <a:spcPct val="0"/>
+        </a:spcAft>
         <a:buClr>
-          <a:schemeClr val="accent3"/>
+          <a:srgbClr val="0BD0D9"/>
         </a:buClr>
         <a:buSzPct val="65000"/>
-        <a:buFont typeface="Wingdings 2"/>
+        <a:buFont typeface="Wingdings 2" pitchFamily="18" charset="2"/>
         <a:buChar char=""/>
-        <a:defRPr kumimoji="0" sz="2000" kern="1200">
+        <a:defRPr sz="2000" kern="1200">
           <a:solidFill>
             <a:schemeClr val="tx1"/>
           </a:solidFill>
@@ -3652,17 +4211,20 @@
           <a:cs typeface="+mn-cs"/>
         </a:defRPr>
       </a:lvl4pPr>
-      <a:lvl5pPr marL="1463040" indent="-210312" algn="l" rtl="0" eaLnBrk="1" latinLnBrk="0" hangingPunct="1">
+      <a:lvl5pPr marL="1462088" indent="-209550" algn="l" rtl="0" fontAlgn="base">
         <a:spcBef>
           <a:spcPct val="20000"/>
         </a:spcBef>
+        <a:spcAft>
+          <a:spcPct val="0"/>
+        </a:spcAft>
         <a:buClr>
-          <a:schemeClr val="accent4"/>
+          <a:srgbClr val="10CF9B"/>
         </a:buClr>
         <a:buSzPct val="65000"/>
-        <a:buFont typeface="Wingdings 2"/>
+        <a:buFont typeface="Wingdings 2" pitchFamily="18" charset="2"/>
         <a:buChar char=""/>
-        <a:defRPr kumimoji="0" sz="2000" kern="1200">
+        <a:defRPr sz="2000" kern="1200">
           <a:solidFill>
             <a:schemeClr val="tx1"/>
           </a:solidFill>
@@ -3875,11 +4437,15 @@
           </a:xfrm>
         </p:spPr>
         <p:txBody>
-          <a:bodyPr>
-            <a:normAutofit/>
-          </a:bodyPr>
+          <a:bodyPr/>
           <a:lstStyle/>
           <a:p>
+            <a:pPr fontAlgn="auto">
+              <a:spcAft>
+                <a:spcPts val="0"/>
+              </a:spcAft>
+              <a:defRPr/>
+            </a:pPr>
             <a:r>
               <a:rPr lang="es-AR" sz="6000" dirty="0" smtClean="0"/>
               <a:t>Sprint 02</a:t>
@@ -3898,7 +4464,7 @@
         </p:nvSpPr>
         <p:spPr>
           <a:xfrm>
-            <a:off x="714348" y="4143380"/>
+            <a:off x="714375" y="4143375"/>
             <a:ext cx="7772400" cy="1470025"/>
           </a:xfrm>
           <a:prstGeom prst="rect">
@@ -3906,39 +4472,19 @@
           </a:prstGeom>
         </p:spPr>
         <p:txBody>
-          <a:bodyPr vert="horz" lIns="91440" tIns="45720" rIns="91440" bIns="45720" rtlCol="0" anchor="ctr">
+          <a:bodyPr anchor="ctr">
             <a:normAutofit/>
           </a:bodyPr>
           <a:lstStyle/>
           <a:p>
-            <a:pPr marL="0" marR="0" lvl="0" indent="0" algn="ctr" defTabSz="914400" rtl="0" eaLnBrk="1" fontAlgn="auto" latinLnBrk="0" hangingPunct="1">
-              <a:lnSpc>
-                <a:spcPct val="100000"/>
-              </a:lnSpc>
-              <a:spcBef>
-                <a:spcPct val="0"/>
-              </a:spcBef>
+            <a:pPr algn="ctr" fontAlgn="auto">
               <a:spcAft>
                 <a:spcPts val="0"/>
               </a:spcAft>
-              <a:buClrTx/>
-              <a:buSzTx/>
-              <a:buFontTx/>
-              <a:buNone/>
-              <a:tabLst/>
-              <a:defRPr/>
-            </a:pPr>
-            <a:r>
-              <a:rPr kumimoji="0" lang="es-AR" sz="4400" b="0" i="0" u="none" strike="noStrike" kern="1200" cap="none" spc="0" normalizeH="0" baseline="0" noProof="0" dirty="0" smtClean="0">
-                <a:ln>
-                  <a:noFill/>
-                </a:ln>
-                <a:solidFill>
-                  <a:schemeClr val="tx1"/>
-                </a:solidFill>
-                <a:effectLst/>
-                <a:uLnTx/>
-                <a:uFillTx/>
+              <a:defRPr/>
+            </a:pPr>
+            <a:r>
+              <a:rPr lang="es-AR" sz="4400" dirty="0">
                 <a:latin typeface="+mj-lt"/>
                 <a:ea typeface="+mj-ea"/>
                 <a:cs typeface="+mj-cs"/>
@@ -3975,12 +4521,34 @@
       </p:grpSpPr>
       <p:sp>
         <p:nvSpPr>
-          <p:cNvPr id="2" name="1 Título"/>
+          <p:cNvPr id="22529" name="1 Título"/>
           <p:cNvSpPr>
             <a:spLocks noGrp="1"/>
           </p:cNvSpPr>
           <p:nvPr>
             <p:ph type="title"/>
+          </p:nvPr>
+        </p:nvSpPr>
+        <p:spPr/>
+        <p:txBody>
+          <a:bodyPr/>
+          <a:lstStyle/>
+          <a:p>
+            <a:r>
+              <a:rPr lang="es-AR" smtClean="0"/>
+              <a:t>Mejoras pendientes</a:t>
+            </a:r>
+          </a:p>
+        </p:txBody>
+      </p:sp>
+      <p:sp>
+        <p:nvSpPr>
+          <p:cNvPr id="3" name="2 Marcador de contenido"/>
+          <p:cNvSpPr>
+            <a:spLocks noGrp="1"/>
+          </p:cNvSpPr>
+          <p:nvPr>
+            <p:ph idx="1"/>
           </p:nvPr>
         </p:nvSpPr>
         <p:spPr/>
@@ -3990,38 +4558,20 @@
           </a:bodyPr>
           <a:lstStyle/>
           <a:p>
+            <a:pPr marL="274320" indent="-274320" fontAlgn="auto">
+              <a:spcAft>
+                <a:spcPts val="0"/>
+              </a:spcAft>
+              <a:buClr>
+                <a:schemeClr val="accent3"/>
+              </a:buClr>
+              <a:buFont typeface="Wingdings 2"/>
+              <a:buChar char=""/>
+              <a:defRPr/>
+            </a:pPr>
             <a:r>
               <a:rPr lang="es-AR" dirty="0" smtClean="0"/>
-              <a:t>Mejoras pendientes</a:t>
-            </a:r>
-            <a:endParaRPr lang="es-AR" dirty="0"/>
-          </a:p>
-        </p:txBody>
-      </p:sp>
-      <p:sp>
-        <p:nvSpPr>
-          <p:cNvPr id="3" name="2 Marcador de contenido"/>
-          <p:cNvSpPr>
-            <a:spLocks noGrp="1"/>
-          </p:cNvSpPr>
-          <p:nvPr>
-            <p:ph idx="1"/>
-          </p:nvPr>
-        </p:nvSpPr>
-        <p:spPr/>
-        <p:txBody>
-          <a:bodyPr>
-            <a:normAutofit/>
-          </a:bodyPr>
-          <a:lstStyle/>
-          <a:p>
-            <a:r>
-              <a:rPr lang="es-AR" dirty="0" smtClean="0"/>
-              <a:t>Mayor comunicación </a:t>
-            </a:r>
-            <a:r>
-              <a:rPr lang="es-AR" dirty="0" smtClean="0"/>
-              <a:t>con el </a:t>
+              <a:t>Mayor comunicación con el </a:t>
             </a:r>
             <a:r>
               <a:rPr lang="es-AR" dirty="0" err="1" smtClean="0"/>
@@ -4045,12 +4595,31 @@
             </a:r>
           </a:p>
           <a:p>
-            <a:pPr marL="0" indent="0">
+            <a:pPr marL="0" indent="0" fontAlgn="auto">
+              <a:spcAft>
+                <a:spcPts val="0"/>
+              </a:spcAft>
+              <a:buClr>
+                <a:schemeClr val="accent3"/>
+              </a:buClr>
+              <a:buFont typeface="Wingdings 2"/>
               <a:buNone/>
+              <a:defRPr/>
             </a:pPr>
             <a:endParaRPr lang="es-AR" dirty="0" smtClean="0"/>
           </a:p>
           <a:p>
+            <a:pPr marL="274320" indent="-274320" fontAlgn="auto">
+              <a:spcAft>
+                <a:spcPts val="0"/>
+              </a:spcAft>
+              <a:buClr>
+                <a:schemeClr val="accent3"/>
+              </a:buClr>
+              <a:buFont typeface="Wingdings 2"/>
+              <a:buChar char=""/>
+              <a:defRPr/>
+            </a:pPr>
             <a:r>
               <a:rPr lang="es-AR" dirty="0" smtClean="0"/>
               <a:t>Mayor flexibilidad a la hora de </a:t>
@@ -4081,16 +4650,34 @@
             </a:r>
           </a:p>
           <a:p>
+            <a:pPr marL="274320" indent="-274320" fontAlgn="auto">
+              <a:spcAft>
+                <a:spcPts val="0"/>
+              </a:spcAft>
+              <a:buClr>
+                <a:schemeClr val="accent3"/>
+              </a:buClr>
+              <a:buFont typeface="Wingdings 2"/>
+              <a:buChar char=""/>
+              <a:defRPr/>
+            </a:pPr>
             <a:endParaRPr lang="es-AR" dirty="0"/>
           </a:p>
           <a:p>
+            <a:pPr marL="274320" indent="-274320" fontAlgn="auto">
+              <a:spcAft>
+                <a:spcPts val="0"/>
+              </a:spcAft>
+              <a:buClr>
+                <a:schemeClr val="accent3"/>
+              </a:buClr>
+              <a:buFont typeface="Wingdings 2"/>
+              <a:buChar char=""/>
+              <a:defRPr/>
+            </a:pPr>
             <a:r>
               <a:rPr lang="es-AR" dirty="0" smtClean="0"/>
-              <a:t>Comenzar </a:t>
-            </a:r>
-            <a:r>
-              <a:rPr lang="es-AR" dirty="0" smtClean="0"/>
-              <a:t>con un proceso inicial de integración del producto.</a:t>
+              <a:t>Comenzar con un proceso inicial de integración del producto.</a:t>
             </a:r>
             <a:endParaRPr lang="es-AR" dirty="0"/>
           </a:p>
@@ -4098,7 +4685,7 @@
       </p:sp>
       <p:pic>
         <p:nvPicPr>
-          <p:cNvPr id="9218" name="Picture 2"/>
+          <p:cNvPr id="22531" name="Picture 2"/>
           <p:cNvPicPr>
             <a:picLocks noChangeAspect="1" noChangeArrowheads="1"/>
           </p:cNvPicPr>
@@ -4113,7 +4700,7 @@
         </p:blipFill>
         <p:spPr bwMode="auto">
           <a:xfrm>
-            <a:off x="8501090" y="1285860"/>
+            <a:off x="8501063" y="1285875"/>
             <a:ext cx="466725" cy="457200"/>
           </a:xfrm>
           <a:prstGeom prst="rect">
@@ -4126,7 +4713,6 @@
             <a:headEnd/>
             <a:tailEnd/>
           </a:ln>
-          <a:effectLst/>
         </p:spPr>
       </p:pic>
     </p:spTree>
@@ -4166,8 +4752,8 @@
         </p:nvSpPr>
         <p:spPr>
           <a:xfrm>
-            <a:off x="285720" y="928670"/>
-            <a:ext cx="8229600" cy="714372"/>
+            <a:off x="285750" y="928688"/>
+            <a:ext cx="8229600" cy="714375"/>
           </a:xfrm>
         </p:spPr>
         <p:txBody>
@@ -4176,6 +4762,12 @@
           </a:bodyPr>
           <a:lstStyle/>
           <a:p>
+            <a:pPr fontAlgn="auto">
+              <a:spcAft>
+                <a:spcPts val="0"/>
+              </a:spcAft>
+              <a:defRPr/>
+            </a:pPr>
             <a:r>
               <a:rPr lang="es-AR" dirty="0" smtClean="0"/>
               <a:t>Gráficos y estadísticas de proyecto</a:t>
@@ -4186,7 +4778,7 @@
       </p:sp>
       <p:pic>
         <p:nvPicPr>
-          <p:cNvPr id="10242" name="Picture 2"/>
+          <p:cNvPr id="23554" name="Picture 2"/>
           <p:cNvPicPr>
             <a:picLocks noChangeAspect="1" noChangeArrowheads="1"/>
           </p:cNvPicPr>
@@ -4201,7 +4793,7 @@
         </p:blipFill>
         <p:spPr bwMode="auto">
           <a:xfrm>
-            <a:off x="8429652" y="1114412"/>
+            <a:off x="8429625" y="1114425"/>
             <a:ext cx="466725" cy="457200"/>
           </a:xfrm>
           <a:prstGeom prst="rect">
@@ -4214,7 +4806,6 @@
             <a:headEnd/>
             <a:tailEnd/>
           </a:ln>
-          <a:effectLst/>
         </p:spPr>
       </p:pic>
     </p:spTree>
@@ -4244,7 +4835,7 @@
       </p:grpSpPr>
       <p:sp>
         <p:nvSpPr>
-          <p:cNvPr id="2" name="1 Título"/>
+          <p:cNvPr id="24577" name="1 Título"/>
           <p:cNvSpPr>
             <a:spLocks noGrp="1"/>
           </p:cNvSpPr>
@@ -4258,16 +4849,15 @@
           <a:lstStyle/>
           <a:p>
             <a:r>
-              <a:rPr lang="es-AR" dirty="0" smtClean="0"/>
+              <a:rPr lang="es-AR" smtClean="0"/>
               <a:t>Resumen de Desarrollo</a:t>
             </a:r>
-            <a:endParaRPr lang="es-AR" dirty="0"/>
-          </a:p>
-        </p:txBody>
-      </p:sp>
-      <p:sp>
-        <p:nvSpPr>
-          <p:cNvPr id="3" name="2 Marcador de contenido"/>
+          </a:p>
+        </p:txBody>
+      </p:sp>
+      <p:sp>
+        <p:nvSpPr>
+          <p:cNvPr id="24578" name="2 Marcador de contenido"/>
           <p:cNvSpPr>
             <a:spLocks noGrp="1"/>
           </p:cNvSpPr>
@@ -4277,39 +4867,29 @@
         </p:nvSpPr>
         <p:spPr/>
         <p:txBody>
-          <a:bodyPr>
-            <a:normAutofit/>
-          </a:bodyPr>
+          <a:bodyPr/>
           <a:lstStyle/>
           <a:p>
             <a:r>
-              <a:rPr lang="es-AR" dirty="0" smtClean="0"/>
-              <a:t>Desarrollo inicial de sitio de gestión y presentación del producto (</a:t>
-            </a:r>
-            <a:r>
-              <a:rPr lang="es-AR" dirty="0"/>
-              <a:t>M</a:t>
-            </a:r>
-            <a:r>
-              <a:rPr lang="es-AR" dirty="0" smtClean="0"/>
-              <a:t>ódulo web, implementación de MVC).</a:t>
-            </a:r>
-          </a:p>
-          <a:p>
-            <a:endParaRPr lang="es-AR" dirty="0"/>
-          </a:p>
-          <a:p>
-            <a:r>
-              <a:rPr lang="es-AR" dirty="0" smtClean="0"/>
+              <a:rPr lang="es-AR" smtClean="0"/>
+              <a:t>Desarrollo inicial de sitio de gestión y presentación del producto (Módulo web, implementación de MVC).</a:t>
+            </a:r>
+          </a:p>
+          <a:p>
+            <a:endParaRPr lang="es-AR" smtClean="0"/>
+          </a:p>
+          <a:p>
+            <a:r>
+              <a:rPr lang="es-AR" smtClean="0"/>
               <a:t>Desarrollo de modelo de objetos de clases de Diseño y DB (Diagrama de clases y Diagrama de DB)</a:t>
             </a:r>
           </a:p>
           <a:p>
-            <a:endParaRPr lang="es-AR" dirty="0"/>
-          </a:p>
-          <a:p>
-            <a:r>
-              <a:rPr lang="es-AR" dirty="0" smtClean="0"/>
+            <a:endParaRPr lang="es-AR" smtClean="0"/>
+          </a:p>
+          <a:p>
+            <a:r>
+              <a:rPr lang="es-AR" smtClean="0"/>
               <a:t>Desarrollo de sets de pruebas de interacción (9 pruebas desarrolladas en C# y CPP).</a:t>
             </a:r>
           </a:p>
@@ -4317,7 +4897,7 @@
       </p:sp>
       <p:pic>
         <p:nvPicPr>
-          <p:cNvPr id="11266" name="Picture 2"/>
+          <p:cNvPr id="24579" name="Picture 2"/>
           <p:cNvPicPr>
             <a:picLocks noChangeAspect="1" noChangeArrowheads="1"/>
           </p:cNvPicPr>
@@ -4332,7 +4912,7 @@
         </p:blipFill>
         <p:spPr bwMode="auto">
           <a:xfrm>
-            <a:off x="6643702" y="1285860"/>
+            <a:off x="6643688" y="1285875"/>
             <a:ext cx="466725" cy="457200"/>
           </a:xfrm>
           <a:prstGeom prst="rect">
@@ -4345,7 +4925,6 @@
             <a:headEnd/>
             <a:tailEnd/>
           </a:ln>
-          <a:effectLst/>
         </p:spPr>
       </p:pic>
     </p:spTree>
@@ -4375,7 +4954,7 @@
       </p:grpSpPr>
       <p:sp>
         <p:nvSpPr>
-          <p:cNvPr id="2" name="1 Título"/>
+          <p:cNvPr id="14337" name="1 Título"/>
           <p:cNvSpPr>
             <a:spLocks noGrp="1"/>
           </p:cNvSpPr>
@@ -4389,16 +4968,15 @@
           <a:lstStyle/>
           <a:p>
             <a:r>
-              <a:rPr lang="es-AR" dirty="0" smtClean="0"/>
+              <a:rPr lang="es-AR" smtClean="0"/>
               <a:t>Agenda</a:t>
             </a:r>
-            <a:endParaRPr lang="es-AR" dirty="0"/>
-          </a:p>
-        </p:txBody>
-      </p:sp>
-      <p:sp>
-        <p:nvSpPr>
-          <p:cNvPr id="3" name="2 Marcador de contenido"/>
+          </a:p>
+        </p:txBody>
+      </p:sp>
+      <p:sp>
+        <p:nvSpPr>
+          <p:cNvPr id="14338" name="2 Marcador de contenido"/>
           <p:cNvSpPr>
             <a:spLocks noGrp="1"/>
           </p:cNvSpPr>
@@ -4412,69 +4990,57 @@
           <a:lstStyle/>
           <a:p>
             <a:r>
-              <a:rPr lang="es-AR" dirty="0" smtClean="0"/>
-              <a:t>Objetivos</a:t>
-            </a:r>
-            <a:endParaRPr lang="es-AR" dirty="0" smtClean="0"/>
-          </a:p>
-          <a:p>
-            <a:r>
-              <a:rPr lang="es-AR" dirty="0" smtClean="0"/>
-              <a:t>Logros</a:t>
-            </a:r>
-            <a:endParaRPr lang="es-AR" dirty="0" smtClean="0"/>
-          </a:p>
-          <a:p>
-            <a:r>
-              <a:rPr lang="es-AR" dirty="0" smtClean="0"/>
-              <a:t>Inconvenientes</a:t>
-            </a:r>
-            <a:endParaRPr lang="es-AR" dirty="0" smtClean="0"/>
-          </a:p>
-          <a:p>
-            <a:r>
-              <a:rPr lang="es-AR" dirty="0" smtClean="0"/>
-              <a:t>Tareas postergadas</a:t>
-            </a:r>
-            <a:endParaRPr lang="es-AR" dirty="0" smtClean="0"/>
-          </a:p>
-          <a:p>
-            <a:r>
-              <a:rPr lang="es-AR" dirty="0" smtClean="0"/>
-              <a:t>Mejoras pendientes</a:t>
-            </a:r>
-            <a:endParaRPr lang="es-AR" dirty="0" smtClean="0"/>
-          </a:p>
-          <a:p>
-            <a:r>
-              <a:rPr lang="es-AR" dirty="0" smtClean="0"/>
-              <a:t>Gráficos y estadísticas de </a:t>
-            </a:r>
-            <a:r>
-              <a:rPr lang="es-AR" dirty="0" smtClean="0"/>
-              <a:t>proyecto</a:t>
-            </a:r>
-            <a:endParaRPr lang="es-AR" dirty="0" smtClean="0"/>
-          </a:p>
-          <a:p>
-            <a:r>
-              <a:rPr lang="es-AR" dirty="0" smtClean="0"/>
-              <a:t>Resumen de </a:t>
-            </a:r>
-            <a:r>
-              <a:rPr lang="es-AR" dirty="0" smtClean="0"/>
-              <a:t>desarrollo</a:t>
-            </a:r>
-            <a:endParaRPr lang="es-AR" dirty="0" smtClean="0"/>
-          </a:p>
-          <a:p>
-            <a:endParaRPr lang="es-AR" dirty="0"/>
+              <a:rPr lang="es-AR" smtClean="0"/>
+              <a:t>Objetivos.</a:t>
+            </a:r>
+          </a:p>
+          <a:p>
+            <a:r>
+              <a:rPr lang="es-AR" smtClean="0"/>
+              <a:t>Logros.</a:t>
+            </a:r>
+          </a:p>
+          <a:p>
+            <a:r>
+              <a:rPr lang="es-AR" smtClean="0"/>
+              <a:t>Inconvenientes.</a:t>
+            </a:r>
+          </a:p>
+          <a:p>
+            <a:r>
+              <a:rPr lang="es-AR" smtClean="0"/>
+              <a:t>Tareas postergadas.</a:t>
+            </a:r>
+          </a:p>
+          <a:p>
+            <a:r>
+              <a:rPr lang="es-AR" smtClean="0"/>
+              <a:t>Mejoras pendientes.</a:t>
+            </a:r>
+          </a:p>
+          <a:p>
+            <a:r>
+              <a:rPr lang="es-AR" smtClean="0"/>
+              <a:t>Gráficos y estadísticas de proyecto.</a:t>
+            </a:r>
+          </a:p>
+          <a:p>
+            <a:r>
+              <a:rPr lang="es-AR" smtClean="0"/>
+              <a:t>Resumen de desarrollo.</a:t>
+            </a:r>
+          </a:p>
+          <a:p>
+            <a:r>
+              <a:rPr lang="es-AR" smtClean="0"/>
+              <a:t>Demos.</a:t>
+            </a:r>
           </a:p>
         </p:txBody>
       </p:sp>
       <p:pic>
         <p:nvPicPr>
-          <p:cNvPr id="3075" name="Picture 3"/>
+          <p:cNvPr id="14339" name="Picture 3"/>
           <p:cNvPicPr>
             <a:picLocks noChangeAspect="1" noChangeArrowheads="1"/>
           </p:cNvPicPr>
@@ -4489,7 +5055,7 @@
         </p:blipFill>
         <p:spPr bwMode="auto">
           <a:xfrm>
-            <a:off x="2571736" y="1285860"/>
+            <a:off x="2571750" y="1285875"/>
             <a:ext cx="466725" cy="457200"/>
           </a:xfrm>
           <a:prstGeom prst="rect">
@@ -4502,7 +5068,6 @@
             <a:headEnd/>
             <a:tailEnd/>
           </a:ln>
-          <a:effectLst/>
         </p:spPr>
       </p:pic>
     </p:spTree>
@@ -4542,8 +5107,8 @@
         </p:nvSpPr>
         <p:spPr>
           <a:xfrm>
-            <a:off x="457200" y="1071546"/>
-            <a:ext cx="8229600" cy="775542"/>
+            <a:off x="457200" y="1071563"/>
+            <a:ext cx="8229600" cy="776287"/>
           </a:xfrm>
         </p:spPr>
         <p:txBody>
@@ -4552,6 +5117,12 @@
           </a:bodyPr>
           <a:lstStyle/>
           <a:p>
+            <a:pPr fontAlgn="auto">
+              <a:spcAft>
+                <a:spcPts val="0"/>
+              </a:spcAft>
+              <a:defRPr/>
+            </a:pPr>
             <a:r>
               <a:rPr lang="es-AR" dirty="0" smtClean="0"/>
               <a:t>Objetivos del Sprint 02</a:t>
@@ -4577,69 +5148,140 @@
           </a:bodyPr>
           <a:lstStyle/>
           <a:p>
+            <a:pPr marL="274320" indent="-274320" fontAlgn="auto">
+              <a:spcAft>
+                <a:spcPts val="0"/>
+              </a:spcAft>
+              <a:buClr>
+                <a:schemeClr val="accent3"/>
+              </a:buClr>
+              <a:buFont typeface="Wingdings 2"/>
+              <a:buChar char=""/>
+              <a:defRPr/>
+            </a:pPr>
             <a:r>
               <a:rPr lang="es-AR" dirty="0" smtClean="0"/>
               <a:t>Definir roles y tareas para el nuevo integrante al equipo de desarrollo.</a:t>
             </a:r>
           </a:p>
           <a:p>
+            <a:pPr marL="274320" indent="-274320" fontAlgn="auto">
+              <a:spcAft>
+                <a:spcPts val="0"/>
+              </a:spcAft>
+              <a:buClr>
+                <a:schemeClr val="accent3"/>
+              </a:buClr>
+              <a:buFont typeface="Wingdings 2"/>
+              <a:buChar char=""/>
+              <a:defRPr/>
+            </a:pPr>
             <a:endParaRPr lang="es-AR" dirty="0"/>
           </a:p>
           <a:p>
+            <a:pPr marL="274320" indent="-274320" fontAlgn="auto">
+              <a:spcAft>
+                <a:spcPts val="0"/>
+              </a:spcAft>
+              <a:buClr>
+                <a:schemeClr val="accent3"/>
+              </a:buClr>
+              <a:buFont typeface="Wingdings 2"/>
+              <a:buChar char=""/>
+              <a:defRPr/>
+            </a:pPr>
             <a:r>
               <a:rPr lang="es-AR" dirty="0" smtClean="0"/>
-              <a:t>Planificar, dirigir y controlar el Sprint de forma </a:t>
-            </a:r>
+              <a:t>Planificar, dirigir y controlar el Sprint de forma correcta, para evitar inconvenientes.</a:t>
+            </a:r>
+          </a:p>
+          <a:p>
+            <a:pPr marL="274320" indent="-274320" fontAlgn="auto">
+              <a:spcAft>
+                <a:spcPts val="0"/>
+              </a:spcAft>
+              <a:buClr>
+                <a:schemeClr val="accent3"/>
+              </a:buClr>
+              <a:buFont typeface="Wingdings 2"/>
+              <a:buChar char=""/>
+              <a:defRPr/>
+            </a:pPr>
+            <a:endParaRPr lang="es-AR" dirty="0"/>
+          </a:p>
+          <a:p>
+            <a:pPr marL="274320" indent="-274320" fontAlgn="auto">
+              <a:spcAft>
+                <a:spcPts val="0"/>
+              </a:spcAft>
+              <a:buClr>
+                <a:schemeClr val="accent3"/>
+              </a:buClr>
+              <a:buFont typeface="Wingdings 2"/>
+              <a:buChar char=""/>
+              <a:defRPr/>
+            </a:pPr>
             <a:r>
               <a:rPr lang="es-AR" dirty="0" smtClean="0"/>
-              <a:t>correcta, para evitar inconvenientes.</a:t>
-            </a:r>
+              <a:t>Completar el modelo de clases del producto y el modelo de Base de Datos.</a:t>
+            </a:r>
+          </a:p>
+          <a:p>
+            <a:pPr marL="274320" indent="-274320" fontAlgn="auto">
+              <a:spcAft>
+                <a:spcPts val="0"/>
+              </a:spcAft>
+              <a:buClr>
+                <a:schemeClr val="accent3"/>
+              </a:buClr>
+              <a:buFont typeface="Wingdings 2"/>
+              <a:buChar char=""/>
+              <a:defRPr/>
+            </a:pPr>
+            <a:endParaRPr lang="es-AR" dirty="0"/>
+          </a:p>
+          <a:p>
+            <a:pPr marL="274320" indent="-274320" fontAlgn="auto">
+              <a:spcAft>
+                <a:spcPts val="0"/>
+              </a:spcAft>
+              <a:buClr>
+                <a:schemeClr val="accent3"/>
+              </a:buClr>
+              <a:buFont typeface="Wingdings 2"/>
+              <a:buChar char=""/>
+              <a:defRPr/>
+            </a:pPr>
+            <a:r>
+              <a:rPr lang="es-AR" dirty="0" smtClean="0"/>
+              <a:t>Llevar a cabo los últimos test de desarrollo para iniciar la producción concreta del producto.</a:t>
+            </a:r>
+          </a:p>
+          <a:p>
+            <a:pPr marL="274320" indent="-274320" fontAlgn="auto">
+              <a:spcAft>
+                <a:spcPts val="0"/>
+              </a:spcAft>
+              <a:buClr>
+                <a:schemeClr val="accent3"/>
+              </a:buClr>
+              <a:buFont typeface="Wingdings 2"/>
+              <a:buNone/>
+              <a:defRPr/>
+            </a:pPr>
             <a:endParaRPr lang="es-AR" dirty="0" smtClean="0"/>
           </a:p>
           <a:p>
-            <a:endParaRPr lang="es-AR" dirty="0"/>
-          </a:p>
-          <a:p>
-            <a:r>
-              <a:rPr lang="es-AR" dirty="0" smtClean="0"/>
-              <a:t>Completar el modelo de clases </a:t>
-            </a:r>
-            <a:r>
-              <a:rPr lang="es-AR" dirty="0" smtClean="0"/>
-              <a:t>del </a:t>
-            </a:r>
-            <a:r>
-              <a:rPr lang="es-AR" dirty="0" smtClean="0"/>
-              <a:t>producto y el modelo de </a:t>
-            </a:r>
-            <a:r>
-              <a:rPr lang="es-AR" dirty="0" smtClean="0"/>
-              <a:t>Base de Datos.</a:t>
-            </a:r>
-            <a:endParaRPr lang="es-AR" dirty="0" smtClean="0"/>
-          </a:p>
-          <a:p>
-            <a:endParaRPr lang="es-AR" dirty="0"/>
-          </a:p>
-          <a:p>
-            <a:r>
-              <a:rPr lang="es-AR" dirty="0" smtClean="0"/>
-              <a:t>Llevar a cabo los </a:t>
-            </a:r>
-            <a:r>
-              <a:rPr lang="es-AR" dirty="0" smtClean="0"/>
-              <a:t>últimos test de desarrollo para iniciar la producción concreta del producto.</a:t>
-            </a:r>
-          </a:p>
-          <a:p>
-            <a:pPr>
+            <a:pPr marL="274320" indent="-274320" fontAlgn="auto">
+              <a:spcAft>
+                <a:spcPts val="0"/>
+              </a:spcAft>
+              <a:buClr>
+                <a:schemeClr val="accent3"/>
+              </a:buClr>
+              <a:buFont typeface="Wingdings 2"/>
               <a:buNone/>
-            </a:pPr>
-            <a:endParaRPr lang="es-AR" dirty="0" smtClean="0"/>
-          </a:p>
-          <a:p>
-            <a:pPr>
-              <a:buNone/>
+              <a:defRPr/>
             </a:pPr>
             <a:endParaRPr lang="es-AR" dirty="0"/>
           </a:p>
@@ -4647,7 +5289,7 @@
       </p:sp>
       <p:pic>
         <p:nvPicPr>
-          <p:cNvPr id="4098" name="Picture 2"/>
+          <p:cNvPr id="15363" name="Picture 2"/>
           <p:cNvPicPr>
             <a:picLocks noChangeAspect="1" noChangeArrowheads="1"/>
           </p:cNvPicPr>
@@ -4662,7 +5304,7 @@
         </p:blipFill>
         <p:spPr bwMode="auto">
           <a:xfrm>
-            <a:off x="5929322" y="1285860"/>
+            <a:off x="5929313" y="1285875"/>
             <a:ext cx="466725" cy="457200"/>
           </a:xfrm>
           <a:prstGeom prst="rect">
@@ -4675,7 +5317,6 @@
             <a:headEnd/>
             <a:tailEnd/>
           </a:ln>
-          <a:effectLst/>
         </p:spPr>
       </p:pic>
     </p:spTree>
@@ -4705,7 +5346,7 @@
       </p:grpSpPr>
       <p:pic>
         <p:nvPicPr>
-          <p:cNvPr id="1026" name="Picture 2"/>
+          <p:cNvPr id="16385" name="Picture 2"/>
           <p:cNvPicPr>
             <a:picLocks noChangeAspect="1" noChangeArrowheads="1"/>
           </p:cNvPicPr>
@@ -4720,8 +5361,8 @@
         </p:blipFill>
         <p:spPr bwMode="auto">
           <a:xfrm>
-            <a:off x="1142976" y="1214422"/>
-            <a:ext cx="6529415" cy="5321593"/>
+            <a:off x="1143000" y="1214438"/>
+            <a:ext cx="6529388" cy="5321300"/>
           </a:xfrm>
           <a:prstGeom prst="rect">
             <a:avLst/>
@@ -4733,7 +5374,6 @@
             <a:headEnd/>
             <a:tailEnd/>
           </a:ln>
-          <a:effectLst/>
         </p:spPr>
       </p:pic>
       <p:sp>
@@ -4748,8 +5388,8 @@
         </p:nvSpPr>
         <p:spPr>
           <a:xfrm>
-            <a:off x="457200" y="785794"/>
-            <a:ext cx="8229600" cy="775542"/>
+            <a:off x="457200" y="785813"/>
+            <a:ext cx="8229600" cy="776287"/>
           </a:xfrm>
         </p:spPr>
         <p:txBody>
@@ -4758,6 +5398,12 @@
           </a:bodyPr>
           <a:lstStyle/>
           <a:p>
+            <a:pPr fontAlgn="auto">
+              <a:spcAft>
+                <a:spcPts val="0"/>
+              </a:spcAft>
+              <a:defRPr/>
+            </a:pPr>
             <a:r>
               <a:rPr lang="es-AR" dirty="0" smtClean="0"/>
               <a:t>Esquema general del Sprint</a:t>
@@ -4774,8 +5420,8 @@
         </p:nvSpPr>
         <p:spPr>
           <a:xfrm>
-            <a:off x="7000892" y="3786190"/>
-            <a:ext cx="285752" cy="285752"/>
+            <a:off x="7000875" y="3786188"/>
+            <a:ext cx="285750" cy="285750"/>
           </a:xfrm>
           <a:prstGeom prst="rect">
             <a:avLst/>
@@ -4804,47 +5450,64 @@
           </a:fontRef>
         </p:style>
         <p:txBody>
-          <a:bodyPr rtlCol="0" anchor="ctr"/>
+          <a:bodyPr anchor="ctr"/>
           <a:lstStyle/>
           <a:p>
-            <a:pPr algn="ctr"/>
+            <a:pPr algn="ctr" fontAlgn="auto">
+              <a:spcBef>
+                <a:spcPts val="0"/>
+              </a:spcBef>
+              <a:spcAft>
+                <a:spcPts val="0"/>
+              </a:spcAft>
+              <a:defRPr/>
+            </a:pPr>
             <a:endParaRPr lang="es-AR"/>
           </a:p>
         </p:txBody>
       </p:sp>
       <p:sp>
         <p:nvSpPr>
-          <p:cNvPr id="7" name="6 CuadroTexto"/>
-          <p:cNvSpPr txBox="1"/>
+          <p:cNvPr id="16388" name="6 CuadroTexto"/>
+          <p:cNvSpPr txBox="1">
+            <a:spLocks noChangeArrowheads="1"/>
+          </p:cNvSpPr>
           <p:nvPr/>
         </p:nvSpPr>
-        <p:spPr>
+        <p:spPr bwMode="auto">
           <a:xfrm>
-            <a:off x="7358082" y="3643314"/>
-            <a:ext cx="1357322" cy="1200329"/>
+            <a:off x="7358063" y="3643313"/>
+            <a:ext cx="1357312" cy="1200150"/>
           </a:xfrm>
           <a:prstGeom prst="rect">
             <a:avLst/>
           </a:prstGeom>
           <a:noFill/>
+          <a:ln w="9525">
+            <a:noFill/>
+            <a:miter lim="800000"/>
+            <a:headEnd/>
+            <a:tailEnd/>
+          </a:ln>
         </p:spPr>
         <p:txBody>
-          <a:bodyPr wrap="square" rtlCol="0">
+          <a:bodyPr>
             <a:spAutoFit/>
           </a:bodyPr>
           <a:lstStyle/>
           <a:p>
             <a:r>
-              <a:rPr lang="es-AR" dirty="0" smtClean="0"/>
+              <a:rPr lang="es-AR">
+                <a:latin typeface="Constantia" pitchFamily="18" charset="0"/>
+              </a:rPr>
               <a:t>Módulo de desarrollo incluido en el Sprint</a:t>
             </a:r>
-            <a:endParaRPr lang="es-AR" dirty="0"/>
           </a:p>
         </p:txBody>
       </p:sp>
       <p:pic>
         <p:nvPicPr>
-          <p:cNvPr id="1027" name="Picture 3"/>
+          <p:cNvPr id="16389" name="Picture 3"/>
           <p:cNvPicPr>
             <a:picLocks noChangeAspect="1" noChangeArrowheads="1"/>
           </p:cNvPicPr>
@@ -4859,7 +5522,7 @@
         </p:blipFill>
         <p:spPr bwMode="auto">
           <a:xfrm>
-            <a:off x="6929454" y="1000108"/>
+            <a:off x="6929438" y="1000125"/>
             <a:ext cx="466725" cy="457200"/>
           </a:xfrm>
           <a:prstGeom prst="rect">
@@ -4872,7 +5535,6 @@
             <a:headEnd/>
             <a:tailEnd/>
           </a:ln>
-          <a:effectLst/>
         </p:spPr>
       </p:pic>
     </p:spTree>
@@ -4902,7 +5564,7 @@
       </p:grpSpPr>
       <p:sp>
         <p:nvSpPr>
-          <p:cNvPr id="2" name="1 Título"/>
+          <p:cNvPr id="17409" name="1 Título"/>
           <p:cNvSpPr>
             <a:spLocks noGrp="1"/>
           </p:cNvSpPr>
@@ -4912,16 +5574,13 @@
         </p:nvSpPr>
         <p:spPr/>
         <p:txBody>
-          <a:bodyPr>
-            <a:normAutofit/>
-          </a:bodyPr>
+          <a:bodyPr/>
           <a:lstStyle/>
           <a:p>
             <a:r>
-              <a:rPr lang="es-AR" dirty="0" smtClean="0"/>
+              <a:rPr lang="es-AR" smtClean="0"/>
               <a:t>Logros</a:t>
             </a:r>
-            <a:endParaRPr lang="es-AR" dirty="0"/>
           </a:p>
         </p:txBody>
       </p:sp>
@@ -4942,66 +5601,111 @@
           </a:bodyPr>
           <a:lstStyle/>
           <a:p>
+            <a:pPr marL="274320" indent="-274320" fontAlgn="auto">
+              <a:spcAft>
+                <a:spcPts val="0"/>
+              </a:spcAft>
+              <a:buClr>
+                <a:schemeClr val="accent3"/>
+              </a:buClr>
+              <a:buFont typeface="Wingdings 2"/>
+              <a:buChar char=""/>
+              <a:defRPr/>
+            </a:pPr>
             <a:r>
               <a:rPr lang="es-AR" dirty="0" smtClean="0"/>
-              <a:t>El nuevo </a:t>
-            </a:r>
+              <a:t>El nuevo integrante pudo incorporase  al proyecto de forma correcta.</a:t>
+            </a:r>
+            <a:endParaRPr lang="es-AR" dirty="0"/>
+          </a:p>
+          <a:p>
+            <a:pPr marL="274320" indent="-274320" fontAlgn="auto">
+              <a:spcAft>
+                <a:spcPts val="0"/>
+              </a:spcAft>
+              <a:buClr>
+                <a:schemeClr val="accent3"/>
+              </a:buClr>
+              <a:buFont typeface="Wingdings 2"/>
+              <a:buChar char=""/>
+              <a:defRPr/>
+            </a:pPr>
+            <a:endParaRPr lang="es-AR" dirty="0" smtClean="0"/>
+          </a:p>
+          <a:p>
+            <a:pPr marL="274320" indent="-274320" fontAlgn="auto">
+              <a:spcAft>
+                <a:spcPts val="0"/>
+              </a:spcAft>
+              <a:buClr>
+                <a:schemeClr val="accent3"/>
+              </a:buClr>
+              <a:buFont typeface="Wingdings 2"/>
+              <a:buChar char=""/>
+              <a:defRPr/>
+            </a:pPr>
             <a:r>
               <a:rPr lang="es-AR" dirty="0" smtClean="0"/>
-              <a:t>integrante pudo incorporase  al </a:t>
-            </a:r>
-            <a:r>
-              <a:rPr lang="es-AR" dirty="0" smtClean="0"/>
-              <a:t>proyecto de </a:t>
-            </a:r>
-            <a:r>
-              <a:rPr lang="es-AR" dirty="0" smtClean="0"/>
-              <a:t>forma </a:t>
-            </a:r>
-            <a:r>
-              <a:rPr lang="es-AR" dirty="0" smtClean="0"/>
-              <a:t>correcta.</a:t>
-            </a:r>
+              <a:t>Fueron definidos los roles para el integrante;  un nuevo Ingeniero de Software (con orientación a desarrollo web) y DBA para el desarrollo del producto.</a:t>
+            </a:r>
+          </a:p>
+          <a:p>
+            <a:pPr marL="274320" indent="-274320" fontAlgn="auto">
+              <a:spcAft>
+                <a:spcPts val="0"/>
+              </a:spcAft>
+              <a:buClr>
+                <a:schemeClr val="accent3"/>
+              </a:buClr>
+              <a:buFont typeface="Wingdings 2"/>
+              <a:buChar char=""/>
+              <a:defRPr/>
+            </a:pPr>
             <a:endParaRPr lang="es-AR" dirty="0"/>
           </a:p>
           <a:p>
-            <a:endParaRPr lang="es-AR" dirty="0" smtClean="0"/>
-          </a:p>
-          <a:p>
-            <a:r>
-              <a:rPr lang="es-AR" dirty="0" smtClean="0"/>
-              <a:t>Fueron definidos </a:t>
-            </a:r>
-            <a:r>
-              <a:rPr lang="es-AR" dirty="0" smtClean="0"/>
-              <a:t>los roles </a:t>
-            </a:r>
-            <a:r>
-              <a:rPr lang="es-AR" dirty="0" smtClean="0"/>
-              <a:t>para el </a:t>
-            </a:r>
-            <a:r>
-              <a:rPr lang="es-AR" dirty="0" smtClean="0"/>
-              <a:t>integrante;  </a:t>
-            </a:r>
-            <a:r>
-              <a:rPr lang="es-AR" dirty="0" smtClean="0"/>
-              <a:t>un nuevo Ingeniero de Software (con orientación a desarrollo web) y DBA para el desarrollo del producto.</a:t>
-            </a:r>
-          </a:p>
-          <a:p>
-            <a:endParaRPr lang="es-AR" dirty="0"/>
-          </a:p>
-          <a:p>
+            <a:pPr marL="274320" indent="-274320" fontAlgn="auto">
+              <a:spcAft>
+                <a:spcPts val="0"/>
+              </a:spcAft>
+              <a:buClr>
+                <a:schemeClr val="accent3"/>
+              </a:buClr>
+              <a:buFont typeface="Wingdings 2"/>
+              <a:buChar char=""/>
+              <a:defRPr/>
+            </a:pPr>
             <a:r>
               <a:rPr lang="es-AR" dirty="0" smtClean="0"/>
               <a:t>Con la incorporación de este nuevo Ingeniero de Software se pudieron incorporar nuevas tareas, que serán implementadas específicamente en el Sprint 03.</a:t>
             </a:r>
           </a:p>
           <a:p>
+            <a:pPr marL="274320" indent="-274320" fontAlgn="auto">
+              <a:spcAft>
+                <a:spcPts val="0"/>
+              </a:spcAft>
+              <a:buClr>
+                <a:schemeClr val="accent3"/>
+              </a:buClr>
+              <a:buFont typeface="Wingdings 2"/>
+              <a:buChar char=""/>
+              <a:defRPr/>
+            </a:pPr>
             <a:endParaRPr lang="es-AR" dirty="0"/>
           </a:p>
           <a:p>
+            <a:pPr marL="274320" indent="-274320" fontAlgn="auto">
+              <a:spcAft>
+                <a:spcPts val="0"/>
+              </a:spcAft>
+              <a:buClr>
+                <a:schemeClr val="accent3"/>
+              </a:buClr>
+              <a:buFont typeface="Wingdings 2"/>
+              <a:buChar char=""/>
+              <a:defRPr/>
+            </a:pPr>
             <a:r>
               <a:rPr lang="es-AR" dirty="0" smtClean="0"/>
               <a:t>Se desarrollaron sinérgicamente las pruebas que llevaron al crecimiento del modelo de diseño.</a:t>
@@ -5012,28 +5716,72 @@
             <a:endParaRPr lang="es-AR" dirty="0" smtClean="0"/>
           </a:p>
           <a:p>
+            <a:pPr marL="274320" indent="-274320" fontAlgn="auto">
+              <a:spcAft>
+                <a:spcPts val="0"/>
+              </a:spcAft>
+              <a:buClr>
+                <a:schemeClr val="accent3"/>
+              </a:buClr>
+              <a:buFont typeface="Wingdings 2"/>
+              <a:buChar char=""/>
+              <a:defRPr/>
+            </a:pPr>
             <a:r>
               <a:rPr lang="es-AR" dirty="0" smtClean="0"/>
               <a:t>Se aplicó un modelo de base de datos  y se definió el proceso de almacenamiento de imágenes.</a:t>
             </a:r>
           </a:p>
           <a:p>
+            <a:pPr marL="274320" indent="-274320" fontAlgn="auto">
+              <a:spcAft>
+                <a:spcPts val="0"/>
+              </a:spcAft>
+              <a:buClr>
+                <a:schemeClr val="accent3"/>
+              </a:buClr>
+              <a:buFont typeface="Wingdings 2"/>
+              <a:buChar char=""/>
+              <a:defRPr/>
+            </a:pPr>
             <a:endParaRPr lang="es-AR" dirty="0"/>
           </a:p>
           <a:p>
+            <a:pPr marL="274320" indent="-274320" fontAlgn="auto">
+              <a:spcAft>
+                <a:spcPts val="0"/>
+              </a:spcAft>
+              <a:buClr>
+                <a:schemeClr val="accent3"/>
+              </a:buClr>
+              <a:buFont typeface="Wingdings 2"/>
+              <a:buChar char=""/>
+              <a:defRPr/>
+            </a:pPr>
             <a:r>
               <a:rPr lang="es-AR" dirty="0" smtClean="0"/>
               <a:t>Se establecieron estándares y formatos de documentación.</a:t>
             </a:r>
           </a:p>
           <a:p>
+            <a:pPr marL="274320" indent="-274320" fontAlgn="auto">
+              <a:spcAft>
+                <a:spcPts val="0"/>
+              </a:spcAft>
+              <a:buClr>
+                <a:schemeClr val="accent3"/>
+              </a:buClr>
+              <a:buFont typeface="Wingdings 2"/>
+              <a:buChar char=""/>
+              <a:defRPr/>
+            </a:pPr>
             <a:endParaRPr lang="es-AR" dirty="0"/>
           </a:p>
         </p:txBody>
       </p:sp>
       <p:pic>
         <p:nvPicPr>
-          <p:cNvPr id="5122" name="Picture 2"/>
+          <p:cNvPr id="17411" name="Picture 2"/>
           <p:cNvPicPr>
             <a:picLocks noChangeAspect="1" noChangeArrowheads="1"/>
           </p:cNvPicPr>
@@ -5048,7 +5796,7 @@
         </p:blipFill>
         <p:spPr bwMode="auto">
           <a:xfrm>
-            <a:off x="2428860" y="1285860"/>
+            <a:off x="2428875" y="1285875"/>
             <a:ext cx="466725" cy="457200"/>
           </a:xfrm>
           <a:prstGeom prst="rect">
@@ -5061,7 +5809,6 @@
             <a:headEnd/>
             <a:tailEnd/>
           </a:ln>
-          <a:effectLst/>
         </p:spPr>
       </p:pic>
     </p:spTree>
@@ -5091,7 +5838,7 @@
       </p:grpSpPr>
       <p:pic>
         <p:nvPicPr>
-          <p:cNvPr id="2051" name="Picture 3"/>
+          <p:cNvPr id="18433" name="Picture 3"/>
           <p:cNvPicPr>
             <a:picLocks noChangeAspect="1" noChangeArrowheads="1"/>
           </p:cNvPicPr>
@@ -5106,8 +5853,8 @@
         </p:blipFill>
         <p:spPr bwMode="auto">
           <a:xfrm>
-            <a:off x="571472" y="857232"/>
-            <a:ext cx="7516248" cy="6000768"/>
+            <a:off x="571500" y="857250"/>
+            <a:ext cx="7516813" cy="6000750"/>
           </a:xfrm>
           <a:prstGeom prst="rect">
             <a:avLst/>
@@ -5119,7 +5866,6 @@
             <a:headEnd/>
             <a:tailEnd/>
           </a:ln>
-          <a:effectLst/>
         </p:spPr>
       </p:pic>
       <p:sp>
@@ -5134,8 +5880,8 @@
         </p:nvSpPr>
         <p:spPr>
           <a:xfrm>
-            <a:off x="714348" y="714356"/>
-            <a:ext cx="8229600" cy="654032"/>
+            <a:off x="714375" y="714375"/>
+            <a:ext cx="8229600" cy="654050"/>
           </a:xfrm>
         </p:spPr>
         <p:txBody>
@@ -5144,6 +5890,12 @@
           </a:bodyPr>
           <a:lstStyle/>
           <a:p>
+            <a:pPr fontAlgn="auto">
+              <a:spcAft>
+                <a:spcPts val="0"/>
+              </a:spcAft>
+              <a:defRPr/>
+            </a:pPr>
             <a:r>
               <a:rPr lang="es-AR" dirty="0" smtClean="0"/>
               <a:t>Esquema de Logros</a:t>
@@ -5160,8 +5912,8 @@
         </p:nvSpPr>
         <p:spPr>
           <a:xfrm>
-            <a:off x="6858016" y="4357694"/>
-            <a:ext cx="285752" cy="285752"/>
+            <a:off x="6858000" y="4357688"/>
+            <a:ext cx="285750" cy="285750"/>
           </a:xfrm>
           <a:prstGeom prst="rect">
             <a:avLst/>
@@ -5187,10 +5939,18 @@
           </a:fontRef>
         </p:style>
         <p:txBody>
-          <a:bodyPr rtlCol="0" anchor="ctr"/>
+          <a:bodyPr anchor="ctr"/>
           <a:lstStyle/>
           <a:p>
-            <a:pPr algn="ctr"/>
+            <a:pPr algn="ctr" fontAlgn="auto">
+              <a:spcBef>
+                <a:spcPts val="0"/>
+              </a:spcBef>
+              <a:spcAft>
+                <a:spcPts val="0"/>
+              </a:spcAft>
+              <a:defRPr/>
+            </a:pPr>
             <a:endParaRPr lang="es-AR"/>
           </a:p>
         </p:txBody>
@@ -5203,8 +5963,8 @@
         </p:nvSpPr>
         <p:spPr>
           <a:xfrm>
-            <a:off x="6858016" y="5214950"/>
-            <a:ext cx="285752" cy="285752"/>
+            <a:off x="6858000" y="5214938"/>
+            <a:ext cx="285750" cy="285750"/>
           </a:xfrm>
           <a:prstGeom prst="rect">
             <a:avLst/>
@@ -5230,10 +5990,18 @@
           </a:fontRef>
         </p:style>
         <p:txBody>
-          <a:bodyPr rtlCol="0" anchor="ctr"/>
+          <a:bodyPr anchor="ctr"/>
           <a:lstStyle/>
           <a:p>
-            <a:pPr algn="ctr"/>
+            <a:pPr algn="ctr" fontAlgn="auto">
+              <a:spcBef>
+                <a:spcPts val="0"/>
+              </a:spcBef>
+              <a:spcAft>
+                <a:spcPts val="0"/>
+              </a:spcAft>
+              <a:defRPr/>
+            </a:pPr>
             <a:endParaRPr lang="es-AR"/>
           </a:p>
         </p:txBody>
@@ -5246,8 +6014,8 @@
         </p:nvSpPr>
         <p:spPr>
           <a:xfrm>
-            <a:off x="6858016" y="5929330"/>
-            <a:ext cx="285752" cy="285752"/>
+            <a:off x="6858000" y="5929313"/>
+            <a:ext cx="285750" cy="285750"/>
           </a:xfrm>
           <a:prstGeom prst="rect">
             <a:avLst/>
@@ -5273,83 +6041,118 @@
           </a:fontRef>
         </p:style>
         <p:txBody>
-          <a:bodyPr rtlCol="0" anchor="ctr"/>
+          <a:bodyPr anchor="ctr"/>
           <a:lstStyle/>
           <a:p>
-            <a:pPr algn="ctr"/>
+            <a:pPr algn="ctr" fontAlgn="auto">
+              <a:spcBef>
+                <a:spcPts val="0"/>
+              </a:spcBef>
+              <a:spcAft>
+                <a:spcPts val="0"/>
+              </a:spcAft>
+              <a:defRPr/>
+            </a:pPr>
             <a:endParaRPr lang="es-AR"/>
           </a:p>
         </p:txBody>
       </p:sp>
       <p:sp>
         <p:nvSpPr>
-          <p:cNvPr id="10" name="9 CuadroTexto"/>
-          <p:cNvSpPr txBox="1"/>
+          <p:cNvPr id="18438" name="9 CuadroTexto"/>
+          <p:cNvSpPr txBox="1">
+            <a:spLocks noChangeArrowheads="1"/>
+          </p:cNvSpPr>
           <p:nvPr/>
         </p:nvSpPr>
-        <p:spPr>
+        <p:spPr bwMode="auto">
           <a:xfrm>
-            <a:off x="7358082" y="4214818"/>
-            <a:ext cx="1357322" cy="2031325"/>
+            <a:off x="7358063" y="4214813"/>
+            <a:ext cx="1357312" cy="2032000"/>
           </a:xfrm>
           <a:prstGeom prst="rect">
             <a:avLst/>
           </a:prstGeom>
           <a:noFill/>
+          <a:ln w="9525">
+            <a:noFill/>
+            <a:miter lim="800000"/>
+            <a:headEnd/>
+            <a:tailEnd/>
+          </a:ln>
         </p:spPr>
         <p:txBody>
-          <a:bodyPr wrap="square" rtlCol="0">
+          <a:bodyPr>
             <a:spAutoFit/>
           </a:bodyPr>
           <a:lstStyle/>
           <a:p>
             <a:r>
-              <a:rPr lang="es-AR" dirty="0" smtClean="0"/>
+              <a:rPr lang="es-AR">
+                <a:latin typeface="Constantia" pitchFamily="18" charset="0"/>
+              </a:rPr>
               <a:t>Gran</a:t>
             </a:r>
             <a:br>
-              <a:rPr lang="es-AR" dirty="0" smtClean="0"/>
+              <a:rPr lang="es-AR">
+                <a:latin typeface="Constantia" pitchFamily="18" charset="0"/>
+              </a:rPr>
             </a:br>
             <a:r>
-              <a:rPr lang="es-AR" dirty="0" smtClean="0"/>
+              <a:rPr lang="es-AR">
+                <a:latin typeface="Constantia" pitchFamily="18" charset="0"/>
+              </a:rPr>
               <a:t>Avance</a:t>
             </a:r>
             <a:br>
-              <a:rPr lang="es-AR" dirty="0" smtClean="0"/>
+              <a:rPr lang="es-AR">
+                <a:latin typeface="Constantia" pitchFamily="18" charset="0"/>
+              </a:rPr>
             </a:br>
             <a:r>
-              <a:rPr lang="es-AR" dirty="0" smtClean="0"/>
+              <a:rPr lang="es-AR">
+                <a:latin typeface="Constantia" pitchFamily="18" charset="0"/>
+              </a:rPr>
               <a:t/>
             </a:r>
             <a:br>
-              <a:rPr lang="es-AR" dirty="0" smtClean="0"/>
+              <a:rPr lang="es-AR">
+                <a:latin typeface="Constantia" pitchFamily="18" charset="0"/>
+              </a:rPr>
             </a:br>
             <a:r>
-              <a:rPr lang="es-AR" dirty="0" smtClean="0"/>
+              <a:rPr lang="es-AR">
+                <a:latin typeface="Constantia" pitchFamily="18" charset="0"/>
+              </a:rPr>
               <a:t>Mediano</a:t>
             </a:r>
           </a:p>
           <a:p>
             <a:r>
-              <a:rPr lang="es-AR" dirty="0" smtClean="0"/>
+              <a:rPr lang="es-AR">
+                <a:latin typeface="Constantia" pitchFamily="18" charset="0"/>
+              </a:rPr>
               <a:t>Avance</a:t>
             </a:r>
           </a:p>
           <a:p>
-            <a:endParaRPr lang="es-AR" dirty="0" smtClean="0"/>
-          </a:p>
-          <a:p>
-            <a:r>
-              <a:rPr lang="es-AR" dirty="0" smtClean="0"/>
+            <a:endParaRPr lang="es-AR">
+              <a:latin typeface="Constantia" pitchFamily="18" charset="0"/>
+            </a:endParaRPr>
+          </a:p>
+          <a:p>
+            <a:r>
+              <a:rPr lang="es-AR">
+                <a:latin typeface="Constantia" pitchFamily="18" charset="0"/>
+              </a:rPr>
               <a:t>Poco Avance</a:t>
             </a:r>
-            <a:endParaRPr lang="es-AR" dirty="0"/>
           </a:p>
         </p:txBody>
       </p:sp>
       <p:pic>
         <p:nvPicPr>
-          <p:cNvPr id="2052" name="Picture 4"/>
+          <p:cNvPr id="18439" name="Picture 4"/>
           <p:cNvPicPr>
             <a:picLocks noChangeAspect="1" noChangeArrowheads="1"/>
           </p:cNvPicPr>
@@ -5364,7 +6167,7 @@
         </p:blipFill>
         <p:spPr bwMode="auto">
           <a:xfrm>
-            <a:off x="5357818" y="857232"/>
+            <a:off x="5357813" y="857250"/>
             <a:ext cx="466725" cy="457200"/>
           </a:xfrm>
           <a:prstGeom prst="rect">
@@ -5377,7 +6180,6 @@
             <a:headEnd/>
             <a:tailEnd/>
           </a:ln>
-          <a:effectLst/>
         </p:spPr>
       </p:pic>
     </p:spTree>
@@ -5407,7 +6209,7 @@
       </p:grpSpPr>
       <p:sp>
         <p:nvSpPr>
-          <p:cNvPr id="2" name="1 Título"/>
+          <p:cNvPr id="19457" name="1 Título"/>
           <p:cNvSpPr>
             <a:spLocks noGrp="1"/>
           </p:cNvSpPr>
@@ -5421,10 +6223,9 @@
           <a:lstStyle/>
           <a:p>
             <a:r>
-              <a:rPr lang="es-AR" dirty="0" smtClean="0"/>
+              <a:rPr lang="es-AR" smtClean="0"/>
               <a:t>Inconvenientes</a:t>
             </a:r>
-            <a:endParaRPr lang="es-AR" dirty="0"/>
           </a:p>
         </p:txBody>
       </p:sp>
@@ -5445,53 +6246,113 @@
           </a:bodyPr>
           <a:lstStyle/>
           <a:p>
+            <a:pPr marL="274320" indent="-274320" fontAlgn="auto">
+              <a:spcAft>
+                <a:spcPts val="0"/>
+              </a:spcAft>
+              <a:buClr>
+                <a:schemeClr val="accent3"/>
+              </a:buClr>
+              <a:buFont typeface="Wingdings 2"/>
+              <a:buChar char=""/>
+              <a:defRPr/>
+            </a:pPr>
             <a:r>
               <a:rPr lang="es-AR" dirty="0" smtClean="0"/>
-              <a:t>Se plantearon inconvenientes en </a:t>
-            </a:r>
-            <a:r>
-              <a:rPr lang="es-AR" dirty="0" smtClean="0"/>
-              <a:t>la </a:t>
-            </a:r>
-            <a:r>
-              <a:rPr lang="es-AR" dirty="0" smtClean="0"/>
-              <a:t>adaptación de la arquitectura para cumplimentar el desarrollo entre </a:t>
-            </a:r>
-            <a:r>
-              <a:rPr lang="es-AR" dirty="0" smtClean="0"/>
-              <a:t>lenguajes.</a:t>
-            </a:r>
-            <a:endParaRPr lang="es-AR" dirty="0" smtClean="0"/>
-          </a:p>
-          <a:p>
+              <a:t>Se plantearon inconvenientes en la adaptación de la arquitectura para cumplimentar el desarrollo entre lenguajes.</a:t>
+            </a:r>
+          </a:p>
+          <a:p>
+            <a:pPr marL="274320" indent="-274320" fontAlgn="auto">
+              <a:spcAft>
+                <a:spcPts val="0"/>
+              </a:spcAft>
+              <a:buClr>
+                <a:schemeClr val="accent3"/>
+              </a:buClr>
+              <a:buFont typeface="Wingdings 2"/>
+              <a:buChar char=""/>
+              <a:defRPr/>
+            </a:pPr>
             <a:endParaRPr lang="es-AR" dirty="0"/>
           </a:p>
           <a:p>
+            <a:pPr marL="274320" indent="-274320" fontAlgn="auto">
+              <a:spcAft>
+                <a:spcPts val="0"/>
+              </a:spcAft>
+              <a:buClr>
+                <a:schemeClr val="accent3"/>
+              </a:buClr>
+              <a:buFont typeface="Wingdings 2"/>
+              <a:buChar char=""/>
+              <a:defRPr/>
+            </a:pPr>
             <a:r>
               <a:rPr lang="es-AR" dirty="0" smtClean="0"/>
               <a:t>Se presentaron debates y discusiones en cuanto a la integración de la base datos y consistencia de los datos almacenados.</a:t>
             </a:r>
           </a:p>
           <a:p>
+            <a:pPr marL="274320" indent="-274320" fontAlgn="auto">
+              <a:spcAft>
+                <a:spcPts val="0"/>
+              </a:spcAft>
+              <a:buClr>
+                <a:schemeClr val="accent3"/>
+              </a:buClr>
+              <a:buFont typeface="Wingdings 2"/>
+              <a:buChar char=""/>
+              <a:defRPr/>
+            </a:pPr>
             <a:endParaRPr lang="es-AR" dirty="0"/>
           </a:p>
           <a:p>
+            <a:pPr marL="274320" indent="-274320" fontAlgn="auto">
+              <a:spcAft>
+                <a:spcPts val="0"/>
+              </a:spcAft>
+              <a:buClr>
+                <a:schemeClr val="accent3"/>
+              </a:buClr>
+              <a:buFont typeface="Wingdings 2"/>
+              <a:buChar char=""/>
+              <a:defRPr/>
+            </a:pPr>
             <a:r>
               <a:rPr lang="es-AR" dirty="0" smtClean="0"/>
               <a:t>Se discutieron mecanismos de distribución de la arquitectura de clases con respecto a los datos almacenados en la base de datos.</a:t>
             </a:r>
           </a:p>
           <a:p>
+            <a:pPr marL="274320" indent="-274320" fontAlgn="auto">
+              <a:spcAft>
+                <a:spcPts val="0"/>
+              </a:spcAft>
+              <a:buClr>
+                <a:schemeClr val="accent3"/>
+              </a:buClr>
+              <a:buFont typeface="Wingdings 2"/>
+              <a:buChar char=""/>
+              <a:defRPr/>
+            </a:pPr>
             <a:endParaRPr lang="es-AR" dirty="0"/>
           </a:p>
           <a:p>
+            <a:pPr marL="274320" indent="-274320" fontAlgn="auto">
+              <a:spcAft>
+                <a:spcPts val="0"/>
+              </a:spcAft>
+              <a:buClr>
+                <a:schemeClr val="accent3"/>
+              </a:buClr>
+              <a:buFont typeface="Wingdings 2"/>
+              <a:buChar char=""/>
+              <a:defRPr/>
+            </a:pPr>
             <a:r>
               <a:rPr lang="es-AR" dirty="0" smtClean="0"/>
-              <a:t>Se </a:t>
-            </a:r>
-            <a:r>
-              <a:rPr lang="es-AR" dirty="0" smtClean="0"/>
-              <a:t>postergó una </a:t>
+              <a:t>Se postergó una </a:t>
             </a:r>
             <a:r>
               <a:rPr lang="es-AR" dirty="0" err="1" smtClean="0"/>
@@ -5507,15 +6368,7 @@
             </a:r>
             <a:r>
               <a:rPr lang="es-AR" dirty="0" smtClean="0"/>
-              <a:t> para un siguiente sprint, </a:t>
-            </a:r>
-            <a:r>
-              <a:rPr lang="es-AR" dirty="0" smtClean="0"/>
-              <a:t>ya que era </a:t>
-            </a:r>
-            <a:r>
-              <a:rPr lang="es-AR" dirty="0" smtClean="0"/>
-              <a:t>necesario mejorar algunos aspectos técnicos.</a:t>
+              <a:t> para un siguiente sprint, ya que era necesario mejorar algunos aspectos técnicos.</a:t>
             </a:r>
             <a:endParaRPr lang="es-AR" dirty="0"/>
           </a:p>
@@ -5523,7 +6376,7 @@
       </p:sp>
       <p:pic>
         <p:nvPicPr>
-          <p:cNvPr id="6146" name="Picture 2"/>
+          <p:cNvPr id="19459" name="Picture 2"/>
           <p:cNvPicPr>
             <a:picLocks noChangeAspect="1" noChangeArrowheads="1"/>
           </p:cNvPicPr>
@@ -5538,7 +6391,7 @@
         </p:blipFill>
         <p:spPr bwMode="auto">
           <a:xfrm>
-            <a:off x="4572000" y="1285860"/>
+            <a:off x="4572000" y="1285875"/>
             <a:ext cx="466725" cy="457200"/>
           </a:xfrm>
           <a:prstGeom prst="rect">
@@ -5551,7 +6404,6 @@
             <a:headEnd/>
             <a:tailEnd/>
           </a:ln>
-          <a:effectLst/>
         </p:spPr>
       </p:pic>
     </p:spTree>
@@ -5581,7 +6433,7 @@
       </p:grpSpPr>
       <p:pic>
         <p:nvPicPr>
-          <p:cNvPr id="7171" name="Picture 3"/>
+          <p:cNvPr id="20481" name="Picture 3"/>
           <p:cNvPicPr>
             <a:picLocks noChangeAspect="1" noChangeArrowheads="1"/>
           </p:cNvPicPr>
@@ -5596,8 +6448,8 @@
         </p:blipFill>
         <p:spPr bwMode="auto">
           <a:xfrm>
-            <a:off x="285720" y="1133670"/>
-            <a:ext cx="7286676" cy="5724330"/>
+            <a:off x="285750" y="1133475"/>
+            <a:ext cx="7286625" cy="5724525"/>
           </a:xfrm>
           <a:prstGeom prst="rect">
             <a:avLst/>
@@ -5609,7 +6461,6 @@
             <a:headEnd/>
             <a:tailEnd/>
           </a:ln>
-          <a:effectLst/>
         </p:spPr>
       </p:pic>
       <p:sp>
@@ -5624,8 +6475,8 @@
         </p:nvSpPr>
         <p:spPr>
           <a:xfrm>
-            <a:off x="642910" y="785794"/>
-            <a:ext cx="7858180" cy="654032"/>
+            <a:off x="642938" y="785813"/>
+            <a:ext cx="7858125" cy="654050"/>
           </a:xfrm>
         </p:spPr>
         <p:txBody>
@@ -5634,6 +6485,12 @@
           </a:bodyPr>
           <a:lstStyle/>
           <a:p>
+            <a:pPr fontAlgn="auto">
+              <a:spcAft>
+                <a:spcPts val="0"/>
+              </a:spcAft>
+              <a:defRPr/>
+            </a:pPr>
             <a:r>
               <a:rPr lang="es-AR" dirty="0" smtClean="0"/>
               <a:t>Esquema de Inconvenientes</a:t>
@@ -5644,7 +6501,7 @@
       </p:sp>
       <p:pic>
         <p:nvPicPr>
-          <p:cNvPr id="7170" name="Picture 2"/>
+          <p:cNvPr id="20483" name="Picture 2"/>
           <p:cNvPicPr>
             <a:picLocks noChangeAspect="1" noChangeArrowheads="1"/>
           </p:cNvPicPr>
@@ -5659,7 +6516,7 @@
         </p:blipFill>
         <p:spPr bwMode="auto">
           <a:xfrm>
-            <a:off x="7286644" y="857232"/>
+            <a:off x="7286625" y="857250"/>
             <a:ext cx="466725" cy="457200"/>
           </a:xfrm>
           <a:prstGeom prst="rect">
@@ -5672,7 +6529,6 @@
             <a:headEnd/>
             <a:tailEnd/>
           </a:ln>
-          <a:effectLst/>
         </p:spPr>
       </p:pic>
       <p:sp>
@@ -5683,8 +6539,8 @@
         </p:nvSpPr>
         <p:spPr>
           <a:xfrm>
-            <a:off x="6858016" y="4429132"/>
-            <a:ext cx="285752" cy="285752"/>
+            <a:off x="6858000" y="4429125"/>
+            <a:ext cx="285750" cy="285750"/>
           </a:xfrm>
           <a:prstGeom prst="rect">
             <a:avLst/>
@@ -5710,10 +6566,18 @@
           </a:fontRef>
         </p:style>
         <p:txBody>
-          <a:bodyPr rtlCol="0" anchor="ctr"/>
+          <a:bodyPr anchor="ctr"/>
           <a:lstStyle/>
           <a:p>
-            <a:pPr algn="ctr"/>
+            <a:pPr algn="ctr" fontAlgn="auto">
+              <a:spcBef>
+                <a:spcPts val="0"/>
+              </a:spcBef>
+              <a:spcAft>
+                <a:spcPts val="0"/>
+              </a:spcAft>
+              <a:defRPr/>
+            </a:pPr>
             <a:endParaRPr lang="es-AR" dirty="0">
               <a:solidFill>
                 <a:srgbClr val="FF9933"/>
@@ -5730,8 +6594,8 @@
         </p:nvSpPr>
         <p:spPr>
           <a:xfrm>
-            <a:off x="6858016" y="5286388"/>
-            <a:ext cx="285752" cy="285752"/>
+            <a:off x="6858000" y="5286375"/>
+            <a:ext cx="285750" cy="285750"/>
           </a:xfrm>
           <a:prstGeom prst="rect">
             <a:avLst/>
@@ -5757,10 +6621,18 @@
           </a:fontRef>
         </p:style>
         <p:txBody>
-          <a:bodyPr rtlCol="0" anchor="ctr"/>
+          <a:bodyPr anchor="ctr"/>
           <a:lstStyle/>
           <a:p>
-            <a:pPr algn="ctr"/>
+            <a:pPr algn="ctr" fontAlgn="auto">
+              <a:spcBef>
+                <a:spcPts val="0"/>
+              </a:spcBef>
+              <a:spcAft>
+                <a:spcPts val="0"/>
+              </a:spcAft>
+              <a:defRPr/>
+            </a:pPr>
             <a:endParaRPr lang="es-AR" dirty="0">
               <a:solidFill>
                 <a:srgbClr val="FFFF99"/>
@@ -5777,8 +6649,8 @@
         </p:nvSpPr>
         <p:spPr>
           <a:xfrm>
-            <a:off x="6858016" y="6143644"/>
-            <a:ext cx="285752" cy="285752"/>
+            <a:off x="6858000" y="6143625"/>
+            <a:ext cx="285750" cy="285750"/>
           </a:xfrm>
           <a:prstGeom prst="rect">
             <a:avLst/>
@@ -5804,93 +6676,133 @@
           </a:fontRef>
         </p:style>
         <p:txBody>
-          <a:bodyPr rtlCol="0" anchor="ctr"/>
+          <a:bodyPr anchor="ctr"/>
           <a:lstStyle/>
           <a:p>
-            <a:pPr algn="ctr"/>
+            <a:pPr algn="ctr" fontAlgn="auto">
+              <a:spcBef>
+                <a:spcPts val="0"/>
+              </a:spcBef>
+              <a:spcAft>
+                <a:spcPts val="0"/>
+              </a:spcAft>
+              <a:defRPr/>
+            </a:pPr>
             <a:endParaRPr lang="es-AR"/>
           </a:p>
         </p:txBody>
       </p:sp>
       <p:sp>
         <p:nvSpPr>
-          <p:cNvPr id="9" name="8 CuadroTexto"/>
-          <p:cNvSpPr txBox="1"/>
+          <p:cNvPr id="20487" name="8 CuadroTexto"/>
+          <p:cNvSpPr txBox="1">
+            <a:spLocks noChangeArrowheads="1"/>
+          </p:cNvSpPr>
           <p:nvPr/>
         </p:nvSpPr>
-        <p:spPr>
+        <p:spPr bwMode="auto">
           <a:xfrm>
-            <a:off x="7358082" y="3214686"/>
-            <a:ext cx="1785918" cy="3416320"/>
+            <a:off x="7358063" y="3214688"/>
+            <a:ext cx="1785937" cy="3416300"/>
           </a:xfrm>
           <a:prstGeom prst="rect">
             <a:avLst/>
           </a:prstGeom>
           <a:noFill/>
+          <a:ln w="9525">
+            <a:noFill/>
+            <a:miter lim="800000"/>
+            <a:headEnd/>
+            <a:tailEnd/>
+          </a:ln>
         </p:spPr>
         <p:txBody>
-          <a:bodyPr wrap="square" rtlCol="0">
+          <a:bodyPr>
             <a:spAutoFit/>
           </a:bodyPr>
           <a:lstStyle/>
           <a:p>
             <a:r>
-              <a:rPr lang="es-AR" dirty="0" smtClean="0"/>
+              <a:rPr lang="es-AR">
+                <a:latin typeface="Constantia" pitchFamily="18" charset="0"/>
+              </a:rPr>
               <a:t>Inconveniente no esperado y trasladado</a:t>
             </a:r>
             <a:br>
-              <a:rPr lang="es-AR" dirty="0" smtClean="0"/>
+              <a:rPr lang="es-AR">
+                <a:latin typeface="Constantia" pitchFamily="18" charset="0"/>
+              </a:rPr>
             </a:br>
             <a:r>
-              <a:rPr lang="es-AR" dirty="0" smtClean="0"/>
+              <a:rPr lang="es-AR">
+                <a:latin typeface="Constantia" pitchFamily="18" charset="0"/>
+              </a:rPr>
               <a:t/>
             </a:r>
             <a:br>
-              <a:rPr lang="es-AR" dirty="0" smtClean="0"/>
+              <a:rPr lang="es-AR">
+                <a:latin typeface="Constantia" pitchFamily="18" charset="0"/>
+              </a:rPr>
             </a:br>
             <a:r>
-              <a:rPr lang="es-AR" dirty="0" smtClean="0"/>
+              <a:rPr lang="es-AR">
+                <a:latin typeface="Constantia" pitchFamily="18" charset="0"/>
+              </a:rPr>
               <a:t>Inconveniente</a:t>
             </a:r>
           </a:p>
           <a:p>
             <a:r>
-              <a:rPr lang="es-AR" dirty="0" smtClean="0"/>
+              <a:rPr lang="es-AR">
+                <a:latin typeface="Constantia" pitchFamily="18" charset="0"/>
+              </a:rPr>
               <a:t>trasladado</a:t>
             </a:r>
             <a:br>
-              <a:rPr lang="es-AR" dirty="0" smtClean="0"/>
+              <a:rPr lang="es-AR">
+                <a:latin typeface="Constantia" pitchFamily="18" charset="0"/>
+              </a:rPr>
             </a:br>
-            <a:endParaRPr lang="es-AR" dirty="0" smtClean="0"/>
-          </a:p>
-          <a:p>
-            <a:r>
-              <a:rPr lang="es-AR" dirty="0" smtClean="0"/>
+            <a:endParaRPr lang="es-AR">
+              <a:latin typeface="Constantia" pitchFamily="18" charset="0"/>
+            </a:endParaRPr>
+          </a:p>
+          <a:p>
+            <a:r>
+              <a:rPr lang="es-AR">
+                <a:latin typeface="Constantia" pitchFamily="18" charset="0"/>
+              </a:rPr>
               <a:t>Inconvenientes</a:t>
             </a:r>
           </a:p>
           <a:p>
             <a:r>
-              <a:rPr lang="es-AR" dirty="0" smtClean="0"/>
+              <a:rPr lang="es-AR">
+                <a:latin typeface="Constantia" pitchFamily="18" charset="0"/>
+              </a:rPr>
               <a:t>Medios</a:t>
             </a:r>
-            <a:endParaRPr lang="es-AR" dirty="0"/>
-          </a:p>
-          <a:p>
-            <a:endParaRPr lang="es-AR" dirty="0" smtClean="0"/>
-          </a:p>
-          <a:p>
-            <a:r>
-              <a:rPr lang="es-AR" dirty="0" smtClean="0"/>
+          </a:p>
+          <a:p>
+            <a:endParaRPr lang="es-AR">
+              <a:latin typeface="Constantia" pitchFamily="18" charset="0"/>
+            </a:endParaRPr>
+          </a:p>
+          <a:p>
+            <a:r>
+              <a:rPr lang="es-AR">
+                <a:latin typeface="Constantia" pitchFamily="18" charset="0"/>
+              </a:rPr>
               <a:t>Pocos</a:t>
             </a:r>
           </a:p>
           <a:p>
             <a:r>
-              <a:rPr lang="es-AR" dirty="0" smtClean="0"/>
+              <a:rPr lang="es-AR">
+                <a:latin typeface="Constantia" pitchFamily="18" charset="0"/>
+              </a:rPr>
               <a:t>Inconvenientes</a:t>
             </a:r>
-            <a:endParaRPr lang="es-AR" dirty="0"/>
           </a:p>
         </p:txBody>
       </p:sp>
@@ -5902,8 +6814,8 @@
         </p:nvSpPr>
         <p:spPr>
           <a:xfrm>
-            <a:off x="6858016" y="3357562"/>
-            <a:ext cx="285752" cy="285752"/>
+            <a:off x="6858000" y="3357563"/>
+            <a:ext cx="285750" cy="285750"/>
           </a:xfrm>
           <a:prstGeom prst="rect">
             <a:avLst/>
@@ -5929,10 +6841,18 @@
           </a:fontRef>
         </p:style>
         <p:txBody>
-          <a:bodyPr rtlCol="0" anchor="ctr"/>
+          <a:bodyPr anchor="ctr"/>
           <a:lstStyle/>
           <a:p>
-            <a:pPr algn="ctr"/>
+            <a:pPr algn="ctr" fontAlgn="auto">
+              <a:spcBef>
+                <a:spcPts val="0"/>
+              </a:spcBef>
+              <a:spcAft>
+                <a:spcPts val="0"/>
+              </a:spcAft>
+              <a:defRPr/>
+            </a:pPr>
             <a:endParaRPr lang="es-AR" dirty="0">
               <a:solidFill>
                 <a:srgbClr val="FFC000"/>
@@ -5968,7 +6888,7 @@
       </p:grpSpPr>
       <p:sp>
         <p:nvSpPr>
-          <p:cNvPr id="2" name="1 Título"/>
+          <p:cNvPr id="21505" name="1 Título"/>
           <p:cNvSpPr>
             <a:spLocks noGrp="1"/>
           </p:cNvSpPr>
@@ -5978,83 +6898,55 @@
         </p:nvSpPr>
         <p:spPr>
           <a:xfrm>
-            <a:off x="457200" y="704088"/>
-            <a:ext cx="8229600" cy="653210"/>
+            <a:off x="457200" y="704850"/>
+            <a:ext cx="8229600" cy="652463"/>
           </a:xfrm>
         </p:spPr>
         <p:txBody>
-          <a:bodyPr>
-            <a:normAutofit/>
-          </a:bodyPr>
-          <a:lstStyle/>
-          <a:p>
-            <a:r>
-              <a:rPr lang="es-AR" sz="3600" dirty="0" smtClean="0"/>
-              <a:t>Tareas postergadas </a:t>
-            </a:r>
-            <a:r>
-              <a:rPr lang="es-AR" sz="3600" dirty="0" smtClean="0"/>
-              <a:t>para el </a:t>
-            </a:r>
-            <a:r>
-              <a:rPr lang="es-AR" sz="3600" dirty="0" smtClean="0"/>
-              <a:t>siguiente </a:t>
-            </a:r>
-            <a:r>
-              <a:rPr lang="es-AR" sz="3600" dirty="0" smtClean="0"/>
-              <a:t>Sprint</a:t>
-            </a:r>
-            <a:endParaRPr lang="es-AR" sz="3600" dirty="0"/>
-          </a:p>
-        </p:txBody>
-      </p:sp>
-      <p:sp>
-        <p:nvSpPr>
-          <p:cNvPr id="3" name="2 Marcador de contenido"/>
-          <p:cNvSpPr>
-            <a:spLocks noGrp="1"/>
-          </p:cNvSpPr>
-          <p:nvPr>
-            <p:ph idx="1"/>
-          </p:nvPr>
-        </p:nvSpPr>
-        <p:spPr/>
-        <p:txBody>
           <a:bodyPr/>
           <a:lstStyle/>
           <a:p>
             <a:r>
-              <a:rPr lang="es-AR" dirty="0" smtClean="0"/>
+              <a:rPr lang="es-AR" sz="3600" smtClean="0"/>
+              <a:t>Tareas postergadas para el siguiente Sprint</a:t>
+            </a:r>
+          </a:p>
+        </p:txBody>
+      </p:sp>
+      <p:sp>
+        <p:nvSpPr>
+          <p:cNvPr id="21506" name="2 Marcador de contenido"/>
+          <p:cNvSpPr>
+            <a:spLocks noGrp="1"/>
+          </p:cNvSpPr>
+          <p:nvPr>
+            <p:ph idx="1"/>
+          </p:nvPr>
+        </p:nvSpPr>
+        <p:spPr/>
+        <p:txBody>
+          <a:bodyPr/>
+          <a:lstStyle/>
+          <a:p>
+            <a:r>
+              <a:rPr lang="es-AR" smtClean="0"/>
               <a:t>Realizar pruebas de recuperación de imágenes comprimidas en la base de datos.</a:t>
             </a:r>
           </a:p>
           <a:p>
-            <a:endParaRPr lang="es-AR" dirty="0" smtClean="0"/>
-          </a:p>
-          <a:p>
-            <a:r>
-              <a:rPr lang="es-AR" dirty="0" smtClean="0"/>
-              <a:t>Implementar </a:t>
-            </a:r>
-            <a:r>
-              <a:rPr lang="es-AR" dirty="0" smtClean="0"/>
-              <a:t> funcionalidad para almacenar imágenes en </a:t>
-            </a:r>
-            <a:r>
-              <a:rPr lang="es-AR" dirty="0" smtClean="0"/>
-              <a:t>el motor de base de </a:t>
-            </a:r>
-            <a:r>
-              <a:rPr lang="es-AR" dirty="0" smtClean="0"/>
-              <a:t>datos.</a:t>
-            </a:r>
-            <a:endParaRPr lang="es-AR" dirty="0"/>
+            <a:endParaRPr lang="es-AR" smtClean="0"/>
+          </a:p>
+          <a:p>
+            <a:r>
+              <a:rPr lang="es-AR" smtClean="0"/>
+              <a:t>Implementar  funcionalidad para almacenar imágenes en el motor de base de datos.</a:t>
+            </a:r>
           </a:p>
         </p:txBody>
       </p:sp>
       <p:pic>
         <p:nvPicPr>
-          <p:cNvPr id="8194" name="Picture 2"/>
+          <p:cNvPr id="21507" name="Picture 2"/>
           <p:cNvPicPr>
             <a:picLocks noChangeAspect="1" noChangeArrowheads="1"/>
           </p:cNvPicPr>
@@ -6069,7 +6961,7 @@
         </p:blipFill>
         <p:spPr bwMode="auto">
           <a:xfrm>
-            <a:off x="8320117" y="857232"/>
+            <a:off x="8320088" y="857250"/>
             <a:ext cx="466725" cy="457200"/>
           </a:xfrm>
           <a:prstGeom prst="rect">
@@ -6082,7 +6974,6 @@
             <a:headEnd/>
             <a:tailEnd/>
           </a:ln>
-          <a:effectLst/>
         </p:spPr>
       </p:pic>
     </p:spTree>
@@ -6386,4 +7277,90 @@
   <a:objectDefaults/>
   <a:extraClrSchemeLst/>
 </a:theme>
+</file>
+
+<file path=ppt/theme/themeOverride1.xml><?xml version="1.0" encoding="utf-8"?>
+<a:themeOverride xmlns:a="http://schemas.openxmlformats.org/drawingml/2006/main">
+  <a:clrScheme name="Flujo">
+    <a:dk1>
+      <a:sysClr val="windowText" lastClr="000000"/>
+    </a:dk1>
+    <a:lt1>
+      <a:sysClr val="window" lastClr="FFFFFF"/>
+    </a:lt1>
+    <a:dk2>
+      <a:srgbClr val="04617B"/>
+    </a:dk2>
+    <a:lt2>
+      <a:srgbClr val="DBF5F9"/>
+    </a:lt2>
+    <a:accent1>
+      <a:srgbClr val="0F6FC6"/>
+    </a:accent1>
+    <a:accent2>
+      <a:srgbClr val="009DD9"/>
+    </a:accent2>
+    <a:accent3>
+      <a:srgbClr val="0BD0D9"/>
+    </a:accent3>
+    <a:accent4>
+      <a:srgbClr val="10CF9B"/>
+    </a:accent4>
+    <a:accent5>
+      <a:srgbClr val="7CCA62"/>
+    </a:accent5>
+    <a:accent6>
+      <a:srgbClr val="A5C249"/>
+    </a:accent6>
+    <a:hlink>
+      <a:srgbClr val="E2D700"/>
+    </a:hlink>
+    <a:folHlink>
+      <a:srgbClr val="85DFD0"/>
+    </a:folHlink>
+  </a:clrScheme>
+</a:themeOverride>
+</file>
+
+<file path=ppt/theme/themeOverride2.xml><?xml version="1.0" encoding="utf-8"?>
+<a:themeOverride xmlns:a="http://schemas.openxmlformats.org/drawingml/2006/main">
+  <a:clrScheme name="Flujo">
+    <a:dk1>
+      <a:sysClr val="windowText" lastClr="000000"/>
+    </a:dk1>
+    <a:lt1>
+      <a:sysClr val="window" lastClr="FFFFFF"/>
+    </a:lt1>
+    <a:dk2>
+      <a:srgbClr val="04617B"/>
+    </a:dk2>
+    <a:lt2>
+      <a:srgbClr val="DBF5F9"/>
+    </a:lt2>
+    <a:accent1>
+      <a:srgbClr val="0F6FC6"/>
+    </a:accent1>
+    <a:accent2>
+      <a:srgbClr val="009DD9"/>
+    </a:accent2>
+    <a:accent3>
+      <a:srgbClr val="0BD0D9"/>
+    </a:accent3>
+    <a:accent4>
+      <a:srgbClr val="10CF9B"/>
+    </a:accent4>
+    <a:accent5>
+      <a:srgbClr val="7CCA62"/>
+    </a:accent5>
+    <a:accent6>
+      <a:srgbClr val="A5C249"/>
+    </a:accent6>
+    <a:hlink>
+      <a:srgbClr val="E2D700"/>
+    </a:hlink>
+    <a:folHlink>
+      <a:srgbClr val="85DFD0"/>
+    </a:folHlink>
+  </a:clrScheme>
+</a:themeOverride>
 </file>
--- a/Proyecto final/SprintsDevelopment/Branch 02/DocumentosAEntregar/Sprint 02.pptx
+++ b/Proyecto final/SprintsDevelopment/Branch 02/DocumentosAEntregar/Sprint 02.pptx
@@ -331,7 +331,7 @@
               <a:pPr>
                 <a:defRPr/>
               </a:pPr>
-              <a:t>05/08/2012</a:t>
+              <a:t>06/08/2012</a:t>
             </a:fld>
             <a:endParaRPr lang="es-AR"/>
           </a:p>
@@ -523,7 +523,7 @@
               <a:pPr>
                 <a:defRPr/>
               </a:pPr>
-              <a:t>05/08/2012</a:t>
+              <a:t>06/08/2012</a:t>
             </a:fld>
             <a:endParaRPr lang="es-AR"/>
           </a:p>
@@ -725,7 +725,7 @@
               <a:pPr>
                 <a:defRPr/>
               </a:pPr>
-              <a:t>05/08/2012</a:t>
+              <a:t>06/08/2012</a:t>
             </a:fld>
             <a:endParaRPr lang="es-AR"/>
           </a:p>
@@ -917,7 +917,7 @@
               <a:pPr>
                 <a:defRPr/>
               </a:pPr>
-              <a:t>05/08/2012</a:t>
+              <a:t>06/08/2012</a:t>
             </a:fld>
             <a:endParaRPr lang="es-AR"/>
           </a:p>
@@ -1186,7 +1186,7 @@
               <a:pPr>
                 <a:defRPr/>
               </a:pPr>
-              <a:t>05/08/2012</a:t>
+              <a:t>06/08/2012</a:t>
             </a:fld>
             <a:endParaRPr lang="es-AR"/>
           </a:p>
@@ -1477,7 +1477,7 @@
               <a:pPr>
                 <a:defRPr/>
               </a:pPr>
-              <a:t>05/08/2012</a:t>
+              <a:t>06/08/2012</a:t>
             </a:fld>
             <a:endParaRPr lang="es-AR"/>
           </a:p>
@@ -1882,7 +1882,7 @@
               <a:pPr>
                 <a:defRPr/>
               </a:pPr>
-              <a:t>05/08/2012</a:t>
+              <a:t>06/08/2012</a:t>
             </a:fld>
             <a:endParaRPr lang="es-AR"/>
           </a:p>
@@ -2059,7 +2059,7 @@
               <a:pPr>
                 <a:defRPr/>
               </a:pPr>
-              <a:t>05/08/2012</a:t>
+              <a:t>06/08/2012</a:t>
             </a:fld>
             <a:endParaRPr lang="es-AR"/>
           </a:p>
@@ -2176,7 +2176,7 @@
               <a:pPr>
                 <a:defRPr/>
               </a:pPr>
-              <a:t>05/08/2012</a:t>
+              <a:t>06/08/2012</a:t>
             </a:fld>
             <a:endParaRPr lang="es-AR"/>
           </a:p>
@@ -2464,7 +2464,7 @@
               <a:pPr>
                 <a:defRPr/>
               </a:pPr>
-              <a:t>05/08/2012</a:t>
+              <a:t>06/08/2012</a:t>
             </a:fld>
             <a:endParaRPr lang="es-AR"/>
           </a:p>
@@ -3106,7 +3106,7 @@
               <a:pPr>
                 <a:defRPr/>
               </a:pPr>
-              <a:t>05/08/2012</a:t>
+              <a:t>06/08/2012</a:t>
             </a:fld>
             <a:endParaRPr lang="es-AR"/>
           </a:p>
@@ -3630,7 +3630,7 @@
               <a:pPr>
                 <a:defRPr/>
               </a:pPr>
-              <a:t>05/08/2012</a:t>
+              <a:t>06/08/2012</a:t>
             </a:fld>
             <a:endParaRPr lang="es-AR"/>
           </a:p>
@@ -4646,8 +4646,9 @@
             </a:r>
             <a:r>
               <a:rPr lang="es-AR" dirty="0" smtClean="0"/>
-              <a:t> en caso de no poder efectivizar una.</a:t>
-            </a:r>
+              <a:t>.</a:t>
+            </a:r>
+            <a:endParaRPr lang="es-AR" dirty="0" smtClean="0"/>
           </a:p>
           <a:p>
             <a:pPr marL="274320" indent="-274320" fontAlgn="auto">
@@ -4871,12 +4872,12 @@
           <a:lstStyle/>
           <a:p>
             <a:r>
-              <a:rPr lang="es-AR" smtClean="0"/>
+              <a:rPr lang="es-AR" dirty="0" smtClean="0"/>
               <a:t>Desarrollo inicial de sitio de gestión y presentación del producto (Módulo web, implementación de MVC).</a:t>
             </a:r>
           </a:p>
           <a:p>
-            <a:endParaRPr lang="es-AR" smtClean="0"/>
+            <a:endParaRPr lang="es-AR" dirty="0" smtClean="0"/>
           </a:p>
           <a:p>
             <a:r>
@@ -4885,11 +4886,11 @@
             </a:r>
           </a:p>
           <a:p>
-            <a:endParaRPr lang="es-AR" smtClean="0"/>
-          </a:p>
-          <a:p>
-            <a:r>
-              <a:rPr lang="es-AR" smtClean="0"/>
+            <a:endParaRPr lang="es-AR" dirty="0" smtClean="0"/>
+          </a:p>
+          <a:p>
+            <a:r>
+              <a:rPr lang="es-AR" dirty="0" smtClean="0"/>
               <a:t>Desarrollo de sets de pruebas de interacción (9 pruebas desarrolladas en C# y CPP).</a:t>
             </a:r>
           </a:p>

--- a/Proyecto final/SprintsDevelopment/Branch 02/DocumentosAEntregar/Sprint 02.pptx
+++ b/Proyecto final/SprintsDevelopment/Branch 02/DocumentosAEntregar/Sprint 02.pptx
@@ -331,7 +331,7 @@
               <a:pPr>
                 <a:defRPr/>
               </a:pPr>
-              <a:t>06/08/2012</a:t>
+              <a:t>07/08/2012</a:t>
             </a:fld>
             <a:endParaRPr lang="es-AR"/>
           </a:p>
@@ -523,7 +523,7 @@
               <a:pPr>
                 <a:defRPr/>
               </a:pPr>
-              <a:t>06/08/2012</a:t>
+              <a:t>07/08/2012</a:t>
             </a:fld>
             <a:endParaRPr lang="es-AR"/>
           </a:p>
@@ -725,7 +725,7 @@
               <a:pPr>
                 <a:defRPr/>
               </a:pPr>
-              <a:t>06/08/2012</a:t>
+              <a:t>07/08/2012</a:t>
             </a:fld>
             <a:endParaRPr lang="es-AR"/>
           </a:p>
@@ -917,7 +917,7 @@
               <a:pPr>
                 <a:defRPr/>
               </a:pPr>
-              <a:t>06/08/2012</a:t>
+              <a:t>07/08/2012</a:t>
             </a:fld>
             <a:endParaRPr lang="es-AR"/>
           </a:p>
@@ -1186,7 +1186,7 @@
               <a:pPr>
                 <a:defRPr/>
               </a:pPr>
-              <a:t>06/08/2012</a:t>
+              <a:t>07/08/2012</a:t>
             </a:fld>
             <a:endParaRPr lang="es-AR"/>
           </a:p>
@@ -1477,7 +1477,7 @@
               <a:pPr>
                 <a:defRPr/>
               </a:pPr>
-              <a:t>06/08/2012</a:t>
+              <a:t>07/08/2012</a:t>
             </a:fld>
             <a:endParaRPr lang="es-AR"/>
           </a:p>
@@ -1882,7 +1882,7 @@
               <a:pPr>
                 <a:defRPr/>
               </a:pPr>
-              <a:t>06/08/2012</a:t>
+              <a:t>07/08/2012</a:t>
             </a:fld>
             <a:endParaRPr lang="es-AR"/>
           </a:p>
@@ -2059,7 +2059,7 @@
               <a:pPr>
                 <a:defRPr/>
               </a:pPr>
-              <a:t>06/08/2012</a:t>
+              <a:t>07/08/2012</a:t>
             </a:fld>
             <a:endParaRPr lang="es-AR"/>
           </a:p>
@@ -2176,7 +2176,7 @@
               <a:pPr>
                 <a:defRPr/>
               </a:pPr>
-              <a:t>06/08/2012</a:t>
+              <a:t>07/08/2012</a:t>
             </a:fld>
             <a:endParaRPr lang="es-AR"/>
           </a:p>
@@ -2464,7 +2464,7 @@
               <a:pPr>
                 <a:defRPr/>
               </a:pPr>
-              <a:t>06/08/2012</a:t>
+              <a:t>07/08/2012</a:t>
             </a:fld>
             <a:endParaRPr lang="es-AR"/>
           </a:p>
@@ -3106,7 +3106,7 @@
               <a:pPr>
                 <a:defRPr/>
               </a:pPr>
-              <a:t>06/08/2012</a:t>
+              <a:t>07/08/2012</a:t>
             </a:fld>
             <a:endParaRPr lang="es-AR"/>
           </a:p>
@@ -3630,7 +3630,7 @@
               <a:pPr>
                 <a:defRPr/>
               </a:pPr>
-              <a:t>06/08/2012</a:t>
+              <a:t>07/08/2012</a:t>
             </a:fld>
             <a:endParaRPr lang="es-AR"/>
           </a:p>
@@ -4432,8 +4432,8 @@
         </p:nvSpPr>
         <p:spPr>
           <a:xfrm>
-            <a:off x="3000364" y="1428736"/>
-            <a:ext cx="2986054" cy="1470025"/>
+            <a:off x="2928926" y="3429000"/>
+            <a:ext cx="2986054" cy="1041397"/>
           </a:xfrm>
         </p:spPr>
         <p:txBody>
@@ -4464,7 +4464,7 @@
         </p:nvSpPr>
         <p:spPr>
           <a:xfrm>
-            <a:off x="714375" y="4143375"/>
+            <a:off x="642910" y="4643446"/>
             <a:ext cx="7772400" cy="1470025"/>
           </a:xfrm>
           <a:prstGeom prst="rect">
@@ -4494,6 +4494,32 @@
           </a:p>
         </p:txBody>
       </p:sp>
+      <p:pic>
+        <p:nvPicPr>
+          <p:cNvPr id="1026" name="Picture 2" descr="C:\Users\Kapica\Documents\FACU\Proyecto Final\Proyecto Final\Proyecto final\Logo_OpticalMarketing\gris.png"/>
+          <p:cNvPicPr>
+            <a:picLocks noChangeAspect="1" noChangeArrowheads="1"/>
+          </p:cNvPicPr>
+          <p:nvPr/>
+        </p:nvPicPr>
+        <p:blipFill>
+          <a:blip r:embed="rId2" cstate="print"/>
+          <a:srcRect/>
+          <a:stretch>
+            <a:fillRect/>
+          </a:stretch>
+        </p:blipFill>
+        <p:spPr bwMode="auto">
+          <a:xfrm>
+            <a:off x="1142976" y="1785926"/>
+            <a:ext cx="6175375" cy="1365250"/>
+          </a:xfrm>
+          <a:prstGeom prst="rect">
+            <a:avLst/>
+          </a:prstGeom>
+          <a:noFill/>
+        </p:spPr>
+      </p:pic>
     </p:spTree>
   </p:cSld>
   <p:clrMapOvr>
@@ -4648,7 +4674,6 @@
               <a:rPr lang="es-AR" dirty="0" smtClean="0"/>
               <a:t>.</a:t>
             </a:r>
-            <a:endParaRPr lang="es-AR" dirty="0" smtClean="0"/>
           </a:p>
           <a:p>
             <a:pPr marL="274320" indent="-274320" fontAlgn="auto">
@@ -4881,7 +4906,7 @@
           </a:p>
           <a:p>
             <a:r>
-              <a:rPr lang="es-AR" smtClean="0"/>
+              <a:rPr lang="es-AR" dirty="0" smtClean="0"/>
               <a:t>Desarrollo de modelo de objetos de clases de Diseño y DB (Diagrama de clases y Diagrama de DB)</a:t>
             </a:r>
           </a:p>
@@ -5255,7 +5280,11 @@
             </a:pPr>
             <a:r>
               <a:rPr lang="es-AR" dirty="0" smtClean="0"/>
-              <a:t>Llevar a cabo los últimos test de desarrollo para iniciar la producción concreta del producto.</a:t>
+              <a:t>Llevar  a cabo </a:t>
+            </a:r>
+            <a:r>
+              <a:rPr lang="es-AR" dirty="0" smtClean="0"/>
+              <a:t>los últimos test de desarrollo para iniciar la producción concreta del producto.</a:t>
             </a:r>
           </a:p>
           <a:p>
@@ -5678,7 +5707,15 @@
             </a:pPr>
             <a:r>
               <a:rPr lang="es-AR" dirty="0" smtClean="0"/>
-              <a:t>Con la incorporación de este nuevo Ingeniero de Software se pudieron incorporar nuevas tareas, que serán implementadas específicamente en el Sprint 03.</a:t>
+              <a:t>Con la incorporación de este nuevo Ingeniero de Software </a:t>
+            </a:r>
+            <a:r>
+              <a:rPr lang="es-AR" dirty="0" smtClean="0"/>
+              <a:t>pudieron definirse nuevas </a:t>
+            </a:r>
+            <a:r>
+              <a:rPr lang="es-AR" dirty="0" smtClean="0"/>
+              <a:t>tareas, que serán implementadas específicamente en el Sprint 03.</a:t>
             </a:r>
           </a:p>
           <a:p>
@@ -6517,7 +6554,7 @@
         </p:blipFill>
         <p:spPr bwMode="auto">
           <a:xfrm>
-            <a:off x="7286625" y="857250"/>
+            <a:off x="7286644" y="928670"/>
             <a:ext cx="466725" cy="457200"/>
           </a:xfrm>
           <a:prstGeom prst="rect">
@@ -6908,7 +6945,7 @@
           <a:lstStyle/>
           <a:p>
             <a:r>
-              <a:rPr lang="es-AR" sz="3600" smtClean="0"/>
+              <a:rPr lang="es-AR" sz="3600" dirty="0" smtClean="0"/>
               <a:t>Tareas postergadas para el siguiente Sprint</a:t>
             </a:r>
           </a:p>
@@ -6930,16 +6967,16 @@
           <a:lstStyle/>
           <a:p>
             <a:r>
-              <a:rPr lang="es-AR" smtClean="0"/>
+              <a:rPr lang="es-AR" dirty="0" smtClean="0"/>
               <a:t>Realizar pruebas de recuperación de imágenes comprimidas en la base de datos.</a:t>
             </a:r>
           </a:p>
           <a:p>
-            <a:endParaRPr lang="es-AR" smtClean="0"/>
-          </a:p>
-          <a:p>
-            <a:r>
-              <a:rPr lang="es-AR" smtClean="0"/>
+            <a:endParaRPr lang="es-AR" dirty="0" smtClean="0"/>
+          </a:p>
+          <a:p>
+            <a:r>
+              <a:rPr lang="es-AR" dirty="0" smtClean="0"/>
               <a:t>Implementar  funcionalidad para almacenar imágenes en el motor de base de datos.</a:t>
             </a:r>
           </a:p>
@@ -6962,7 +6999,7 @@
         </p:blipFill>
         <p:spPr bwMode="auto">
           <a:xfrm>
-            <a:off x="8320088" y="857250"/>
+            <a:off x="8429652" y="857232"/>
             <a:ext cx="466725" cy="457200"/>
           </a:xfrm>
           <a:prstGeom prst="rect">

--- a/Proyecto final/SprintsDevelopment/Branch 02/DocumentosAEntregar/Sprint 02.pptx
+++ b/Proyecto final/SprintsDevelopment/Branch 02/DocumentosAEntregar/Sprint 02.pptx
@@ -4,6 +4,9 @@
   <p:sldMasterIdLst>
     <p:sldMasterId id="2147483660" r:id="rId1"/>
   </p:sldMasterIdLst>
+  <p:notesMasterIdLst>
+    <p:notesMasterId r:id="rId13"/>
+  </p:notesMasterIdLst>
   <p:sldIdLst>
     <p:sldId id="256" r:id="rId2"/>
     <p:sldId id="259" r:id="rId3"/>
@@ -14,9 +17,8 @@
     <p:sldId id="260" r:id="rId8"/>
     <p:sldId id="267" r:id="rId9"/>
     <p:sldId id="263" r:id="rId10"/>
-    <p:sldId id="261" r:id="rId11"/>
-    <p:sldId id="265" r:id="rId12"/>
-    <p:sldId id="266" r:id="rId13"/>
+    <p:sldId id="265" r:id="rId11"/>
+    <p:sldId id="266" r:id="rId12"/>
   </p:sldIdLst>
   <p:sldSz cx="9144000" cy="6858000" type="screen4x3"/>
   <p:notesSz cx="6858000" cy="9144000"/>
@@ -146,6 +148,434 @@
     </a:lvl9pPr>
   </p:defaultTextStyle>
 </p:presentation>
+</file>
+
+<file path=ppt/notesMasters/notesMaster1.xml><?xml version="1.0" encoding="utf-8"?>
+<p:notesMaster xmlns:a="http://schemas.openxmlformats.org/drawingml/2006/main" xmlns:r="http://schemas.openxmlformats.org/officeDocument/2006/relationships" xmlns:p="http://schemas.openxmlformats.org/presentationml/2006/main">
+  <p:cSld>
+    <p:bg>
+      <p:bgRef idx="1001">
+        <a:schemeClr val="bg1"/>
+      </p:bgRef>
+    </p:bg>
+    <p:spTree>
+      <p:nvGrpSpPr>
+        <p:cNvPr id="1" name=""/>
+        <p:cNvGrpSpPr/>
+        <p:nvPr/>
+      </p:nvGrpSpPr>
+      <p:grpSpPr>
+        <a:xfrm>
+          <a:off x="0" y="0"/>
+          <a:ext cx="0" cy="0"/>
+          <a:chOff x="0" y="0"/>
+          <a:chExt cx="0" cy="0"/>
+        </a:xfrm>
+      </p:grpSpPr>
+      <p:sp>
+        <p:nvSpPr>
+          <p:cNvPr id="2" name="1 Marcador de encabezado"/>
+          <p:cNvSpPr>
+            <a:spLocks noGrp="1"/>
+          </p:cNvSpPr>
+          <p:nvPr>
+            <p:ph type="hdr" sz="quarter"/>
+          </p:nvPr>
+        </p:nvSpPr>
+        <p:spPr>
+          <a:xfrm>
+            <a:off x="0" y="0"/>
+            <a:ext cx="2971800" cy="457200"/>
+          </a:xfrm>
+          <a:prstGeom prst="rect">
+            <a:avLst/>
+          </a:prstGeom>
+        </p:spPr>
+        <p:txBody>
+          <a:bodyPr vert="horz" lIns="91440" tIns="45720" rIns="91440" bIns="45720" rtlCol="0"/>
+          <a:lstStyle>
+            <a:lvl1pPr algn="l">
+              <a:defRPr sz="1200"/>
+            </a:lvl1pPr>
+          </a:lstStyle>
+          <a:p>
+            <a:endParaRPr lang="es-AR"/>
+          </a:p>
+        </p:txBody>
+      </p:sp>
+      <p:sp>
+        <p:nvSpPr>
+          <p:cNvPr id="3" name="2 Marcador de fecha"/>
+          <p:cNvSpPr>
+            <a:spLocks noGrp="1"/>
+          </p:cNvSpPr>
+          <p:nvPr>
+            <p:ph type="dt" idx="1"/>
+          </p:nvPr>
+        </p:nvSpPr>
+        <p:spPr>
+          <a:xfrm>
+            <a:off x="3884613" y="0"/>
+            <a:ext cx="2971800" cy="457200"/>
+          </a:xfrm>
+          <a:prstGeom prst="rect">
+            <a:avLst/>
+          </a:prstGeom>
+        </p:spPr>
+        <p:txBody>
+          <a:bodyPr vert="horz" lIns="91440" tIns="45720" rIns="91440" bIns="45720" rtlCol="0"/>
+          <a:lstStyle>
+            <a:lvl1pPr algn="r">
+              <a:defRPr sz="1200"/>
+            </a:lvl1pPr>
+          </a:lstStyle>
+          <a:p>
+            <a:fld id="{2AD1A58C-45B8-44B3-9BD4-1163C3D96BB9}" type="datetimeFigureOut">
+              <a:rPr lang="es-AR" smtClean="0"/>
+              <a:t>07/08/2012</a:t>
+            </a:fld>
+            <a:endParaRPr lang="es-AR"/>
+          </a:p>
+        </p:txBody>
+      </p:sp>
+      <p:sp>
+        <p:nvSpPr>
+          <p:cNvPr id="4" name="3 Marcador de imagen de diapositiva"/>
+          <p:cNvSpPr>
+            <a:spLocks noGrp="1" noRot="1" noChangeAspect="1"/>
+          </p:cNvSpPr>
+          <p:nvPr>
+            <p:ph type="sldImg" idx="2"/>
+          </p:nvPr>
+        </p:nvSpPr>
+        <p:spPr>
+          <a:xfrm>
+            <a:off x="1143000" y="685800"/>
+            <a:ext cx="4572000" cy="3429000"/>
+          </a:xfrm>
+          <a:prstGeom prst="rect">
+            <a:avLst/>
+          </a:prstGeom>
+          <a:noFill/>
+          <a:ln w="12700">
+            <a:solidFill>
+              <a:prstClr val="black"/>
+            </a:solidFill>
+          </a:ln>
+        </p:spPr>
+        <p:txBody>
+          <a:bodyPr vert="horz" lIns="91440" tIns="45720" rIns="91440" bIns="45720" rtlCol="0" anchor="ctr"/>
+          <a:lstStyle/>
+          <a:p>
+            <a:endParaRPr lang="es-AR"/>
+          </a:p>
+        </p:txBody>
+      </p:sp>
+      <p:sp>
+        <p:nvSpPr>
+          <p:cNvPr id="5" name="4 Marcador de notas"/>
+          <p:cNvSpPr>
+            <a:spLocks noGrp="1"/>
+          </p:cNvSpPr>
+          <p:nvPr>
+            <p:ph type="body" sz="quarter" idx="3"/>
+          </p:nvPr>
+        </p:nvSpPr>
+        <p:spPr>
+          <a:xfrm>
+            <a:off x="685800" y="4343400"/>
+            <a:ext cx="5486400" cy="4114800"/>
+          </a:xfrm>
+          <a:prstGeom prst="rect">
+            <a:avLst/>
+          </a:prstGeom>
+        </p:spPr>
+        <p:txBody>
+          <a:bodyPr vert="horz" lIns="91440" tIns="45720" rIns="91440" bIns="45720" rtlCol="0">
+            <a:normAutofit/>
+          </a:bodyPr>
+          <a:lstStyle/>
+          <a:p>
+            <a:pPr lvl="0"/>
+            <a:r>
+              <a:rPr lang="es-ES" smtClean="0"/>
+              <a:t>Haga clic para modificar el estilo de texto del patrón</a:t>
+            </a:r>
+          </a:p>
+          <a:p>
+            <a:pPr lvl="1"/>
+            <a:r>
+              <a:rPr lang="es-ES" smtClean="0"/>
+              <a:t>Segundo nivel</a:t>
+            </a:r>
+          </a:p>
+          <a:p>
+            <a:pPr lvl="2"/>
+            <a:r>
+              <a:rPr lang="es-ES" smtClean="0"/>
+              <a:t>Tercer nivel</a:t>
+            </a:r>
+          </a:p>
+          <a:p>
+            <a:pPr lvl="3"/>
+            <a:r>
+              <a:rPr lang="es-ES" smtClean="0"/>
+              <a:t>Cuarto nivel</a:t>
+            </a:r>
+          </a:p>
+          <a:p>
+            <a:pPr lvl="4"/>
+            <a:r>
+              <a:rPr lang="es-ES" smtClean="0"/>
+              <a:t>Quinto nivel</a:t>
+            </a:r>
+            <a:endParaRPr lang="es-AR"/>
+          </a:p>
+        </p:txBody>
+      </p:sp>
+      <p:sp>
+        <p:nvSpPr>
+          <p:cNvPr id="6" name="5 Marcador de pie de página"/>
+          <p:cNvSpPr>
+            <a:spLocks noGrp="1"/>
+          </p:cNvSpPr>
+          <p:nvPr>
+            <p:ph type="ftr" sz="quarter" idx="4"/>
+          </p:nvPr>
+        </p:nvSpPr>
+        <p:spPr>
+          <a:xfrm>
+            <a:off x="0" y="8685213"/>
+            <a:ext cx="2971800" cy="457200"/>
+          </a:xfrm>
+          <a:prstGeom prst="rect">
+            <a:avLst/>
+          </a:prstGeom>
+        </p:spPr>
+        <p:txBody>
+          <a:bodyPr vert="horz" lIns="91440" tIns="45720" rIns="91440" bIns="45720" rtlCol="0" anchor="b"/>
+          <a:lstStyle>
+            <a:lvl1pPr algn="l">
+              <a:defRPr sz="1200"/>
+            </a:lvl1pPr>
+          </a:lstStyle>
+          <a:p>
+            <a:endParaRPr lang="es-AR"/>
+          </a:p>
+        </p:txBody>
+      </p:sp>
+      <p:sp>
+        <p:nvSpPr>
+          <p:cNvPr id="7" name="6 Marcador de número de diapositiva"/>
+          <p:cNvSpPr>
+            <a:spLocks noGrp="1"/>
+          </p:cNvSpPr>
+          <p:nvPr>
+            <p:ph type="sldNum" sz="quarter" idx="5"/>
+          </p:nvPr>
+        </p:nvSpPr>
+        <p:spPr>
+          <a:xfrm>
+            <a:off x="3884613" y="8685213"/>
+            <a:ext cx="2971800" cy="457200"/>
+          </a:xfrm>
+          <a:prstGeom prst="rect">
+            <a:avLst/>
+          </a:prstGeom>
+        </p:spPr>
+        <p:txBody>
+          <a:bodyPr vert="horz" lIns="91440" tIns="45720" rIns="91440" bIns="45720" rtlCol="0" anchor="b"/>
+          <a:lstStyle>
+            <a:lvl1pPr algn="r">
+              <a:defRPr sz="1200"/>
+            </a:lvl1pPr>
+          </a:lstStyle>
+          <a:p>
+            <a:fld id="{0A03907B-8309-4B7E-A4B8-5E8F04AC2BC1}" type="slidenum">
+              <a:rPr lang="es-AR" smtClean="0"/>
+              <a:t>‹Nº›</a:t>
+            </a:fld>
+            <a:endParaRPr lang="es-AR"/>
+          </a:p>
+        </p:txBody>
+      </p:sp>
+    </p:spTree>
+  </p:cSld>
+  <p:clrMap bg1="lt1" tx1="dk1" bg2="lt2" tx2="dk2" accent1="accent1" accent2="accent2" accent3="accent3" accent4="accent4" accent5="accent5" accent6="accent6" hlink="hlink" folHlink="folHlink"/>
+  <p:notesStyle>
+    <a:lvl1pPr marL="0" algn="l" defTabSz="914400" rtl="0" eaLnBrk="1" latinLnBrk="0" hangingPunct="1">
+      <a:defRPr sz="1200" kern="1200">
+        <a:solidFill>
+          <a:schemeClr val="tx1"/>
+        </a:solidFill>
+        <a:latin typeface="+mn-lt"/>
+        <a:ea typeface="+mn-ea"/>
+        <a:cs typeface="+mn-cs"/>
+      </a:defRPr>
+    </a:lvl1pPr>
+    <a:lvl2pPr marL="457200" algn="l" defTabSz="914400" rtl="0" eaLnBrk="1" latinLnBrk="0" hangingPunct="1">
+      <a:defRPr sz="1200" kern="1200">
+        <a:solidFill>
+          <a:schemeClr val="tx1"/>
+        </a:solidFill>
+        <a:latin typeface="+mn-lt"/>
+        <a:ea typeface="+mn-ea"/>
+        <a:cs typeface="+mn-cs"/>
+      </a:defRPr>
+    </a:lvl2pPr>
+    <a:lvl3pPr marL="914400" algn="l" defTabSz="914400" rtl="0" eaLnBrk="1" latinLnBrk="0" hangingPunct="1">
+      <a:defRPr sz="1200" kern="1200">
+        <a:solidFill>
+          <a:schemeClr val="tx1"/>
+        </a:solidFill>
+        <a:latin typeface="+mn-lt"/>
+        <a:ea typeface="+mn-ea"/>
+        <a:cs typeface="+mn-cs"/>
+      </a:defRPr>
+    </a:lvl3pPr>
+    <a:lvl4pPr marL="1371600" algn="l" defTabSz="914400" rtl="0" eaLnBrk="1" latinLnBrk="0" hangingPunct="1">
+      <a:defRPr sz="1200" kern="1200">
+        <a:solidFill>
+          <a:schemeClr val="tx1"/>
+        </a:solidFill>
+        <a:latin typeface="+mn-lt"/>
+        <a:ea typeface="+mn-ea"/>
+        <a:cs typeface="+mn-cs"/>
+      </a:defRPr>
+    </a:lvl4pPr>
+    <a:lvl5pPr marL="1828800" algn="l" defTabSz="914400" rtl="0" eaLnBrk="1" latinLnBrk="0" hangingPunct="1">
+      <a:defRPr sz="1200" kern="1200">
+        <a:solidFill>
+          <a:schemeClr val="tx1"/>
+        </a:solidFill>
+        <a:latin typeface="+mn-lt"/>
+        <a:ea typeface="+mn-ea"/>
+        <a:cs typeface="+mn-cs"/>
+      </a:defRPr>
+    </a:lvl5pPr>
+    <a:lvl6pPr marL="2286000" algn="l" defTabSz="914400" rtl="0" eaLnBrk="1" latinLnBrk="0" hangingPunct="1">
+      <a:defRPr sz="1200" kern="1200">
+        <a:solidFill>
+          <a:schemeClr val="tx1"/>
+        </a:solidFill>
+        <a:latin typeface="+mn-lt"/>
+        <a:ea typeface="+mn-ea"/>
+        <a:cs typeface="+mn-cs"/>
+      </a:defRPr>
+    </a:lvl6pPr>
+    <a:lvl7pPr marL="2743200" algn="l" defTabSz="914400" rtl="0" eaLnBrk="1" latinLnBrk="0" hangingPunct="1">
+      <a:defRPr sz="1200" kern="1200">
+        <a:solidFill>
+          <a:schemeClr val="tx1"/>
+        </a:solidFill>
+        <a:latin typeface="+mn-lt"/>
+        <a:ea typeface="+mn-ea"/>
+        <a:cs typeface="+mn-cs"/>
+      </a:defRPr>
+    </a:lvl7pPr>
+    <a:lvl8pPr marL="3200400" algn="l" defTabSz="914400" rtl="0" eaLnBrk="1" latinLnBrk="0" hangingPunct="1">
+      <a:defRPr sz="1200" kern="1200">
+        <a:solidFill>
+          <a:schemeClr val="tx1"/>
+        </a:solidFill>
+        <a:latin typeface="+mn-lt"/>
+        <a:ea typeface="+mn-ea"/>
+        <a:cs typeface="+mn-cs"/>
+      </a:defRPr>
+    </a:lvl8pPr>
+    <a:lvl9pPr marL="3657600" algn="l" defTabSz="914400" rtl="0" eaLnBrk="1" latinLnBrk="0" hangingPunct="1">
+      <a:defRPr sz="1200" kern="1200">
+        <a:solidFill>
+          <a:schemeClr val="tx1"/>
+        </a:solidFill>
+        <a:latin typeface="+mn-lt"/>
+        <a:ea typeface="+mn-ea"/>
+        <a:cs typeface="+mn-cs"/>
+      </a:defRPr>
+    </a:lvl9pPr>
+  </p:notesStyle>
+</p:notesMaster>
+</file>
+
+<file path=ppt/notesSlides/notesSlide1.xml><?xml version="1.0" encoding="utf-8"?>
+<p:notes xmlns:a="http://schemas.openxmlformats.org/drawingml/2006/main" xmlns:r="http://schemas.openxmlformats.org/officeDocument/2006/relationships" xmlns:p="http://schemas.openxmlformats.org/presentationml/2006/main">
+  <p:cSld>
+    <p:spTree>
+      <p:nvGrpSpPr>
+        <p:cNvPr id="1" name=""/>
+        <p:cNvGrpSpPr/>
+        <p:nvPr/>
+      </p:nvGrpSpPr>
+      <p:grpSpPr>
+        <a:xfrm>
+          <a:off x="0" y="0"/>
+          <a:ext cx="0" cy="0"/>
+          <a:chOff x="0" y="0"/>
+          <a:chExt cx="0" cy="0"/>
+        </a:xfrm>
+      </p:grpSpPr>
+      <p:sp>
+        <p:nvSpPr>
+          <p:cNvPr id="2" name="1 Marcador de imagen de diapositiva"/>
+          <p:cNvSpPr>
+            <a:spLocks noGrp="1" noRot="1" noChangeAspect="1"/>
+          </p:cNvSpPr>
+          <p:nvPr>
+            <p:ph type="sldImg"/>
+          </p:nvPr>
+        </p:nvSpPr>
+        <p:spPr/>
+      </p:sp>
+      <p:sp>
+        <p:nvSpPr>
+          <p:cNvPr id="3" name="2 Marcador de notas"/>
+          <p:cNvSpPr>
+            <a:spLocks noGrp="1"/>
+          </p:cNvSpPr>
+          <p:nvPr>
+            <p:ph type="body" idx="1"/>
+          </p:nvPr>
+        </p:nvSpPr>
+        <p:spPr/>
+        <p:txBody>
+          <a:bodyPr>
+            <a:normAutofit/>
+          </a:bodyPr>
+          <a:lstStyle/>
+          <a:p>
+            <a:endParaRPr lang="es-AR" dirty="0"/>
+          </a:p>
+        </p:txBody>
+      </p:sp>
+      <p:sp>
+        <p:nvSpPr>
+          <p:cNvPr id="4" name="3 Marcador de número de diapositiva"/>
+          <p:cNvSpPr>
+            <a:spLocks noGrp="1"/>
+          </p:cNvSpPr>
+          <p:nvPr>
+            <p:ph type="sldNum" sz="quarter" idx="10"/>
+          </p:nvPr>
+        </p:nvSpPr>
+        <p:spPr/>
+        <p:txBody>
+          <a:bodyPr/>
+          <a:lstStyle/>
+          <a:p>
+            <a:fld id="{0A03907B-8309-4B7E-A4B8-5E8F04AC2BC1}" type="slidenum">
+              <a:rPr lang="es-AR" smtClean="0"/>
+              <a:t>7</a:t>
+            </a:fld>
+            <a:endParaRPr lang="es-AR"/>
+          </a:p>
+        </p:txBody>
+      </p:sp>
+    </p:spTree>
+  </p:cSld>
+  <p:clrMapOvr>
+    <a:masterClrMapping/>
+  </p:clrMapOvr>
+</p:notes>
 </file>
 
 <file path=ppt/slideLayouts/slideLayout1.xml><?xml version="1.0" encoding="utf-8"?>
@@ -4547,227 +4977,6 @@
       </p:grpSpPr>
       <p:sp>
         <p:nvSpPr>
-          <p:cNvPr id="22529" name="1 Título"/>
-          <p:cNvSpPr>
-            <a:spLocks noGrp="1"/>
-          </p:cNvSpPr>
-          <p:nvPr>
-            <p:ph type="title"/>
-          </p:nvPr>
-        </p:nvSpPr>
-        <p:spPr/>
-        <p:txBody>
-          <a:bodyPr/>
-          <a:lstStyle/>
-          <a:p>
-            <a:r>
-              <a:rPr lang="es-AR" smtClean="0"/>
-              <a:t>Mejoras pendientes</a:t>
-            </a:r>
-          </a:p>
-        </p:txBody>
-      </p:sp>
-      <p:sp>
-        <p:nvSpPr>
-          <p:cNvPr id="3" name="2 Marcador de contenido"/>
-          <p:cNvSpPr>
-            <a:spLocks noGrp="1"/>
-          </p:cNvSpPr>
-          <p:nvPr>
-            <p:ph idx="1"/>
-          </p:nvPr>
-        </p:nvSpPr>
-        <p:spPr/>
-        <p:txBody>
-          <a:bodyPr>
-            <a:normAutofit/>
-          </a:bodyPr>
-          <a:lstStyle/>
-          <a:p>
-            <a:pPr marL="274320" indent="-274320" fontAlgn="auto">
-              <a:spcAft>
-                <a:spcPts val="0"/>
-              </a:spcAft>
-              <a:buClr>
-                <a:schemeClr val="accent3"/>
-              </a:buClr>
-              <a:buFont typeface="Wingdings 2"/>
-              <a:buChar char=""/>
-              <a:defRPr/>
-            </a:pPr>
-            <a:r>
-              <a:rPr lang="es-AR" dirty="0" smtClean="0"/>
-              <a:t>Mayor comunicación con el </a:t>
-            </a:r>
-            <a:r>
-              <a:rPr lang="es-AR" dirty="0" err="1" smtClean="0"/>
-              <a:t>Product</a:t>
-            </a:r>
-            <a:r>
-              <a:rPr lang="es-AR" dirty="0" smtClean="0"/>
-              <a:t> </a:t>
-            </a:r>
-            <a:r>
-              <a:rPr lang="es-AR" dirty="0" err="1"/>
-              <a:t>O</a:t>
-            </a:r>
-            <a:r>
-              <a:rPr lang="es-AR" dirty="0" err="1" smtClean="0"/>
-              <a:t>wner</a:t>
-            </a:r>
-            <a:r>
-              <a:rPr lang="es-AR" dirty="0" smtClean="0"/>
-              <a:t>.</a:t>
-            </a:r>
-          </a:p>
-          <a:p>
-            <a:pPr marL="0" indent="0" fontAlgn="auto">
-              <a:spcAft>
-                <a:spcPts val="0"/>
-              </a:spcAft>
-              <a:buClr>
-                <a:schemeClr val="accent3"/>
-              </a:buClr>
-              <a:buFont typeface="Wingdings 2"/>
-              <a:buNone/>
-              <a:defRPr/>
-            </a:pPr>
-            <a:endParaRPr lang="es-AR" dirty="0" smtClean="0"/>
-          </a:p>
-          <a:p>
-            <a:pPr marL="274320" indent="-274320" fontAlgn="auto">
-              <a:spcAft>
-                <a:spcPts val="0"/>
-              </a:spcAft>
-              <a:buClr>
-                <a:schemeClr val="accent3"/>
-              </a:buClr>
-              <a:buFont typeface="Wingdings 2"/>
-              <a:buChar char=""/>
-              <a:defRPr/>
-            </a:pPr>
-            <a:r>
-              <a:rPr lang="es-AR" dirty="0" smtClean="0"/>
-              <a:t>Mayor flexibilidad a la hora de </a:t>
-            </a:r>
-            <a:r>
-              <a:rPr lang="es-AR" dirty="0" err="1" smtClean="0"/>
-              <a:t>replanificar</a:t>
-            </a:r>
-            <a:r>
-              <a:rPr lang="es-AR" dirty="0" smtClean="0"/>
-              <a:t>  y reasignar </a:t>
-            </a:r>
-            <a:r>
-              <a:rPr lang="es-AR" dirty="0" err="1" smtClean="0"/>
-              <a:t>User</a:t>
-            </a:r>
-            <a:r>
-              <a:rPr lang="es-AR" dirty="0" smtClean="0"/>
-              <a:t>  </a:t>
-            </a:r>
-            <a:r>
-              <a:rPr lang="es-AR" dirty="0" err="1" smtClean="0"/>
-              <a:t>Stories</a:t>
-            </a:r>
-            <a:r>
-              <a:rPr lang="es-AR" dirty="0" smtClean="0"/>
-              <a:t>.</a:t>
-            </a:r>
-          </a:p>
-          <a:p>
-            <a:pPr marL="274320" indent="-274320" fontAlgn="auto">
-              <a:spcAft>
-                <a:spcPts val="0"/>
-              </a:spcAft>
-              <a:buClr>
-                <a:schemeClr val="accent3"/>
-              </a:buClr>
-              <a:buFont typeface="Wingdings 2"/>
-              <a:buChar char=""/>
-              <a:defRPr/>
-            </a:pPr>
-            <a:endParaRPr lang="es-AR" dirty="0"/>
-          </a:p>
-          <a:p>
-            <a:pPr marL="274320" indent="-274320" fontAlgn="auto">
-              <a:spcAft>
-                <a:spcPts val="0"/>
-              </a:spcAft>
-              <a:buClr>
-                <a:schemeClr val="accent3"/>
-              </a:buClr>
-              <a:buFont typeface="Wingdings 2"/>
-              <a:buChar char=""/>
-              <a:defRPr/>
-            </a:pPr>
-            <a:r>
-              <a:rPr lang="es-AR" dirty="0" smtClean="0"/>
-              <a:t>Comenzar con un proceso inicial de integración del producto.</a:t>
-            </a:r>
-            <a:endParaRPr lang="es-AR" dirty="0"/>
-          </a:p>
-        </p:txBody>
-      </p:sp>
-      <p:pic>
-        <p:nvPicPr>
-          <p:cNvPr id="22531" name="Picture 2"/>
-          <p:cNvPicPr>
-            <a:picLocks noChangeAspect="1" noChangeArrowheads="1"/>
-          </p:cNvPicPr>
-          <p:nvPr/>
-        </p:nvPicPr>
-        <p:blipFill>
-          <a:blip r:embed="rId2"/>
-          <a:srcRect/>
-          <a:stretch>
-            <a:fillRect/>
-          </a:stretch>
-        </p:blipFill>
-        <p:spPr bwMode="auto">
-          <a:xfrm>
-            <a:off x="8501063" y="1285875"/>
-            <a:ext cx="466725" cy="457200"/>
-          </a:xfrm>
-          <a:prstGeom prst="rect">
-            <a:avLst/>
-          </a:prstGeom>
-          <a:noFill/>
-          <a:ln w="9525">
-            <a:noFill/>
-            <a:miter lim="800000"/>
-            <a:headEnd/>
-            <a:tailEnd/>
-          </a:ln>
-        </p:spPr>
-      </p:pic>
-    </p:spTree>
-  </p:cSld>
-  <p:clrMapOvr>
-    <a:masterClrMapping/>
-  </p:clrMapOvr>
-</p:sld>
-</file>
-
-<file path=ppt/slides/slide11.xml><?xml version="1.0" encoding="utf-8"?>
-<p:sld xmlns:a="http://schemas.openxmlformats.org/drawingml/2006/main" xmlns:r="http://schemas.openxmlformats.org/officeDocument/2006/relationships" xmlns:p="http://schemas.openxmlformats.org/presentationml/2006/main">
-  <p:cSld>
-    <p:spTree>
-      <p:nvGrpSpPr>
-        <p:cNvPr id="1" name=""/>
-        <p:cNvGrpSpPr/>
-        <p:nvPr/>
-      </p:nvGrpSpPr>
-      <p:grpSpPr>
-        <a:xfrm>
-          <a:off x="0" y="0"/>
-          <a:ext cx="0" cy="0"/>
-          <a:chOff x="0" y="0"/>
-          <a:chExt cx="0" cy="0"/>
-        </a:xfrm>
-      </p:grpSpPr>
-      <p:sp>
-        <p:nvSpPr>
           <p:cNvPr id="2" name="1 Título"/>
           <p:cNvSpPr>
             <a:spLocks noGrp="1"/>
@@ -4842,7 +5051,7 @@
 </p:sld>
 </file>
 
-<file path=ppt/slides/slide12.xml><?xml version="1.0" encoding="utf-8"?>
+<file path=ppt/slides/slide11.xml><?xml version="1.0" encoding="utf-8"?>
 <p:sld xmlns:a="http://schemas.openxmlformats.org/drawingml/2006/main" xmlns:r="http://schemas.openxmlformats.org/officeDocument/2006/relationships" xmlns:p="http://schemas.openxmlformats.org/presentationml/2006/main">
   <p:cSld>
     <p:spTree>
@@ -5016,49 +5225,48 @@
           <a:lstStyle/>
           <a:p>
             <a:r>
-              <a:rPr lang="es-AR" smtClean="0"/>
+              <a:rPr lang="es-AR" dirty="0" smtClean="0"/>
               <a:t>Objetivos.</a:t>
             </a:r>
-          </a:p>
-          <a:p>
-            <a:r>
-              <a:rPr lang="es-AR" smtClean="0"/>
+            <a:endParaRPr lang="es-AR" dirty="0" smtClean="0"/>
+          </a:p>
+          <a:p>
+            <a:r>
+              <a:rPr lang="es-AR" dirty="0" smtClean="0"/>
               <a:t>Logros.</a:t>
             </a:r>
           </a:p>
           <a:p>
             <a:r>
-              <a:rPr lang="es-AR" smtClean="0"/>
+              <a:rPr lang="es-AR" dirty="0" smtClean="0"/>
               <a:t>Inconvenientes.</a:t>
             </a:r>
           </a:p>
           <a:p>
             <a:r>
-              <a:rPr lang="es-AR" smtClean="0"/>
+              <a:rPr lang="es-AR" dirty="0" smtClean="0"/>
               <a:t>Tareas postergadas.</a:t>
             </a:r>
           </a:p>
           <a:p>
             <a:r>
-              <a:rPr lang="es-AR" smtClean="0"/>
-              <a:t>Mejoras pendientes.</a:t>
-            </a:r>
-          </a:p>
-          <a:p>
-            <a:r>
-              <a:rPr lang="es-AR" smtClean="0"/>
-              <a:t>Gráficos y estadísticas de proyecto.</a:t>
-            </a:r>
-          </a:p>
-          <a:p>
-            <a:r>
-              <a:rPr lang="es-AR" smtClean="0"/>
+              <a:rPr lang="es-AR" dirty="0" smtClean="0"/>
+              <a:t>Gráficos </a:t>
+            </a:r>
+            <a:r>
+              <a:rPr lang="es-AR" dirty="0" smtClean="0"/>
+              <a:t>y estadísticas de proyecto.</a:t>
+            </a:r>
+          </a:p>
+          <a:p>
+            <a:r>
+              <a:rPr lang="es-AR" dirty="0" smtClean="0"/>
               <a:t>Resumen de desarrollo.</a:t>
             </a:r>
           </a:p>
           <a:p>
             <a:r>
-              <a:rPr lang="es-AR" smtClean="0"/>
+              <a:rPr lang="es-AR" dirty="0" smtClean="0"/>
               <a:t>Demos.</a:t>
             </a:r>
           </a:p>
@@ -5151,7 +5359,15 @@
             </a:pPr>
             <a:r>
               <a:rPr lang="es-AR" dirty="0" smtClean="0"/>
-              <a:t>Objetivos del Sprint 02</a:t>
+              <a:t>Objetivos </a:t>
+            </a:r>
+            <a:r>
+              <a:rPr lang="es-AR" dirty="0" smtClean="0"/>
+              <a:t>del </a:t>
+            </a:r>
+            <a:r>
+              <a:rPr lang="es-AR" dirty="0" smtClean="0"/>
+              <a:t>Sprint 02</a:t>
             </a:r>
             <a:endParaRPr lang="es-AR" dirty="0"/>
           </a:p>
@@ -5280,11 +5496,7 @@
             </a:pPr>
             <a:r>
               <a:rPr lang="es-AR" dirty="0" smtClean="0"/>
-              <a:t>Llevar  a cabo </a:t>
-            </a:r>
-            <a:r>
-              <a:rPr lang="es-AR" dirty="0" smtClean="0"/>
-              <a:t>los últimos test de desarrollo para iniciar la producción concreta del producto.</a:t>
+              <a:t>Llevar  a cabo los últimos test de desarrollo para iniciar la producción concreta del producto.</a:t>
             </a:r>
           </a:p>
           <a:p>
@@ -5334,7 +5546,7 @@
         </p:blipFill>
         <p:spPr bwMode="auto">
           <a:xfrm>
-            <a:off x="5929313" y="1285875"/>
+            <a:off x="6000760" y="1285860"/>
             <a:ext cx="466725" cy="457200"/>
           </a:xfrm>
           <a:prstGeom prst="rect">
@@ -5608,7 +5820,7 @@
           <a:lstStyle/>
           <a:p>
             <a:r>
-              <a:rPr lang="es-AR" smtClean="0"/>
+              <a:rPr lang="es-AR" dirty="0" smtClean="0"/>
               <a:t>Logros</a:t>
             </a:r>
           </a:p>
@@ -5707,15 +5919,7 @@
             </a:pPr>
             <a:r>
               <a:rPr lang="es-AR" dirty="0" smtClean="0"/>
-              <a:t>Con la incorporación de este nuevo Ingeniero de Software </a:t>
-            </a:r>
-            <a:r>
-              <a:rPr lang="es-AR" dirty="0" smtClean="0"/>
-              <a:t>pudieron definirse nuevas </a:t>
-            </a:r>
-            <a:r>
-              <a:rPr lang="es-AR" dirty="0" smtClean="0"/>
-              <a:t>tareas, que serán implementadas específicamente en el Sprint 03.</a:t>
+              <a:t>Con la incorporación de este nuevo Ingeniero de Software pudieron definirse nuevas tareas, que serán implementadas específicamente en el Sprint 03.</a:t>
             </a:r>
           </a:p>
           <a:p>
@@ -6261,7 +6465,7 @@
           <a:lstStyle/>
           <a:p>
             <a:r>
-              <a:rPr lang="es-AR" smtClean="0"/>
+              <a:rPr lang="es-AR" dirty="0" smtClean="0"/>
               <a:t>Inconvenientes</a:t>
             </a:r>
           </a:p>
@@ -6280,7 +6484,7 @@
         <p:spPr/>
         <p:txBody>
           <a:bodyPr>
-            <a:normAutofit fontScale="85000" lnSpcReduction="10000"/>
+            <a:normAutofit fontScale="85000" lnSpcReduction="20000"/>
           </a:bodyPr>
           <a:lstStyle/>
           <a:p>
@@ -6297,7 +6501,11 @@
             </a:pPr>
             <a:r>
               <a:rPr lang="es-AR" dirty="0" smtClean="0"/>
-              <a:t>Se plantearon inconvenientes en la adaptación de la arquitectura para cumplimentar el desarrollo entre lenguajes.</a:t>
+              <a:t>Se plantearon inconvenientes en la adaptación de la arquitectura para cumplimentar el desarrollo entre lenguajes</a:t>
+            </a:r>
+            <a:r>
+              <a:rPr lang="es-AR" dirty="0" smtClean="0"/>
+              <a:t>.</a:t>
             </a:r>
           </a:p>
           <a:p>
@@ -6312,7 +6520,7 @@
               <a:buChar char=""/>
               <a:defRPr/>
             </a:pPr>
-            <a:endParaRPr lang="es-AR" dirty="0"/>
+            <a:endParaRPr lang="es-AR" dirty="0" smtClean="0"/>
           </a:p>
           <a:p>
             <a:pPr marL="274320" indent="-274320" fontAlgn="auto">
@@ -6328,7 +6536,7 @@
             </a:pPr>
             <a:r>
               <a:rPr lang="es-AR" dirty="0" smtClean="0"/>
-              <a:t>Se presentaron debates y discusiones en cuanto a la integración de la base datos y consistencia de los datos almacenados.</a:t>
+              <a:t>Se presentaron inconvenientes al momento de la integración de la base datos y consistencia de los datos almacenados.</a:t>
             </a:r>
           </a:p>
           <a:p>
@@ -6359,7 +6567,15 @@
             </a:pPr>
             <a:r>
               <a:rPr lang="es-AR" dirty="0" smtClean="0"/>
-              <a:t>Se discutieron mecanismos de distribución de la arquitectura de clases con respecto a los datos almacenados en la base de datos.</a:t>
+              <a:t>No se han definido </a:t>
+            </a:r>
+            <a:r>
+              <a:rPr lang="es-AR" dirty="0" smtClean="0"/>
+              <a:t>mecanismos </a:t>
+            </a:r>
+            <a:r>
+              <a:rPr lang="es-AR" dirty="0" smtClean="0"/>
+              <a:t>de distribución de la arquitectura de clases con respecto a los datos almacenados en la base de datos.</a:t>
             </a:r>
           </a:p>
           <a:p>
@@ -6390,11 +6606,19 @@
             </a:pPr>
             <a:r>
               <a:rPr lang="es-AR" dirty="0" smtClean="0"/>
-              <a:t>Se postergó una </a:t>
+              <a:t>Se </a:t>
+            </a:r>
+            <a:r>
+              <a:rPr lang="es-AR" dirty="0" smtClean="0"/>
+              <a:t>postergaron dos </a:t>
             </a:r>
             <a:r>
               <a:rPr lang="es-AR" dirty="0" err="1" smtClean="0"/>
-              <a:t>technical</a:t>
+              <a:t>T</a:t>
+            </a:r>
+            <a:r>
+              <a:rPr lang="es-AR" dirty="0" err="1" smtClean="0"/>
+              <a:t>echnical</a:t>
             </a:r>
             <a:r>
               <a:rPr lang="es-AR" dirty="0" smtClean="0"/>
@@ -6402,11 +6626,31 @@
             </a:r>
             <a:r>
               <a:rPr lang="es-AR" dirty="0" err="1" smtClean="0"/>
-              <a:t>task</a:t>
+              <a:t>T</a:t>
+            </a:r>
+            <a:r>
+              <a:rPr lang="es-AR" dirty="0" err="1" smtClean="0"/>
+              <a:t>ask</a:t>
             </a:r>
             <a:r>
               <a:rPr lang="es-AR" dirty="0" smtClean="0"/>
-              <a:t> para un siguiente sprint, ya que era necesario mejorar algunos aspectos técnicos.</a:t>
+              <a:t> </a:t>
+            </a:r>
+            <a:r>
+              <a:rPr lang="es-AR" dirty="0" smtClean="0"/>
+              <a:t>para un siguiente sprint, ya que era necesario mejorar </a:t>
+            </a:r>
+            <a:r>
+              <a:rPr lang="es-AR" dirty="0" smtClean="0"/>
+              <a:t>aspectos técnicos tales como la </a:t>
+            </a:r>
+            <a:r>
+              <a:rPr lang="es-AR" dirty="0" err="1" smtClean="0"/>
+              <a:t>definicion</a:t>
+            </a:r>
+            <a:r>
+              <a:rPr lang="es-AR" dirty="0" smtClean="0"/>
+              <a:t> de la arquitectura mencionada anteriormente.</a:t>
             </a:r>
             <a:endParaRPr lang="es-AR" dirty="0"/>
           </a:p>
@@ -6421,7 +6665,7 @@
           <p:nvPr/>
         </p:nvPicPr>
         <p:blipFill>
-          <a:blip r:embed="rId2"/>
+          <a:blip r:embed="rId3"/>
           <a:srcRect/>
           <a:stretch>
             <a:fillRect/>
@@ -7317,6 +7561,289 @@
 </a:theme>
 </file>
 
+<file path=ppt/theme/theme2.xml><?xml version="1.0" encoding="utf-8"?>
+<a:theme xmlns:a="http://schemas.openxmlformats.org/drawingml/2006/main" name="Tema de Office">
+  <a:themeElements>
+    <a:clrScheme name="Office">
+      <a:dk1>
+        <a:sysClr val="windowText" lastClr="000000"/>
+      </a:dk1>
+      <a:lt1>
+        <a:sysClr val="window" lastClr="FFFFFF"/>
+      </a:lt1>
+      <a:dk2>
+        <a:srgbClr val="1F497D"/>
+      </a:dk2>
+      <a:lt2>
+        <a:srgbClr val="EEECE1"/>
+      </a:lt2>
+      <a:accent1>
+        <a:srgbClr val="4F81BD"/>
+      </a:accent1>
+      <a:accent2>
+        <a:srgbClr val="C0504D"/>
+      </a:accent2>
+      <a:accent3>
+        <a:srgbClr val="9BBB59"/>
+      </a:accent3>
+      <a:accent4>
+        <a:srgbClr val="8064A2"/>
+      </a:accent4>
+      <a:accent5>
+        <a:srgbClr val="4BACC6"/>
+      </a:accent5>
+      <a:accent6>
+        <a:srgbClr val="F79646"/>
+      </a:accent6>
+      <a:hlink>
+        <a:srgbClr val="0000FF"/>
+      </a:hlink>
+      <a:folHlink>
+        <a:srgbClr val="800080"/>
+      </a:folHlink>
+    </a:clrScheme>
+    <a:fontScheme name="Office">
+      <a:majorFont>
+        <a:latin typeface="Calibri"/>
+        <a:ea typeface=""/>
+        <a:cs typeface=""/>
+        <a:font script="Jpan" typeface="ＭＳ Ｐゴシック"/>
+        <a:font script="Hang" typeface="맑은 고딕"/>
+        <a:font script="Hans" typeface="宋体"/>
+        <a:font script="Hant" typeface="新細明體"/>
+        <a:font script="Arab" typeface="Times New Roman"/>
+        <a:font script="Hebr" typeface="Times New Roman"/>
+        <a:font script="Thai" typeface="Angsana New"/>
+        <a:font script="Ethi" typeface="Nyala"/>
+        <a:font script="Beng" typeface="Vrinda"/>
+        <a:font script="Gujr" typeface="Shruti"/>
+        <a:font script="Khmr" typeface="MoolBoran"/>
+        <a:font script="Knda" typeface="Tunga"/>
+        <a:font script="Guru" typeface="Raavi"/>
+        <a:font script="Cans" typeface="Euphemia"/>
+        <a:font script="Cher" typeface="Plantagenet Cherokee"/>
+        <a:font script="Yiii" typeface="Microsoft Yi Baiti"/>
+        <a:font script="Tibt" typeface="Microsoft Himalaya"/>
+        <a:font script="Thaa" typeface="MV Boli"/>
+        <a:font script="Deva" typeface="Mangal"/>
+        <a:font script="Telu" typeface="Gautami"/>
+        <a:font script="Taml" typeface="Latha"/>
+        <a:font script="Syrc" typeface="Estrangelo Edessa"/>
+        <a:font script="Orya" typeface="Kalinga"/>
+        <a:font script="Mlym" typeface="Kartika"/>
+        <a:font script="Laoo" typeface="DokChampa"/>
+        <a:font script="Sinh" typeface="Iskoola Pota"/>
+        <a:font script="Mong" typeface="Mongolian Baiti"/>
+        <a:font script="Viet" typeface="Times New Roman"/>
+        <a:font script="Uigh" typeface="Microsoft Uighur"/>
+      </a:majorFont>
+      <a:minorFont>
+        <a:latin typeface="Calibri"/>
+        <a:ea typeface=""/>
+        <a:cs typeface=""/>
+        <a:font script="Jpan" typeface="ＭＳ Ｐゴシック"/>
+        <a:font script="Hang" typeface="맑은 고딕"/>
+        <a:font script="Hans" typeface="宋体"/>
+        <a:font script="Hant" typeface="新細明體"/>
+        <a:font script="Arab" typeface="Arial"/>
+        <a:font script="Hebr" typeface="Arial"/>
+        <a:font script="Thai" typeface="Cordia New"/>
+        <a:font script="Ethi" typeface="Nyala"/>
+        <a:font script="Beng" typeface="Vrinda"/>
+        <a:font script="Gujr" typeface="Shruti"/>
+        <a:font script="Khmr" typeface="DaunPenh"/>
+        <a:font script="Knda" typeface="Tunga"/>
+        <a:font script="Guru" typeface="Raavi"/>
+        <a:font script="Cans" typeface="Euphemia"/>
+        <a:font script="Cher" typeface="Plantagenet Cherokee"/>
+        <a:font script="Yiii" typeface="Microsoft Yi Baiti"/>
+        <a:font script="Tibt" typeface="Microsoft Himalaya"/>
+        <a:font script="Thaa" typeface="MV Boli"/>
+        <a:font script="Deva" typeface="Mangal"/>
+        <a:font script="Telu" typeface="Gautami"/>
+        <a:font script="Taml" typeface="Latha"/>
+        <a:font script="Syrc" typeface="Estrangelo Edessa"/>
+        <a:font script="Orya" typeface="Kalinga"/>
+        <a:font script="Mlym" typeface="Kartika"/>
+        <a:font script="Laoo" typeface="DokChampa"/>
+        <a:font script="Sinh" typeface="Iskoola Pota"/>
+        <a:font script="Mong" typeface="Mongolian Baiti"/>
+        <a:font script="Viet" typeface="Arial"/>
+        <a:font script="Uigh" typeface="Microsoft Uighur"/>
+      </a:minorFont>
+    </a:fontScheme>
+    <a:fmtScheme name="Office">
+      <a:fillStyleLst>
+        <a:solidFill>
+          <a:schemeClr val="phClr"/>
+        </a:solidFill>
+        <a:gradFill rotWithShape="1">
+          <a:gsLst>
+            <a:gs pos="0">
+              <a:schemeClr val="phClr">
+                <a:tint val="50000"/>
+                <a:satMod val="300000"/>
+              </a:schemeClr>
+            </a:gs>
+            <a:gs pos="35000">
+              <a:schemeClr val="phClr">
+                <a:tint val="37000"/>
+                <a:satMod val="300000"/>
+              </a:schemeClr>
+            </a:gs>
+            <a:gs pos="100000">
+              <a:schemeClr val="phClr">
+                <a:tint val="15000"/>
+                <a:satMod val="350000"/>
+              </a:schemeClr>
+            </a:gs>
+          </a:gsLst>
+          <a:lin ang="16200000" scaled="1"/>
+        </a:gradFill>
+        <a:gradFill rotWithShape="1">
+          <a:gsLst>
+            <a:gs pos="0">
+              <a:schemeClr val="phClr">
+                <a:shade val="51000"/>
+                <a:satMod val="130000"/>
+              </a:schemeClr>
+            </a:gs>
+            <a:gs pos="80000">
+              <a:schemeClr val="phClr">
+                <a:shade val="93000"/>
+                <a:satMod val="130000"/>
+              </a:schemeClr>
+            </a:gs>
+            <a:gs pos="100000">
+              <a:schemeClr val="phClr">
+                <a:shade val="94000"/>
+                <a:satMod val="135000"/>
+              </a:schemeClr>
+            </a:gs>
+          </a:gsLst>
+          <a:lin ang="16200000" scaled="0"/>
+        </a:gradFill>
+      </a:fillStyleLst>
+      <a:lnStyleLst>
+        <a:ln w="9525" cap="flat" cmpd="sng" algn="ctr">
+          <a:solidFill>
+            <a:schemeClr val="phClr">
+              <a:shade val="95000"/>
+              <a:satMod val="105000"/>
+            </a:schemeClr>
+          </a:solidFill>
+          <a:prstDash val="solid"/>
+        </a:ln>
+        <a:ln w="25400" cap="flat" cmpd="sng" algn="ctr">
+          <a:solidFill>
+            <a:schemeClr val="phClr"/>
+          </a:solidFill>
+          <a:prstDash val="solid"/>
+        </a:ln>
+        <a:ln w="38100" cap="flat" cmpd="sng" algn="ctr">
+          <a:solidFill>
+            <a:schemeClr val="phClr"/>
+          </a:solidFill>
+          <a:prstDash val="solid"/>
+        </a:ln>
+      </a:lnStyleLst>
+      <a:effectStyleLst>
+        <a:effectStyle>
+          <a:effectLst>
+            <a:outerShdw blurRad="40000" dist="20000" dir="5400000" rotWithShape="0">
+              <a:srgbClr val="000000">
+                <a:alpha val="38000"/>
+              </a:srgbClr>
+            </a:outerShdw>
+          </a:effectLst>
+        </a:effectStyle>
+        <a:effectStyle>
+          <a:effectLst>
+            <a:outerShdw blurRad="40000" dist="23000" dir="5400000" rotWithShape="0">
+              <a:srgbClr val="000000">
+                <a:alpha val="35000"/>
+              </a:srgbClr>
+            </a:outerShdw>
+          </a:effectLst>
+        </a:effectStyle>
+        <a:effectStyle>
+          <a:effectLst>
+            <a:outerShdw blurRad="40000" dist="23000" dir="5400000" rotWithShape="0">
+              <a:srgbClr val="000000">
+                <a:alpha val="35000"/>
+              </a:srgbClr>
+            </a:outerShdw>
+          </a:effectLst>
+          <a:scene3d>
+            <a:camera prst="orthographicFront">
+              <a:rot lat="0" lon="0" rev="0"/>
+            </a:camera>
+            <a:lightRig rig="threePt" dir="t">
+              <a:rot lat="0" lon="0" rev="1200000"/>
+            </a:lightRig>
+          </a:scene3d>
+          <a:sp3d>
+            <a:bevelT w="63500" h="25400"/>
+          </a:sp3d>
+        </a:effectStyle>
+      </a:effectStyleLst>
+      <a:bgFillStyleLst>
+        <a:solidFill>
+          <a:schemeClr val="phClr"/>
+        </a:solidFill>
+        <a:gradFill rotWithShape="1">
+          <a:gsLst>
+            <a:gs pos="0">
+              <a:schemeClr val="phClr">
+                <a:tint val="40000"/>
+                <a:satMod val="350000"/>
+              </a:schemeClr>
+            </a:gs>
+            <a:gs pos="40000">
+              <a:schemeClr val="phClr">
+                <a:tint val="45000"/>
+                <a:shade val="99000"/>
+                <a:satMod val="350000"/>
+              </a:schemeClr>
+            </a:gs>
+            <a:gs pos="100000">
+              <a:schemeClr val="phClr">
+                <a:shade val="20000"/>
+                <a:satMod val="255000"/>
+              </a:schemeClr>
+            </a:gs>
+          </a:gsLst>
+          <a:path path="circle">
+            <a:fillToRect l="50000" t="-80000" r="50000" b="180000"/>
+          </a:path>
+        </a:gradFill>
+        <a:gradFill rotWithShape="1">
+          <a:gsLst>
+            <a:gs pos="0">
+              <a:schemeClr val="phClr">
+                <a:tint val="80000"/>
+                <a:satMod val="300000"/>
+              </a:schemeClr>
+            </a:gs>
+            <a:gs pos="100000">
+              <a:schemeClr val="phClr">
+                <a:shade val="30000"/>
+                <a:satMod val="200000"/>
+              </a:schemeClr>
+            </a:gs>
+          </a:gsLst>
+          <a:path path="circle">
+            <a:fillToRect l="50000" t="50000" r="50000" b="50000"/>
+          </a:path>
+        </a:gradFill>
+      </a:bgFillStyleLst>
+    </a:fmtScheme>
+  </a:themeElements>
+  <a:objectDefaults/>
+  <a:extraClrSchemeLst/>
+</a:theme>
+</file>
+
 <file path=ppt/theme/themeOverride1.xml><?xml version="1.0" encoding="utf-8"?>
 <a:themeOverride xmlns:a="http://schemas.openxmlformats.org/drawingml/2006/main">
   <a:clrScheme name="Flujo">

--- a/Proyecto final/SprintsDevelopment/Branch 02/DocumentosAEntregar/Sprint 02.pptx
+++ b/Proyecto final/SprintsDevelopment/Branch 02/DocumentosAEntregar/Sprint 02.pptx
@@ -232,6 +232,7 @@
           <a:p>
             <a:fld id="{2AD1A58C-45B8-44B3-9BD4-1163C3D96BB9}" type="datetimeFigureOut">
               <a:rPr lang="es-AR" smtClean="0"/>
+              <a:pPr/>
               <a:t>07/08/2012</a:t>
             </a:fld>
             <a:endParaRPr lang="es-AR"/>
@@ -393,6 +394,7 @@
           <a:p>
             <a:fld id="{0A03907B-8309-4B7E-A4B8-5E8F04AC2BC1}" type="slidenum">
               <a:rPr lang="es-AR" smtClean="0"/>
+              <a:pPr/>
               <a:t>‹Nº›</a:t>
             </a:fld>
             <a:endParaRPr lang="es-AR"/>
@@ -564,6 +566,7 @@
           <a:p>
             <a:fld id="{0A03907B-8309-4B7E-A4B8-5E8F04AC2BC1}" type="slidenum">
               <a:rPr lang="es-AR" smtClean="0"/>
+              <a:pPr/>
               <a:t>7</a:t>
             </a:fld>
             <a:endParaRPr lang="es-AR"/>
@@ -4997,15 +5000,19 @@
           </a:bodyPr>
           <a:lstStyle/>
           <a:p>
-            <a:pPr fontAlgn="auto">
+            <a:pPr algn="ctr" fontAlgn="auto">
               <a:spcAft>
                 <a:spcPts val="0"/>
               </a:spcAft>
               <a:defRPr/>
             </a:pPr>
             <a:r>
+              <a:rPr lang="es-AR" dirty="0" err="1" smtClean="0"/>
+              <a:t>Burndown</a:t>
+            </a:r>
+            <a:r>
               <a:rPr lang="es-AR" dirty="0" smtClean="0"/>
-              <a:t>Gráficos y estadísticas de proyecto</a:t>
+              <a:t> Chart Sprint02</a:t>
             </a:r>
             <a:endParaRPr lang="es-AR" dirty="0"/>
           </a:p>
@@ -5041,6 +5048,39 @@
             <a:headEnd/>
             <a:tailEnd/>
           </a:ln>
+        </p:spPr>
+      </p:pic>
+      <p:pic>
+        <p:nvPicPr>
+          <p:cNvPr id="1026" name="Picture 2"/>
+          <p:cNvPicPr>
+            <a:picLocks noChangeAspect="1" noChangeArrowheads="1"/>
+          </p:cNvPicPr>
+          <p:nvPr/>
+        </p:nvPicPr>
+        <p:blipFill>
+          <a:blip r:embed="rId3"/>
+          <a:srcRect/>
+          <a:stretch>
+            <a:fillRect/>
+          </a:stretch>
+        </p:blipFill>
+        <p:spPr bwMode="auto">
+          <a:xfrm>
+            <a:off x="1571604" y="1714488"/>
+            <a:ext cx="5905500" cy="4972050"/>
+          </a:xfrm>
+          <a:prstGeom prst="rect">
+            <a:avLst/>
+          </a:prstGeom>
+          <a:noFill/>
+          <a:ln w="9525">
+            <a:noFill/>
+            <a:miter lim="800000"/>
+            <a:headEnd/>
+            <a:tailEnd/>
+          </a:ln>
+          <a:effectLst/>
         </p:spPr>
       </p:pic>
     </p:spTree>
@@ -5228,7 +5268,6 @@
               <a:rPr lang="es-AR" dirty="0" smtClean="0"/>
               <a:t>Objetivos.</a:t>
             </a:r>
-            <a:endParaRPr lang="es-AR" dirty="0" smtClean="0"/>
           </a:p>
           <a:p>
             <a:r>
@@ -5250,13 +5289,22 @@
           </a:p>
           <a:p>
             <a:r>
+              <a:rPr lang="es-AR" dirty="0" err="1" smtClean="0"/>
+              <a:t>Burndown</a:t>
+            </a:r>
+            <a:r>
               <a:rPr lang="es-AR" dirty="0" smtClean="0"/>
-              <a:t>Gráficos </a:t>
+              <a:t> Chart </a:t>
             </a:r>
             <a:r>
               <a:rPr lang="es-AR" dirty="0" smtClean="0"/>
-              <a:t>y estadísticas de proyecto.</a:t>
-            </a:r>
+              <a:t>Sprint02</a:t>
+            </a:r>
+            <a:r>
+              <a:rPr lang="es-AR" dirty="0" smtClean="0"/>
+              <a:t>.</a:t>
+            </a:r>
+            <a:endParaRPr lang="es-AR" dirty="0" smtClean="0"/>
           </a:p>
           <a:p>
             <a:r>
@@ -5359,15 +5407,7 @@
             </a:pPr>
             <a:r>
               <a:rPr lang="es-AR" dirty="0" smtClean="0"/>
-              <a:t>Objetivos </a:t>
-            </a:r>
-            <a:r>
-              <a:rPr lang="es-AR" dirty="0" smtClean="0"/>
-              <a:t>del </a:t>
-            </a:r>
-            <a:r>
-              <a:rPr lang="es-AR" dirty="0" smtClean="0"/>
-              <a:t>Sprint 02</a:t>
+              <a:t>Objetivos del Sprint 02</a:t>
             </a:r>
             <a:endParaRPr lang="es-AR" dirty="0"/>
           </a:p>
@@ -6501,11 +6541,7 @@
             </a:pPr>
             <a:r>
               <a:rPr lang="es-AR" dirty="0" smtClean="0"/>
-              <a:t>Se plantearon inconvenientes en la adaptación de la arquitectura para cumplimentar el desarrollo entre lenguajes</a:t>
-            </a:r>
-            <a:r>
-              <a:rPr lang="es-AR" dirty="0" smtClean="0"/>
-              <a:t>.</a:t>
+              <a:t>Se plantearon inconvenientes en la adaptación de la arquitectura para cumplimentar el desarrollo entre lenguajes.</a:t>
             </a:r>
           </a:p>
           <a:p>
@@ -6567,15 +6603,7 @@
             </a:pPr>
             <a:r>
               <a:rPr lang="es-AR" dirty="0" smtClean="0"/>
-              <a:t>No se han definido </a:t>
-            </a:r>
-            <a:r>
-              <a:rPr lang="es-AR" dirty="0" smtClean="0"/>
-              <a:t>mecanismos </a:t>
-            </a:r>
-            <a:r>
-              <a:rPr lang="es-AR" dirty="0" smtClean="0"/>
-              <a:t>de distribución de la arquitectura de clases con respecto a los datos almacenados en la base de datos.</a:t>
+              <a:t>No se han definido mecanismos de distribución de la arquitectura de clases con respecto a los datos almacenados en la base de datos.</a:t>
             </a:r>
           </a:p>
           <a:p>
@@ -6606,19 +6634,11 @@
             </a:pPr>
             <a:r>
               <a:rPr lang="es-AR" dirty="0" smtClean="0"/>
-              <a:t>Se </a:t>
-            </a:r>
-            <a:r>
-              <a:rPr lang="es-AR" dirty="0" smtClean="0"/>
-              <a:t>postergaron dos </a:t>
+              <a:t>Se postergaron dos </a:t>
             </a:r>
             <a:r>
               <a:rPr lang="es-AR" dirty="0" err="1" smtClean="0"/>
-              <a:t>T</a:t>
-            </a:r>
-            <a:r>
-              <a:rPr lang="es-AR" dirty="0" err="1" smtClean="0"/>
-              <a:t>echnical</a:t>
+              <a:t>Technical</a:t>
             </a:r>
             <a:r>
               <a:rPr lang="es-AR" dirty="0" smtClean="0"/>
@@ -6626,23 +6646,11 @@
             </a:r>
             <a:r>
               <a:rPr lang="es-AR" dirty="0" err="1" smtClean="0"/>
-              <a:t>T</a:t>
-            </a:r>
-            <a:r>
-              <a:rPr lang="es-AR" dirty="0" err="1" smtClean="0"/>
-              <a:t>ask</a:t>
+              <a:t>Task</a:t>
             </a:r>
             <a:r>
               <a:rPr lang="es-AR" dirty="0" smtClean="0"/>
-              <a:t> </a:t>
-            </a:r>
-            <a:r>
-              <a:rPr lang="es-AR" dirty="0" smtClean="0"/>
-              <a:t>para un siguiente sprint, ya que era necesario mejorar </a:t>
-            </a:r>
-            <a:r>
-              <a:rPr lang="es-AR" dirty="0" smtClean="0"/>
-              <a:t>aspectos técnicos tales como la </a:t>
+              <a:t> para un siguiente sprint, ya que era necesario mejorar aspectos técnicos tales como la </a:t>
             </a:r>
             <a:r>
               <a:rPr lang="es-AR" dirty="0" err="1" smtClean="0"/>

--- a/Proyecto final/SprintsDevelopment/Branch 02/DocumentosAEntregar/Sprint 02.pptx
+++ b/Proyecto final/SprintsDevelopment/Branch 02/DocumentosAEntregar/Sprint 02.pptx
@@ -4958,6 +4958,13 @@
   <p:clrMapOvr>
     <a:masterClrMapping/>
   </p:clrMapOvr>
+  <p:timing>
+    <p:tnLst>
+      <p:par>
+        <p:cTn id="1" dur="indefinite" restart="never" nodeType="tmRoot"/>
+      </p:par>
+    </p:tnLst>
+  </p:timing>
 </p:sld>
 </file>
 
@@ -5067,7 +5074,7 @@
         </p:blipFill>
         <p:spPr bwMode="auto">
           <a:xfrm>
-            <a:off x="1571604" y="1714488"/>
+            <a:off x="1571604" y="1671660"/>
             <a:ext cx="5905500" cy="4972050"/>
           </a:xfrm>
           <a:prstGeom prst="rect">
@@ -5088,6 +5095,13 @@
   <p:clrMapOvr>
     <a:masterClrMapping/>
   </p:clrMapOvr>
+  <p:timing>
+    <p:tnLst>
+      <p:par>
+        <p:cTn id="1" dur="indefinite" restart="never" nodeType="tmRoot"/>
+      </p:par>
+    </p:tnLst>
+  </p:timing>
 </p:sld>
 </file>
 
@@ -5207,6 +5221,13 @@
   <p:clrMapOvr>
     <a:masterClrMapping/>
   </p:clrMapOvr>
+  <p:timing>
+    <p:tnLst>
+      <p:par>
+        <p:cTn id="1" dur="indefinite" restart="never" nodeType="tmRoot"/>
+      </p:par>
+    </p:tnLst>
+  </p:timing>
 </p:sld>
 </file>
 
@@ -5294,17 +5315,8 @@
             </a:r>
             <a:r>
               <a:rPr lang="es-AR" dirty="0" smtClean="0"/>
-              <a:t> Chart </a:t>
-            </a:r>
-            <a:r>
-              <a:rPr lang="es-AR" dirty="0" smtClean="0"/>
-              <a:t>Sprint02</a:t>
-            </a:r>
-            <a:r>
-              <a:rPr lang="es-AR" dirty="0" smtClean="0"/>
-              <a:t>.</a:t>
-            </a:r>
-            <a:endParaRPr lang="es-AR" dirty="0" smtClean="0"/>
+              <a:t> Chart Sprint02.</a:t>
+            </a:r>
           </a:p>
           <a:p>
             <a:r>
@@ -5357,6 +5369,13 @@
   <p:clrMapOvr>
     <a:masterClrMapping/>
   </p:clrMapOvr>
+  <p:timing>
+    <p:tnLst>
+      <p:par>
+        <p:cTn id="1" dur="indefinite" restart="never" nodeType="tmRoot"/>
+      </p:par>
+    </p:tnLst>
+  </p:timing>
 </p:sld>
 </file>
 
@@ -5536,7 +5555,15 @@
             </a:pPr>
             <a:r>
               <a:rPr lang="es-AR" dirty="0" smtClean="0"/>
-              <a:t>Llevar  a cabo los últimos test de desarrollo para iniciar la producción concreta del producto.</a:t>
+              <a:t>Llevar  a cabo los últimos test de </a:t>
+            </a:r>
+            <a:r>
+              <a:rPr lang="es-AR" dirty="0" smtClean="0"/>
+              <a:t>lo investigado, para </a:t>
+            </a:r>
+            <a:r>
+              <a:rPr lang="es-AR" dirty="0" smtClean="0"/>
+              <a:t>iniciar la producción concreta del producto.</a:t>
             </a:r>
           </a:p>
           <a:p>
@@ -5606,6 +5633,13 @@
   <p:clrMapOvr>
     <a:masterClrMapping/>
   </p:clrMapOvr>
+  <p:timing>
+    <p:tnLst>
+      <p:par>
+        <p:cTn id="1" dur="indefinite" restart="never" nodeType="tmRoot"/>
+      </p:par>
+    </p:tnLst>
+  </p:timing>
 </p:sld>
 </file>
 
@@ -5824,6 +5858,13 @@
   <p:clrMapOvr>
     <a:masterClrMapping/>
   </p:clrMapOvr>
+  <p:timing>
+    <p:tnLst>
+      <p:par>
+        <p:cTn id="1" dur="indefinite" restart="never" nodeType="tmRoot"/>
+      </p:par>
+    </p:tnLst>
+  </p:timing>
 </p:sld>
 </file>
 
@@ -6098,6 +6139,13 @@
   <p:clrMapOvr>
     <a:masterClrMapping/>
   </p:clrMapOvr>
+  <p:timing>
+    <p:tnLst>
+      <p:par>
+        <p:cTn id="1" dur="indefinite" restart="never" nodeType="tmRoot"/>
+      </p:par>
+    </p:tnLst>
+  </p:timing>
 </p:sld>
 </file>
 
@@ -6469,6 +6517,13 @@
   <p:clrMapOvr>
     <a:masterClrMapping/>
   </p:clrMapOvr>
+  <p:timing>
+    <p:tnLst>
+      <p:par>
+        <p:cTn id="1" dur="indefinite" restart="never" nodeType="tmRoot"/>
+      </p:par>
+    </p:tnLst>
+  </p:timing>
 </p:sld>
 </file>
 
@@ -6524,7 +6579,7 @@
         <p:spPr/>
         <p:txBody>
           <a:bodyPr>
-            <a:normAutofit fontScale="85000" lnSpcReduction="20000"/>
+            <a:normAutofit fontScale="92500" lnSpcReduction="10000"/>
           </a:bodyPr>
           <a:lstStyle/>
           <a:p>
@@ -6583,39 +6638,7 @@
               <a:buClr>
                 <a:schemeClr val="accent3"/>
               </a:buClr>
-              <a:buFont typeface="Wingdings 2"/>
-              <a:buChar char=""/>
-              <a:defRPr/>
-            </a:pPr>
-            <a:endParaRPr lang="es-AR" dirty="0"/>
-          </a:p>
-          <a:p>
-            <a:pPr marL="274320" indent="-274320" fontAlgn="auto">
-              <a:spcAft>
-                <a:spcPts val="0"/>
-              </a:spcAft>
-              <a:buClr>
-                <a:schemeClr val="accent3"/>
-              </a:buClr>
-              <a:buFont typeface="Wingdings 2"/>
-              <a:buChar char=""/>
-              <a:defRPr/>
-            </a:pPr>
-            <a:r>
-              <a:rPr lang="es-AR" dirty="0" smtClean="0"/>
-              <a:t>No se han definido mecanismos de distribución de la arquitectura de clases con respecto a los datos almacenados en la base de datos.</a:t>
-            </a:r>
-          </a:p>
-          <a:p>
-            <a:pPr marL="274320" indent="-274320" fontAlgn="auto">
-              <a:spcAft>
-                <a:spcPts val="0"/>
-              </a:spcAft>
-              <a:buClr>
-                <a:schemeClr val="accent3"/>
-              </a:buClr>
-              <a:buFont typeface="Wingdings 2"/>
-              <a:buChar char=""/>
+              <a:buNone/>
               <a:defRPr/>
             </a:pPr>
             <a:endParaRPr lang="es-AR" dirty="0"/>
@@ -6701,6 +6724,13 @@
   <p:clrMapOvr>
     <a:masterClrMapping/>
   </p:clrMapOvr>
+  <p:timing>
+    <p:tnLst>
+      <p:par>
+        <p:cTn id="1" dur="indefinite" restart="never" nodeType="tmRoot"/>
+      </p:par>
+    </p:tnLst>
+  </p:timing>
 </p:sld>
 </file>
 
@@ -7156,6 +7186,13 @@
   <p:clrMapOvr>
     <a:masterClrMapping/>
   </p:clrMapOvr>
+  <p:timing>
+    <p:tnLst>
+      <p:par>
+        <p:cTn id="1" dur="indefinite" restart="never" nodeType="tmRoot"/>
+      </p:par>
+    </p:tnLst>
+  </p:timing>
 </p:sld>
 </file>
 
@@ -7271,6 +7308,13 @@
   <p:clrMapOvr>
     <a:masterClrMapping/>
   </p:clrMapOvr>
+  <p:timing>
+    <p:tnLst>
+      <p:par>
+        <p:cTn id="1" dur="indefinite" restart="never" nodeType="tmRoot"/>
+      </p:par>
+    </p:tnLst>
+  </p:timing>
 </p:sld>
 </file>
 
